--- a/translations/en-us/Project/Sharing.pptx
+++ b/translations/en-us/Project/Sharing.pptx
@@ -1,8 +1,8 @@
 
 <file path=ppt/presentation.xml><?xml version="1.0" encoding="utf-8"?>
-<p:presentation xmlns:a="http://schemas.openxmlformats.org/drawingml/2006/main" xmlns:r="http://schemas.openxmlformats.org/officeDocument/2006/relationships" xmlns:p="http://schemas.openxmlformats.org/presentationml/2006/main" saveSubsetFonts="1" autoCompressPictures="0">
+<p:presentation xmlns:a="http://schemas.openxmlformats.org/drawingml/2006/main" xmlns:r="http://schemas.openxmlformats.org/officeDocument/2006/relationships" xmlns:p="http://schemas.openxmlformats.org/presentationml/2006/main" showSpecialPlsOnTitleSld="0" saveSubsetFonts="1" autoCompressPictures="0">
   <p:sldMasterIdLst>
-    <p:sldMasterId id="2147483779" r:id="rId1"/>
+    <p:sldMasterId id="2147483791" r:id="rId1"/>
   </p:sldMasterIdLst>
   <p:notesMasterIdLst>
     <p:notesMasterId r:id="rId10"/>
@@ -204,7 +204,7 @@
           <a:p>
             <a:fld id="{A78B980B-A051-5042-A199-B77431CF73D3}" type="datetimeFigureOut">
               <a:rPr lang="en-US" smtClean="0"/>
-              <a:t>6/7/18</a:t>
+              <a:t>6/12/18</a:t>
             </a:fld>
             <a:endParaRPr lang="en-US"/>
           </a:p>
@@ -640,7 +640,7 @@
 </file>
 
 <file path=ppt/slideLayouts/slideLayout1.xml><?xml version="1.0" encoding="utf-8"?>
-<p:sldLayout xmlns:a="http://schemas.openxmlformats.org/drawingml/2006/main" xmlns:r="http://schemas.openxmlformats.org/officeDocument/2006/relationships" xmlns:p="http://schemas.openxmlformats.org/presentationml/2006/main" showMasterSp="0" type="title" preserve="1">
+<p:sldLayout xmlns:a="http://schemas.openxmlformats.org/drawingml/2006/main" xmlns:r="http://schemas.openxmlformats.org/officeDocument/2006/relationships" xmlns:p="http://schemas.openxmlformats.org/presentationml/2006/main" type="title" preserve="1">
   <p:cSld name="Title Slide">
     <p:spTree>
       <p:nvGrpSpPr>
@@ -664,14 +664,381 @@
         </p:nvSpPr>
         <p:spPr>
           <a:xfrm>
-            <a:off x="2382" y="6400800"/>
-            <a:ext cx="9141619" cy="457200"/>
+            <a:off x="448091" y="563880"/>
+            <a:ext cx="8240108" cy="5682175"/>
           </a:xfrm>
           <a:prstGeom prst="rect">
             <a:avLst/>
           </a:prstGeom>
           <a:solidFill>
-            <a:srgbClr val="034A85"/>
+            <a:schemeClr val="accent1"/>
+          </a:solidFill>
+          <a:ln>
+            <a:noFill/>
+          </a:ln>
+          <a:effectLst/>
+        </p:spPr>
+        <p:style>
+          <a:lnRef idx="1">
+            <a:schemeClr val="accent1"/>
+          </a:lnRef>
+          <a:fillRef idx="3">
+            <a:schemeClr val="accent1"/>
+          </a:fillRef>
+          <a:effectRef idx="2">
+            <a:schemeClr val="accent1"/>
+          </a:effectRef>
+          <a:fontRef idx="minor">
+            <a:schemeClr val="lt1"/>
+          </a:fontRef>
+        </p:style>
+      </p:sp>
+      <p:sp>
+        <p:nvSpPr>
+          <p:cNvPr id="2" name="Title 1"/>
+          <p:cNvSpPr>
+            <a:spLocks noGrp="1"/>
+          </p:cNvSpPr>
+          <p:nvPr>
+            <p:ph type="ctrTitle" hasCustomPrompt="1"/>
+          </p:nvPr>
+        </p:nvSpPr>
+        <p:spPr>
+          <a:xfrm>
+            <a:off x="581192" y="3936453"/>
+            <a:ext cx="7989752" cy="1033133"/>
+          </a:xfrm>
+          <a:ln>
+            <a:noFill/>
+          </a:ln>
+          <a:effectLst/>
+        </p:spPr>
+        <p:txBody>
+          <a:bodyPr anchor="b">
+            <a:normAutofit/>
+          </a:bodyPr>
+          <a:lstStyle>
+            <a:lvl1pPr algn="ctr">
+              <a:defRPr sz="3600">
+                <a:solidFill>
+                  <a:schemeClr val="bg1"/>
+                </a:solidFill>
+              </a:defRPr>
+            </a:lvl1pPr>
+          </a:lstStyle>
+          <a:p>
+            <a:r>
+              <a:rPr lang="en-US" dirty="0"/>
+              <a:t>title style</a:t>
+            </a:r>
+          </a:p>
+        </p:txBody>
+      </p:sp>
+      <p:sp>
+        <p:nvSpPr>
+          <p:cNvPr id="3" name="Subtitle 2"/>
+          <p:cNvSpPr>
+            <a:spLocks noGrp="1"/>
+          </p:cNvSpPr>
+          <p:nvPr>
+            <p:ph type="subTitle" idx="1"/>
+          </p:nvPr>
+        </p:nvSpPr>
+        <p:spPr>
+          <a:xfrm>
+            <a:off x="581192" y="5175772"/>
+            <a:ext cx="7989752" cy="590321"/>
+          </a:xfrm>
+          <a:ln>
+            <a:noFill/>
+          </a:ln>
+        </p:spPr>
+        <p:txBody>
+          <a:bodyPr anchor="t">
+            <a:normAutofit/>
+          </a:bodyPr>
+          <a:lstStyle>
+            <a:lvl1pPr marL="0" indent="0" algn="ctr">
+              <a:buNone/>
+              <a:defRPr sz="1600" cap="all">
+                <a:solidFill>
+                  <a:schemeClr val="bg1"/>
+                </a:solidFill>
+              </a:defRPr>
+            </a:lvl1pPr>
+            <a:lvl2pPr marL="457200" indent="0" algn="ctr">
+              <a:buNone/>
+              <a:defRPr>
+                <a:solidFill>
+                  <a:schemeClr val="tx1">
+                    <a:tint val="75000"/>
+                  </a:schemeClr>
+                </a:solidFill>
+              </a:defRPr>
+            </a:lvl2pPr>
+            <a:lvl3pPr marL="914400" indent="0" algn="ctr">
+              <a:buNone/>
+              <a:defRPr>
+                <a:solidFill>
+                  <a:schemeClr val="tx1">
+                    <a:tint val="75000"/>
+                  </a:schemeClr>
+                </a:solidFill>
+              </a:defRPr>
+            </a:lvl3pPr>
+            <a:lvl4pPr marL="1371600" indent="0" algn="ctr">
+              <a:buNone/>
+              <a:defRPr>
+                <a:solidFill>
+                  <a:schemeClr val="tx1">
+                    <a:tint val="75000"/>
+                  </a:schemeClr>
+                </a:solidFill>
+              </a:defRPr>
+            </a:lvl4pPr>
+            <a:lvl5pPr marL="1828800" indent="0" algn="ctr">
+              <a:buNone/>
+              <a:defRPr>
+                <a:solidFill>
+                  <a:schemeClr val="tx1">
+                    <a:tint val="75000"/>
+                  </a:schemeClr>
+                </a:solidFill>
+              </a:defRPr>
+            </a:lvl5pPr>
+            <a:lvl6pPr marL="2286000" indent="0" algn="ctr">
+              <a:buNone/>
+              <a:defRPr>
+                <a:solidFill>
+                  <a:schemeClr val="tx1">
+                    <a:tint val="75000"/>
+                  </a:schemeClr>
+                </a:solidFill>
+              </a:defRPr>
+            </a:lvl6pPr>
+            <a:lvl7pPr marL="2743200" indent="0" algn="ctr">
+              <a:buNone/>
+              <a:defRPr>
+                <a:solidFill>
+                  <a:schemeClr val="tx1">
+                    <a:tint val="75000"/>
+                  </a:schemeClr>
+                </a:solidFill>
+              </a:defRPr>
+            </a:lvl7pPr>
+            <a:lvl8pPr marL="3200400" indent="0" algn="ctr">
+              <a:buNone/>
+              <a:defRPr>
+                <a:solidFill>
+                  <a:schemeClr val="tx1">
+                    <a:tint val="75000"/>
+                  </a:schemeClr>
+                </a:solidFill>
+              </a:defRPr>
+            </a:lvl8pPr>
+            <a:lvl9pPr marL="3657600" indent="0" algn="ctr">
+              <a:buNone/>
+              <a:defRPr>
+                <a:solidFill>
+                  <a:schemeClr val="tx1">
+                    <a:tint val="75000"/>
+                  </a:schemeClr>
+                </a:solidFill>
+              </a:defRPr>
+            </a:lvl9pPr>
+          </a:lstStyle>
+          <a:p>
+            <a:r>
+              <a:rPr lang="en-US"/>
+              <a:t>Click to edit Master subtitle style</a:t>
+            </a:r>
+            <a:endParaRPr lang="en-US" dirty="0"/>
+          </a:p>
+        </p:txBody>
+      </p:sp>
+      <p:sp>
+        <p:nvSpPr>
+          <p:cNvPr id="4" name="Date Placeholder 3"/>
+          <p:cNvSpPr>
+            <a:spLocks noGrp="1"/>
+          </p:cNvSpPr>
+          <p:nvPr>
+            <p:ph type="dt" sz="half" idx="10"/>
+          </p:nvPr>
+        </p:nvSpPr>
+        <p:spPr>
+          <a:xfrm>
+            <a:off x="5559327" y="6392242"/>
+            <a:ext cx="2133600" cy="365125"/>
+          </a:xfrm>
+          <a:prstGeom prst="rect">
+            <a:avLst/>
+          </a:prstGeom>
+        </p:spPr>
+        <p:txBody>
+          <a:bodyPr/>
+          <a:lstStyle>
+            <a:lvl1pPr>
+              <a:defRPr>
+                <a:solidFill>
+                  <a:schemeClr val="accent1">
+                    <a:lumMod val="75000"/>
+                    <a:lumOff val="25000"/>
+                  </a:schemeClr>
+                </a:solidFill>
+              </a:defRPr>
+            </a:lvl1pPr>
+          </a:lstStyle>
+          <a:p>
+            <a:fld id="{12B9D50C-35C6-4A51-92CA-6D6A449B84E7}" type="datetime1">
+              <a:rPr lang="en-US" smtClean="0"/>
+              <a:t>6/12/18</a:t>
+            </a:fld>
+            <a:endParaRPr lang="en-US" dirty="0"/>
+          </a:p>
+        </p:txBody>
+      </p:sp>
+      <p:sp>
+        <p:nvSpPr>
+          <p:cNvPr id="5" name="Footer Placeholder 4"/>
+          <p:cNvSpPr>
+            <a:spLocks noGrp="1"/>
+          </p:cNvSpPr>
+          <p:nvPr>
+            <p:ph type="ftr" sz="quarter" idx="11"/>
+          </p:nvPr>
+        </p:nvSpPr>
+        <p:spPr>
+          <a:xfrm>
+            <a:off x="581192" y="6387916"/>
+            <a:ext cx="4870585" cy="365125"/>
+          </a:xfrm>
+          <a:prstGeom prst="rect">
+            <a:avLst/>
+          </a:prstGeom>
+        </p:spPr>
+        <p:txBody>
+          <a:bodyPr/>
+          <a:lstStyle>
+            <a:lvl1pPr>
+              <a:defRPr>
+                <a:solidFill>
+                  <a:schemeClr val="accent1">
+                    <a:lumMod val="75000"/>
+                    <a:lumOff val="25000"/>
+                  </a:schemeClr>
+                </a:solidFill>
+              </a:defRPr>
+            </a:lvl1pPr>
+          </a:lstStyle>
+          <a:p>
+            <a:r>
+              <a:rPr lang="en-US"/>
+              <a:t>© 2018,FLL Tutorials (Last Edit 06/11/2018)</a:t>
+            </a:r>
+            <a:endParaRPr lang="en-US" dirty="0"/>
+          </a:p>
+        </p:txBody>
+      </p:sp>
+      <p:sp>
+        <p:nvSpPr>
+          <p:cNvPr id="6" name="Slide Number Placeholder 5"/>
+          <p:cNvSpPr>
+            <a:spLocks noGrp="1"/>
+          </p:cNvSpPr>
+          <p:nvPr>
+            <p:ph type="sldNum" sz="quarter" idx="12"/>
+          </p:nvPr>
+        </p:nvSpPr>
+        <p:spPr>
+          <a:xfrm>
+            <a:off x="7800476" y="6392242"/>
+            <a:ext cx="770468" cy="365125"/>
+          </a:xfrm>
+          <a:prstGeom prst="rect">
+            <a:avLst/>
+          </a:prstGeom>
+        </p:spPr>
+        <p:txBody>
+          <a:bodyPr/>
+          <a:lstStyle>
+            <a:lvl1pPr>
+              <a:defRPr>
+                <a:solidFill>
+                  <a:schemeClr val="accent1">
+                    <a:lumMod val="75000"/>
+                    <a:lumOff val="25000"/>
+                  </a:schemeClr>
+                </a:solidFill>
+              </a:defRPr>
+            </a:lvl1pPr>
+          </a:lstStyle>
+          <a:p>
+            <a:fld id="{6D22F896-40B5-4ADD-8801-0D06FADFA095}" type="slidenum">
+              <a:rPr lang="en-US" smtClean="0"/>
+              <a:t>‹#›</a:t>
+            </a:fld>
+            <a:endParaRPr lang="en-US" dirty="0"/>
+          </a:p>
+        </p:txBody>
+      </p:sp>
+      <p:pic>
+        <p:nvPicPr>
+          <p:cNvPr id="8" name="Picture 7">
+            <a:extLst>
+              <a:ext uri="{FF2B5EF4-FFF2-40B4-BE49-F238E27FC236}">
+                <a16:creationId xmlns:a16="http://schemas.microsoft.com/office/drawing/2014/main" id="{D4B45051-E032-1249-AC8B-C5EB1B15FB44}"/>
+              </a:ext>
+            </a:extLst>
+          </p:cNvPr>
+          <p:cNvPicPr>
+            <a:picLocks noChangeAspect="1"/>
+          </p:cNvPicPr>
+          <p:nvPr/>
+        </p:nvPicPr>
+        <p:blipFill rotWithShape="1">
+          <a:blip r:embed="rId2" cstate="print">
+            <a:extLst>
+              <a:ext uri="{28A0092B-C50C-407E-A947-70E740481C1C}">
+                <a14:useLocalDpi xmlns:a14="http://schemas.microsoft.com/office/drawing/2010/main"/>
+              </a:ext>
+            </a:extLst>
+          </a:blip>
+          <a:srcRect/>
+          <a:stretch/>
+        </p:blipFill>
+        <p:spPr>
+          <a:xfrm>
+            <a:off x="335280" y="563880"/>
+            <a:ext cx="8488680" cy="2915504"/>
+          </a:xfrm>
+          <a:prstGeom prst="rect">
+            <a:avLst/>
+          </a:prstGeom>
+        </p:spPr>
+      </p:pic>
+      <p:sp>
+        <p:nvSpPr>
+          <p:cNvPr id="9" name="Rectangle 8">
+            <a:extLst>
+              <a:ext uri="{FF2B5EF4-FFF2-40B4-BE49-F238E27FC236}">
+                <a16:creationId xmlns:a16="http://schemas.microsoft.com/office/drawing/2014/main" id="{2DE0425F-EC1B-45E2-ADB4-FE7551626223}"/>
+              </a:ext>
+            </a:extLst>
+          </p:cNvPr>
+          <p:cNvSpPr/>
+          <p:nvPr userDrawn="1"/>
+        </p:nvSpPr>
+        <p:spPr>
+          <a:xfrm>
+            <a:off x="-2358" y="6272819"/>
+            <a:ext cx="9141619" cy="64008"/>
+          </a:xfrm>
+          <a:prstGeom prst="rect">
+            <a:avLst/>
+          </a:prstGeom>
+          <a:solidFill>
+            <a:srgbClr val="24CF39"/>
           </a:solidFill>
           <a:ln>
             <a:noFill/>
@@ -693,617 +1060,20 @@
             <a:schemeClr val="lt1"/>
           </a:fontRef>
         </p:style>
-      </p:sp>
-      <p:sp>
-        <p:nvSpPr>
-          <p:cNvPr id="8" name="Rectangle 7"/>
-          <p:cNvSpPr/>
-          <p:nvPr/>
-        </p:nvSpPr>
-        <p:spPr>
-          <a:xfrm>
-            <a:off x="12" y="6334316"/>
-            <a:ext cx="9141619" cy="64008"/>
-          </a:xfrm>
-          <a:prstGeom prst="rect">
-            <a:avLst/>
-          </a:prstGeom>
-          <a:solidFill>
-            <a:srgbClr val="652C90"/>
-          </a:solidFill>
-          <a:ln>
-            <a:noFill/>
-          </a:ln>
-        </p:spPr>
-        <p:style>
-          <a:lnRef idx="2">
-            <a:schemeClr val="accent1">
-              <a:shade val="50000"/>
-            </a:schemeClr>
-          </a:lnRef>
-          <a:fillRef idx="1">
-            <a:schemeClr val="accent1"/>
-          </a:fillRef>
-          <a:effectRef idx="0">
-            <a:schemeClr val="accent1"/>
-          </a:effectRef>
-          <a:fontRef idx="minor">
-            <a:schemeClr val="lt1"/>
-          </a:fontRef>
-        </p:style>
-      </p:sp>
-      <p:sp>
-        <p:nvSpPr>
-          <p:cNvPr id="2" name="Title 1"/>
-          <p:cNvSpPr>
-            <a:spLocks noGrp="1"/>
-          </p:cNvSpPr>
-          <p:nvPr>
-            <p:ph type="ctrTitle"/>
-          </p:nvPr>
-        </p:nvSpPr>
-        <p:spPr>
-          <a:xfrm>
-            <a:off x="600325" y="3297658"/>
-            <a:ext cx="8017477" cy="911046"/>
-          </a:xfrm>
-        </p:spPr>
-        <p:txBody>
-          <a:bodyPr anchor="b">
-            <a:normAutofit/>
-          </a:bodyPr>
-          <a:lstStyle>
-            <a:lvl1pPr algn="ctr">
-              <a:lnSpc>
-                <a:spcPct val="85000"/>
-              </a:lnSpc>
-              <a:defRPr sz="4800" spc="-50" baseline="0">
-                <a:solidFill>
-                  <a:schemeClr val="tx1">
-                    <a:lumMod val="85000"/>
-                    <a:lumOff val="15000"/>
-                  </a:schemeClr>
-                </a:solidFill>
-              </a:defRPr>
-            </a:lvl1pPr>
-          </a:lstStyle>
-          <a:p>
-            <a:r>
-              <a:rPr lang="en-US" dirty="0"/>
-              <a:t>Click to edit Master title style</a:t>
-            </a:r>
-          </a:p>
-        </p:txBody>
-      </p:sp>
-      <p:sp>
-        <p:nvSpPr>
-          <p:cNvPr id="3" name="Subtitle 2"/>
-          <p:cNvSpPr>
-            <a:spLocks noGrp="1"/>
-          </p:cNvSpPr>
-          <p:nvPr>
-            <p:ph type="subTitle" idx="1"/>
-          </p:nvPr>
-        </p:nvSpPr>
-        <p:spPr>
-          <a:xfrm>
-            <a:off x="796551" y="4446449"/>
-            <a:ext cx="7543800" cy="488911"/>
-          </a:xfrm>
-        </p:spPr>
-        <p:txBody>
-          <a:bodyPr lIns="91440" rIns="91440">
-            <a:normAutofit/>
-          </a:bodyPr>
-          <a:lstStyle>
-            <a:lvl1pPr marL="0" indent="0" algn="ctr">
-              <a:buNone/>
-              <a:defRPr sz="2400" cap="all" spc="200" baseline="0">
-                <a:solidFill>
-                  <a:schemeClr val="tx2"/>
-                </a:solidFill>
-                <a:latin typeface="+mj-lt"/>
-              </a:defRPr>
-            </a:lvl1pPr>
-            <a:lvl2pPr marL="457200" indent="0" algn="ctr">
-              <a:buNone/>
-              <a:defRPr sz="2400"/>
-            </a:lvl2pPr>
-            <a:lvl3pPr marL="914400" indent="0" algn="ctr">
-              <a:buNone/>
-              <a:defRPr sz="2400"/>
-            </a:lvl3pPr>
-            <a:lvl4pPr marL="1371600" indent="0" algn="ctr">
-              <a:buNone/>
-              <a:defRPr sz="2000"/>
-            </a:lvl4pPr>
-            <a:lvl5pPr marL="1828800" indent="0" algn="ctr">
-              <a:buNone/>
-              <a:defRPr sz="2000"/>
-            </a:lvl5pPr>
-            <a:lvl6pPr marL="2286000" indent="0" algn="ctr">
-              <a:buNone/>
-              <a:defRPr sz="2000"/>
-            </a:lvl6pPr>
-            <a:lvl7pPr marL="2743200" indent="0" algn="ctr">
-              <a:buNone/>
-              <a:defRPr sz="2000"/>
-            </a:lvl7pPr>
-            <a:lvl8pPr marL="3200400" indent="0" algn="ctr">
-              <a:buNone/>
-              <a:defRPr sz="2000"/>
-            </a:lvl8pPr>
-            <a:lvl9pPr marL="3657600" indent="0" algn="ctr">
-              <a:buNone/>
-              <a:defRPr sz="2000"/>
-            </a:lvl9pPr>
-          </a:lstStyle>
-          <a:p>
-            <a:endParaRPr lang="en-US" dirty="0"/>
-          </a:p>
-        </p:txBody>
-      </p:sp>
-      <p:sp>
-        <p:nvSpPr>
-          <p:cNvPr id="4" name="Date Placeholder 3"/>
-          <p:cNvSpPr>
-            <a:spLocks noGrp="1"/>
-          </p:cNvSpPr>
-          <p:nvPr>
-            <p:ph type="dt" sz="half" idx="10"/>
-          </p:nvPr>
-        </p:nvSpPr>
-        <p:spPr/>
         <p:txBody>
           <a:bodyPr/>
           <a:lstStyle/>
           <a:p>
-            <a:fld id="{CA3B9813-2E52-4B28-A3E9-20913E2DCB8D}" type="datetime1">
-              <a:rPr lang="en-US" smtClean="0"/>
-              <a:t>6/7/18</a:t>
-            </a:fld>
-            <a:endParaRPr lang="en-US" dirty="0"/>
-          </a:p>
-        </p:txBody>
-      </p:sp>
-      <p:sp>
-        <p:nvSpPr>
-          <p:cNvPr id="5" name="Footer Placeholder 4"/>
-          <p:cNvSpPr>
-            <a:spLocks noGrp="1"/>
-          </p:cNvSpPr>
-          <p:nvPr>
-            <p:ph type="ftr" sz="quarter" idx="11"/>
-          </p:nvPr>
-        </p:nvSpPr>
-        <p:spPr/>
-        <p:txBody>
-          <a:bodyPr/>
-          <a:lstStyle/>
-          <a:p>
-            <a:r>
-              <a:rPr lang="en-US"/>
-              <a:t>© 2018,FLL Tutorials (Last Edit 10/31/2017)</a:t>
-            </a:r>
-            <a:endParaRPr lang="en-US" dirty="0"/>
-          </a:p>
-        </p:txBody>
-      </p:sp>
-      <p:sp>
-        <p:nvSpPr>
-          <p:cNvPr id="6" name="Slide Number Placeholder 5"/>
-          <p:cNvSpPr>
-            <a:spLocks noGrp="1"/>
-          </p:cNvSpPr>
-          <p:nvPr>
-            <p:ph type="sldNum" sz="quarter" idx="12"/>
-          </p:nvPr>
-        </p:nvSpPr>
-        <p:spPr/>
-        <p:txBody>
-          <a:bodyPr/>
-          <a:lstStyle/>
-          <a:p>
-            <a:fld id="{6D22F896-40B5-4ADD-8801-0D06FADFA095}" type="slidenum">
-              <a:rPr lang="en-US" smtClean="0"/>
-              <a:t>‹#›</a:t>
-            </a:fld>
-            <a:endParaRPr lang="en-US" dirty="0"/>
-          </a:p>
-        </p:txBody>
-      </p:sp>
-      <p:cxnSp>
-        <p:nvCxnSpPr>
-          <p:cNvPr id="9" name="Straight Connector 8"/>
-          <p:cNvCxnSpPr/>
-          <p:nvPr/>
-        </p:nvCxnSpPr>
-        <p:spPr>
-          <a:xfrm>
-            <a:off x="905744" y="4343400"/>
-            <a:ext cx="7406640" cy="0"/>
-          </a:xfrm>
-          <a:prstGeom prst="line">
-            <a:avLst/>
-          </a:prstGeom>
-          <a:ln w="6350">
-            <a:solidFill>
-              <a:schemeClr val="tx1">
-                <a:lumMod val="50000"/>
-                <a:lumOff val="50000"/>
-              </a:schemeClr>
-            </a:solidFill>
-          </a:ln>
-        </p:spPr>
-        <p:style>
-          <a:lnRef idx="1">
-            <a:schemeClr val="accent1"/>
-          </a:lnRef>
-          <a:fillRef idx="0">
-            <a:schemeClr val="accent1"/>
-          </a:fillRef>
-          <a:effectRef idx="0">
-            <a:schemeClr val="accent1"/>
-          </a:effectRef>
-          <a:fontRef idx="minor">
-            <a:schemeClr val="tx1"/>
-          </a:fontRef>
-        </p:style>
-      </p:cxnSp>
-      <p:sp>
-        <p:nvSpPr>
-          <p:cNvPr id="10" name="Rectangle 9"/>
-          <p:cNvSpPr/>
-          <p:nvPr userDrawn="1"/>
-        </p:nvSpPr>
-        <p:spPr>
-          <a:xfrm>
-            <a:off x="-2358" y="6272819"/>
-            <a:ext cx="9141619" cy="64008"/>
-          </a:xfrm>
-          <a:prstGeom prst="rect">
-            <a:avLst/>
-          </a:prstGeom>
-          <a:solidFill>
-            <a:srgbClr val="24CF39"/>
-          </a:solidFill>
-          <a:ln>
-            <a:noFill/>
-          </a:ln>
-        </p:spPr>
-        <p:style>
-          <a:lnRef idx="2">
-            <a:schemeClr val="accent1">
-              <a:shade val="50000"/>
-            </a:schemeClr>
-          </a:lnRef>
-          <a:fillRef idx="1">
-            <a:schemeClr val="accent1"/>
-          </a:fillRef>
-          <a:effectRef idx="0">
-            <a:schemeClr val="accent1"/>
-          </a:effectRef>
-          <a:fontRef idx="minor">
-            <a:schemeClr val="lt1"/>
-          </a:fontRef>
-        </p:style>
-        <p:txBody>
-          <a:bodyPr/>
-          <a:lstStyle/>
-          <a:p>
-            <a:endParaRPr lang="en-US" dirty="0"/>
-          </a:p>
-        </p:txBody>
-      </p:sp>
-      <p:sp>
-        <p:nvSpPr>
-          <p:cNvPr id="12" name="Subtitle 2"/>
-          <p:cNvSpPr txBox="1">
-            <a:spLocks/>
-          </p:cNvSpPr>
-          <p:nvPr userDrawn="1"/>
-        </p:nvSpPr>
-        <p:spPr>
-          <a:xfrm>
-            <a:off x="905744" y="5680860"/>
-            <a:ext cx="7543800" cy="488911"/>
-          </a:xfrm>
-          <a:prstGeom prst="rect">
-            <a:avLst/>
-          </a:prstGeom>
-        </p:spPr>
-        <p:txBody>
-          <a:bodyPr vert="horz" lIns="91440" tIns="45720" rIns="91440" bIns="45720" rtlCol="0">
-            <a:normAutofit/>
-          </a:bodyPr>
-          <a:lstStyle>
-            <a:lvl1pPr marL="0" indent="0" algn="ctr" defTabSz="914400" rtl="0" eaLnBrk="1" latinLnBrk="0" hangingPunct="1">
-              <a:lnSpc>
-                <a:spcPct val="90000"/>
-              </a:lnSpc>
-              <a:spcBef>
-                <a:spcPts val="1200"/>
-              </a:spcBef>
-              <a:spcAft>
-                <a:spcPts val="200"/>
-              </a:spcAft>
-              <a:buClr>
-                <a:schemeClr val="accent1"/>
-              </a:buClr>
-              <a:buSzPct val="100000"/>
-              <a:buFont typeface="Calibri" panose="020F0502020204030204" pitchFamily="34" charset="0"/>
-              <a:buNone/>
-              <a:defRPr sz="2400" kern="1200" cap="all" spc="200" baseline="0">
-                <a:solidFill>
-                  <a:schemeClr val="tx2"/>
-                </a:solidFill>
-                <a:latin typeface="+mj-lt"/>
-                <a:ea typeface="+mn-ea"/>
-                <a:cs typeface="+mn-cs"/>
-              </a:defRPr>
-            </a:lvl1pPr>
-            <a:lvl2pPr marL="457200" indent="0" algn="ctr" defTabSz="914400" rtl="0" eaLnBrk="1" latinLnBrk="0" hangingPunct="1">
-              <a:lnSpc>
-                <a:spcPct val="90000"/>
-              </a:lnSpc>
-              <a:spcBef>
-                <a:spcPts val="200"/>
-              </a:spcBef>
-              <a:spcAft>
-                <a:spcPts val="400"/>
-              </a:spcAft>
-              <a:buClr>
-                <a:schemeClr val="accent1"/>
-              </a:buClr>
-              <a:buFont typeface="Calibri" pitchFamily="34" charset="0"/>
-              <a:buNone/>
-              <a:defRPr sz="2400" kern="1200">
-                <a:solidFill>
-                  <a:schemeClr val="tx1">
-                    <a:lumMod val="75000"/>
-                    <a:lumOff val="25000"/>
-                  </a:schemeClr>
-                </a:solidFill>
-                <a:latin typeface="+mn-lt"/>
-                <a:ea typeface="+mn-ea"/>
-                <a:cs typeface="+mn-cs"/>
-              </a:defRPr>
-            </a:lvl2pPr>
-            <a:lvl3pPr marL="914400" indent="0" algn="ctr" defTabSz="914400" rtl="0" eaLnBrk="1" latinLnBrk="0" hangingPunct="1">
-              <a:lnSpc>
-                <a:spcPct val="90000"/>
-              </a:lnSpc>
-              <a:spcBef>
-                <a:spcPts val="200"/>
-              </a:spcBef>
-              <a:spcAft>
-                <a:spcPts val="400"/>
-              </a:spcAft>
-              <a:buClr>
-                <a:schemeClr val="accent1"/>
-              </a:buClr>
-              <a:buFont typeface="Calibri" pitchFamily="34" charset="0"/>
-              <a:buNone/>
-              <a:defRPr sz="2400" kern="1200">
-                <a:solidFill>
-                  <a:schemeClr val="tx1">
-                    <a:lumMod val="75000"/>
-                    <a:lumOff val="25000"/>
-                  </a:schemeClr>
-                </a:solidFill>
-                <a:latin typeface="+mn-lt"/>
-                <a:ea typeface="+mn-ea"/>
-                <a:cs typeface="+mn-cs"/>
-              </a:defRPr>
-            </a:lvl3pPr>
-            <a:lvl4pPr marL="1371600" indent="0" algn="ctr" defTabSz="914400" rtl="0" eaLnBrk="1" latinLnBrk="0" hangingPunct="1">
-              <a:lnSpc>
-                <a:spcPct val="90000"/>
-              </a:lnSpc>
-              <a:spcBef>
-                <a:spcPts val="200"/>
-              </a:spcBef>
-              <a:spcAft>
-                <a:spcPts val="400"/>
-              </a:spcAft>
-              <a:buClr>
-                <a:schemeClr val="accent1"/>
-              </a:buClr>
-              <a:buFont typeface="Calibri" pitchFamily="34" charset="0"/>
-              <a:buNone/>
-              <a:defRPr sz="2000" kern="1200">
-                <a:solidFill>
-                  <a:schemeClr val="tx1">
-                    <a:lumMod val="75000"/>
-                    <a:lumOff val="25000"/>
-                  </a:schemeClr>
-                </a:solidFill>
-                <a:latin typeface="+mn-lt"/>
-                <a:ea typeface="+mn-ea"/>
-                <a:cs typeface="+mn-cs"/>
-              </a:defRPr>
-            </a:lvl4pPr>
-            <a:lvl5pPr marL="1828800" indent="0" algn="ctr" defTabSz="914400" rtl="0" eaLnBrk="1" latinLnBrk="0" hangingPunct="1">
-              <a:lnSpc>
-                <a:spcPct val="90000"/>
-              </a:lnSpc>
-              <a:spcBef>
-                <a:spcPts val="200"/>
-              </a:spcBef>
-              <a:spcAft>
-                <a:spcPts val="400"/>
-              </a:spcAft>
-              <a:buClr>
-                <a:schemeClr val="accent1"/>
-              </a:buClr>
-              <a:buFont typeface="Calibri" pitchFamily="34" charset="0"/>
-              <a:buNone/>
-              <a:defRPr sz="2000" kern="1200">
-                <a:solidFill>
-                  <a:schemeClr val="tx1">
-                    <a:lumMod val="75000"/>
-                    <a:lumOff val="25000"/>
-                  </a:schemeClr>
-                </a:solidFill>
-                <a:latin typeface="+mn-lt"/>
-                <a:ea typeface="+mn-ea"/>
-                <a:cs typeface="+mn-cs"/>
-              </a:defRPr>
-            </a:lvl5pPr>
-            <a:lvl6pPr marL="2286000" indent="0" algn="ctr" defTabSz="914400" rtl="0" eaLnBrk="1" latinLnBrk="0" hangingPunct="1">
-              <a:lnSpc>
-                <a:spcPct val="90000"/>
-              </a:lnSpc>
-              <a:spcBef>
-                <a:spcPts val="200"/>
-              </a:spcBef>
-              <a:spcAft>
-                <a:spcPts val="400"/>
-              </a:spcAft>
-              <a:buClr>
-                <a:schemeClr val="accent1"/>
-              </a:buClr>
-              <a:buFont typeface="Calibri" pitchFamily="34" charset="0"/>
-              <a:buNone/>
-              <a:defRPr sz="2000" kern="1200">
-                <a:solidFill>
-                  <a:schemeClr val="tx1">
-                    <a:lumMod val="75000"/>
-                    <a:lumOff val="25000"/>
-                  </a:schemeClr>
-                </a:solidFill>
-                <a:latin typeface="+mn-lt"/>
-                <a:ea typeface="+mn-ea"/>
-                <a:cs typeface="+mn-cs"/>
-              </a:defRPr>
-            </a:lvl6pPr>
-            <a:lvl7pPr marL="2743200" indent="0" algn="ctr" defTabSz="914400" rtl="0" eaLnBrk="1" latinLnBrk="0" hangingPunct="1">
-              <a:lnSpc>
-                <a:spcPct val="90000"/>
-              </a:lnSpc>
-              <a:spcBef>
-                <a:spcPts val="200"/>
-              </a:spcBef>
-              <a:spcAft>
-                <a:spcPts val="400"/>
-              </a:spcAft>
-              <a:buClr>
-                <a:schemeClr val="accent1"/>
-              </a:buClr>
-              <a:buFont typeface="Calibri" pitchFamily="34" charset="0"/>
-              <a:buNone/>
-              <a:defRPr sz="2000" kern="1200">
-                <a:solidFill>
-                  <a:schemeClr val="tx1">
-                    <a:lumMod val="75000"/>
-                    <a:lumOff val="25000"/>
-                  </a:schemeClr>
-                </a:solidFill>
-                <a:latin typeface="+mn-lt"/>
-                <a:ea typeface="+mn-ea"/>
-                <a:cs typeface="+mn-cs"/>
-              </a:defRPr>
-            </a:lvl7pPr>
-            <a:lvl8pPr marL="3200400" indent="0" algn="ctr" defTabSz="914400" rtl="0" eaLnBrk="1" latinLnBrk="0" hangingPunct="1">
-              <a:lnSpc>
-                <a:spcPct val="90000"/>
-              </a:lnSpc>
-              <a:spcBef>
-                <a:spcPts val="200"/>
-              </a:spcBef>
-              <a:spcAft>
-                <a:spcPts val="400"/>
-              </a:spcAft>
-              <a:buClr>
-                <a:schemeClr val="accent1"/>
-              </a:buClr>
-              <a:buFont typeface="Calibri" pitchFamily="34" charset="0"/>
-              <a:buNone/>
-              <a:defRPr sz="2000" kern="1200">
-                <a:solidFill>
-                  <a:schemeClr val="tx1">
-                    <a:lumMod val="75000"/>
-                    <a:lumOff val="25000"/>
-                  </a:schemeClr>
-                </a:solidFill>
-                <a:latin typeface="+mn-lt"/>
-                <a:ea typeface="+mn-ea"/>
-                <a:cs typeface="+mn-cs"/>
-              </a:defRPr>
-            </a:lvl8pPr>
-            <a:lvl9pPr marL="3657600" indent="0" algn="ctr" defTabSz="914400" rtl="0" eaLnBrk="1" latinLnBrk="0" hangingPunct="1">
-              <a:lnSpc>
-                <a:spcPct val="90000"/>
-              </a:lnSpc>
-              <a:spcBef>
-                <a:spcPts val="200"/>
-              </a:spcBef>
-              <a:spcAft>
-                <a:spcPts val="400"/>
-              </a:spcAft>
-              <a:buClr>
-                <a:schemeClr val="accent1"/>
-              </a:buClr>
-              <a:buFont typeface="Calibri" pitchFamily="34" charset="0"/>
-              <a:buNone/>
-              <a:defRPr sz="2000" kern="1200">
-                <a:solidFill>
-                  <a:schemeClr val="tx1">
-                    <a:lumMod val="75000"/>
-                    <a:lumOff val="25000"/>
-                  </a:schemeClr>
-                </a:solidFill>
-                <a:latin typeface="+mn-lt"/>
-                <a:ea typeface="+mn-ea"/>
-                <a:cs typeface="+mn-cs"/>
-              </a:defRPr>
-            </a:lvl9pPr>
-          </a:lstStyle>
-          <a:p>
-            <a:r>
-              <a:rPr lang="en-US" dirty="0"/>
-              <a:t>RESEARCH PROJECT LESSONS</a:t>
-            </a:r>
-          </a:p>
-        </p:txBody>
-      </p:sp>
-      <p:pic>
-        <p:nvPicPr>
-          <p:cNvPr id="13" name="Picture 12" descr="A screenshot of a cell phone&#10;&#10;Description generated with very high confidence">
-            <a:extLst>
-              <a:ext uri="{FF2B5EF4-FFF2-40B4-BE49-F238E27FC236}">
-                <a16:creationId xmlns:a16="http://schemas.microsoft.com/office/drawing/2014/main" id="{A3F2940E-D6B0-4889-82D3-031E7DE99E62}"/>
-              </a:ext>
-            </a:extLst>
-          </p:cNvPr>
-          <p:cNvPicPr>
-            <a:picLocks noChangeAspect="1"/>
-          </p:cNvPicPr>
-          <p:nvPr userDrawn="1"/>
-        </p:nvPicPr>
-        <p:blipFill>
-          <a:blip r:embed="rId2">
-            <a:extLst>
-              <a:ext uri="{28A0092B-C50C-407E-A947-70E740481C1C}">
-                <a14:useLocalDpi xmlns:a14="http://schemas.microsoft.com/office/drawing/2010/main" val="0"/>
-              </a:ext>
-            </a:extLst>
-          </a:blip>
-          <a:stretch>
-            <a:fillRect/>
-          </a:stretch>
-        </p:blipFill>
-        <p:spPr>
-          <a:xfrm>
-            <a:off x="539036" y="191777"/>
-            <a:ext cx="8277216" cy="3038533"/>
-          </a:xfrm>
-          <a:prstGeom prst="rect">
-            <a:avLst/>
-          </a:prstGeom>
-        </p:spPr>
-      </p:pic>
+            <a:endParaRPr lang="en-US" dirty="0"/>
+          </a:p>
+        </p:txBody>
+      </p:sp>
     </p:spTree>
+    <p:extLst>
+      <p:ext uri="{BB962C8B-B14F-4D97-AF65-F5344CB8AC3E}">
+        <p14:creationId xmlns:p14="http://schemas.microsoft.com/office/powerpoint/2010/main" val="3061835945"/>
+      </p:ext>
+    </p:extLst>
   </p:cSld>
   <p:clrMapOvr>
     <a:masterClrMapping/>
@@ -1330,6 +1100,45 @@
       </p:grpSpPr>
       <p:sp>
         <p:nvSpPr>
+          <p:cNvPr id="7" name="Rectangle 6"/>
+          <p:cNvSpPr>
+            <a:spLocks noChangeAspect="1"/>
+          </p:cNvSpPr>
+          <p:nvPr/>
+        </p:nvSpPr>
+        <p:spPr>
+          <a:xfrm>
+            <a:off x="448092" y="599725"/>
+            <a:ext cx="8238707" cy="1258827"/>
+          </a:xfrm>
+          <a:prstGeom prst="rect">
+            <a:avLst/>
+          </a:prstGeom>
+          <a:solidFill>
+            <a:schemeClr val="accent1"/>
+          </a:solidFill>
+          <a:ln>
+            <a:noFill/>
+          </a:ln>
+          <a:effectLst/>
+        </p:spPr>
+        <p:style>
+          <a:lnRef idx="1">
+            <a:schemeClr val="accent1"/>
+          </a:lnRef>
+          <a:fillRef idx="3">
+            <a:schemeClr val="accent1"/>
+          </a:fillRef>
+          <a:effectRef idx="2">
+            <a:schemeClr val="accent1"/>
+          </a:effectRef>
+          <a:fontRef idx="minor">
+            <a:schemeClr val="lt1"/>
+          </a:fontRef>
+        </p:style>
+      </p:sp>
+      <p:sp>
+        <p:nvSpPr>
           <p:cNvPr id="2" name="Title 1"/>
           <p:cNvSpPr>
             <a:spLocks noGrp="1"/>
@@ -1363,13 +1172,29 @@
         </p:nvSpPr>
         <p:spPr/>
         <p:txBody>
-          <a:bodyPr vert="eaVert" lIns="45720" tIns="0" rIns="45720" bIns="0"/>
-          <a:lstStyle/>
+          <a:bodyPr vert="eaVert" anchor="t"/>
+          <a:lstStyle>
+            <a:lvl1pPr algn="l">
+              <a:defRPr/>
+            </a:lvl1pPr>
+            <a:lvl2pPr algn="l">
+              <a:defRPr/>
+            </a:lvl2pPr>
+            <a:lvl3pPr algn="l">
+              <a:defRPr/>
+            </a:lvl3pPr>
+            <a:lvl4pPr algn="l">
+              <a:defRPr/>
+            </a:lvl4pPr>
+            <a:lvl5pPr algn="l">
+              <a:defRPr/>
+            </a:lvl5pPr>
+          </a:lstStyle>
           <a:p>
             <a:pPr lvl="0"/>
             <a:r>
               <a:rPr lang="en-US"/>
-              <a:t>Click to edit Master text styles</a:t>
+              <a:t>Edit Master text styles</a:t>
             </a:r>
           </a:p>
           <a:p>
@@ -1413,14 +1238,22 @@
             <p:ph type="dt" sz="half" idx="10"/>
           </p:nvPr>
         </p:nvSpPr>
-        <p:spPr/>
+        <p:spPr>
+          <a:xfrm>
+            <a:off x="5559327" y="5956136"/>
+            <a:ext cx="2133600" cy="365125"/>
+          </a:xfrm>
+          <a:prstGeom prst="rect">
+            <a:avLst/>
+          </a:prstGeom>
+        </p:spPr>
         <p:txBody>
           <a:bodyPr/>
           <a:lstStyle/>
           <a:p>
-            <a:fld id="{62500E32-0497-4B77-9169-EA4765B7D4C6}" type="datetime1">
+            <a:fld id="{ED7FE409-5A03-47E2-AD65-478F99E35E84}" type="datetime1">
               <a:rPr lang="en-US" smtClean="0"/>
-              <a:t>6/7/18</a:t>
+              <a:t>6/12/18</a:t>
             </a:fld>
             <a:endParaRPr lang="en-US" dirty="0"/>
           </a:p>
@@ -1436,14 +1269,22 @@
             <p:ph type="ftr" sz="quarter" idx="11"/>
           </p:nvPr>
         </p:nvSpPr>
-        <p:spPr/>
+        <p:spPr>
+          <a:xfrm>
+            <a:off x="581192" y="5951810"/>
+            <a:ext cx="4870585" cy="365125"/>
+          </a:xfrm>
+          <a:prstGeom prst="rect">
+            <a:avLst/>
+          </a:prstGeom>
+        </p:spPr>
         <p:txBody>
           <a:bodyPr/>
           <a:lstStyle/>
           <a:p>
             <a:r>
               <a:rPr lang="en-US"/>
-              <a:t>© 2018,FLL Tutorials (Last Edit 10/31/2017)</a:t>
+              <a:t>© 2018,FLL Tutorials (Last Edit 06/11/2018)</a:t>
             </a:r>
             <a:endParaRPr lang="en-US" dirty="0"/>
           </a:p>
@@ -1459,7 +1300,15 @@
             <p:ph type="sldNum" sz="quarter" idx="12"/>
           </p:nvPr>
         </p:nvSpPr>
-        <p:spPr/>
+        <p:spPr>
+          <a:xfrm>
+            <a:off x="7800476" y="5956136"/>
+            <a:ext cx="770468" cy="365125"/>
+          </a:xfrm>
+          <a:prstGeom prst="rect">
+            <a:avLst/>
+          </a:prstGeom>
+        </p:spPr>
         <p:txBody>
           <a:bodyPr/>
           <a:lstStyle/>
@@ -1473,6 +1322,11 @@
         </p:txBody>
       </p:sp>
     </p:spTree>
+    <p:extLst>
+      <p:ext uri="{BB962C8B-B14F-4D97-AF65-F5344CB8AC3E}">
+        <p14:creationId xmlns:p14="http://schemas.microsoft.com/office/powerpoint/2010/main" val="2518942795"/>
+      </p:ext>
+    </p:extLst>
   </p:cSld>
   <p:clrMapOvr>
     <a:masterClrMapping/>
@@ -1481,7 +1335,7 @@
 </file>
 
 <file path=ppt/slideLayouts/slideLayout11.xml><?xml version="1.0" encoding="utf-8"?>
-<p:sldLayout xmlns:a="http://schemas.openxmlformats.org/drawingml/2006/main" xmlns:r="http://schemas.openxmlformats.org/officeDocument/2006/relationships" xmlns:p="http://schemas.openxmlformats.org/presentationml/2006/main" showMasterSp="0" type="vertTitleAndTx" preserve="1">
+<p:sldLayout xmlns:a="http://schemas.openxmlformats.org/drawingml/2006/main" xmlns:r="http://schemas.openxmlformats.org/officeDocument/2006/relationships" xmlns:p="http://schemas.openxmlformats.org/presentationml/2006/main" type="vertTitleAndTx" preserve="1">
   <p:cSld name="Vertical Title and Text">
     <p:spTree>
       <p:nvGrpSpPr>
@@ -1500,51 +1354,15 @@
       <p:sp>
         <p:nvSpPr>
           <p:cNvPr id="7" name="Rectangle 6"/>
-          <p:cNvSpPr/>
+          <p:cNvSpPr>
+            <a:spLocks noChangeAspect="1"/>
+          </p:cNvSpPr>
           <p:nvPr/>
         </p:nvSpPr>
         <p:spPr>
           <a:xfrm>
-            <a:off x="2382" y="6400800"/>
-            <a:ext cx="9141619" cy="457200"/>
-          </a:xfrm>
-          <a:prstGeom prst="rect">
-            <a:avLst/>
-          </a:prstGeom>
-          <a:solidFill>
-            <a:schemeClr val="accent2"/>
-          </a:solidFill>
-          <a:ln>
-            <a:noFill/>
-          </a:ln>
-        </p:spPr>
-        <p:style>
-          <a:lnRef idx="2">
-            <a:schemeClr val="accent1">
-              <a:shade val="50000"/>
-            </a:schemeClr>
-          </a:lnRef>
-          <a:fillRef idx="1">
-            <a:schemeClr val="accent1"/>
-          </a:fillRef>
-          <a:effectRef idx="0">
-            <a:schemeClr val="accent1"/>
-          </a:effectRef>
-          <a:fontRef idx="minor">
-            <a:schemeClr val="lt1"/>
-          </a:fontRef>
-        </p:style>
-      </p:sp>
-      <p:sp>
-        <p:nvSpPr>
-          <p:cNvPr id="8" name="Rectangle 7"/>
-          <p:cNvSpPr/>
-          <p:nvPr/>
-        </p:nvSpPr>
-        <p:spPr>
-          <a:xfrm>
-            <a:off x="12" y="6334316"/>
-            <a:ext cx="9141619" cy="64008"/>
+            <a:off x="6629400" y="599725"/>
+            <a:ext cx="2057399" cy="5816950"/>
           </a:xfrm>
           <a:prstGeom prst="rect">
             <a:avLst/>
@@ -1555,17 +1373,16 @@
           <a:ln>
             <a:noFill/>
           </a:ln>
+          <a:effectLst/>
         </p:spPr>
         <p:style>
-          <a:lnRef idx="2">
-            <a:schemeClr val="accent1">
-              <a:shade val="50000"/>
-            </a:schemeClr>
+          <a:lnRef idx="1">
+            <a:schemeClr val="accent1"/>
           </a:lnRef>
-          <a:fillRef idx="1">
+          <a:fillRef idx="3">
             <a:schemeClr val="accent1"/>
           </a:fillRef>
-          <a:effectRef idx="0">
+          <a:effectRef idx="2">
             <a:schemeClr val="accent1"/>
           </a:effectRef>
           <a:fontRef idx="minor">
@@ -1585,8 +1402,8 @@
         </p:nvSpPr>
         <p:spPr>
           <a:xfrm>
-            <a:off x="6543675" y="414779"/>
-            <a:ext cx="1971675" cy="5757421"/>
+            <a:off x="6629400" y="675725"/>
+            <a:ext cx="1503123" cy="5183073"/>
           </a:xfrm>
         </p:spPr>
         <p:txBody>
@@ -1613,18 +1430,18 @@
         </p:nvSpPr>
         <p:spPr>
           <a:xfrm>
-            <a:off x="628650" y="414779"/>
-            <a:ext cx="5800725" cy="5757420"/>
-          </a:xfrm>
-        </p:spPr>
-        <p:txBody>
-          <a:bodyPr vert="eaVert" lIns="45720" tIns="0" rIns="45720" bIns="0"/>
+            <a:off x="581192" y="675725"/>
+            <a:ext cx="5922209" cy="5183073"/>
+          </a:xfrm>
+        </p:spPr>
+        <p:txBody>
+          <a:bodyPr vert="eaVert" anchor="t"/>
           <a:lstStyle/>
           <a:p>
             <a:pPr lvl="0"/>
             <a:r>
               <a:rPr lang="en-US"/>
-              <a:t>Click to edit Master text styles</a:t>
+              <a:t>Edit Master text styles</a:t>
             </a:r>
           </a:p>
           <a:p>
@@ -1668,56 +1485,102 @@
             <p:ph type="dt" sz="half" idx="10"/>
           </p:nvPr>
         </p:nvSpPr>
-        <p:spPr/>
+        <p:spPr>
+          <a:xfrm>
+            <a:off x="6745255" y="5956136"/>
+            <a:ext cx="947672" cy="365125"/>
+          </a:xfrm>
+          <a:prstGeom prst="rect">
+            <a:avLst/>
+          </a:prstGeom>
+        </p:spPr>
+        <p:txBody>
+          <a:bodyPr/>
+          <a:lstStyle>
+            <a:lvl1pPr>
+              <a:defRPr>
+                <a:solidFill>
+                  <a:schemeClr val="accent1">
+                    <a:lumMod val="75000"/>
+                    <a:lumOff val="25000"/>
+                  </a:schemeClr>
+                </a:solidFill>
+              </a:defRPr>
+            </a:lvl1pPr>
+          </a:lstStyle>
+          <a:p>
+            <a:fld id="{99D172A8-DB2B-4373-8AE8-09B37EB89159}" type="datetime1">
+              <a:rPr lang="en-US" smtClean="0"/>
+              <a:t>6/12/18</a:t>
+            </a:fld>
+            <a:endParaRPr lang="en-US" dirty="0"/>
+          </a:p>
+        </p:txBody>
+      </p:sp>
+      <p:sp>
+        <p:nvSpPr>
+          <p:cNvPr id="5" name="Footer Placeholder 4"/>
+          <p:cNvSpPr>
+            <a:spLocks noGrp="1"/>
+          </p:cNvSpPr>
+          <p:nvPr>
+            <p:ph type="ftr" sz="quarter" idx="11"/>
+          </p:nvPr>
+        </p:nvSpPr>
+        <p:spPr>
+          <a:xfrm>
+            <a:off x="581192" y="5951810"/>
+            <a:ext cx="5922209" cy="365125"/>
+          </a:xfrm>
+          <a:prstGeom prst="rect">
+            <a:avLst/>
+          </a:prstGeom>
+        </p:spPr>
         <p:txBody>
           <a:bodyPr/>
           <a:lstStyle/>
           <a:p>
-            <a:fld id="{828B4B81-95C5-452A-BC52-324C948C0174}" type="datetime1">
-              <a:rPr lang="en-US" smtClean="0"/>
-              <a:t>6/7/18</a:t>
-            </a:fld>
-            <a:endParaRPr lang="en-US" dirty="0"/>
-          </a:p>
-        </p:txBody>
-      </p:sp>
-      <p:sp>
-        <p:nvSpPr>
-          <p:cNvPr id="5" name="Footer Placeholder 4"/>
-          <p:cNvSpPr>
-            <a:spLocks noGrp="1"/>
-          </p:cNvSpPr>
-          <p:nvPr>
-            <p:ph type="ftr" sz="quarter" idx="11"/>
-          </p:nvPr>
-        </p:nvSpPr>
-        <p:spPr/>
+            <a:r>
+              <a:rPr lang="en-US"/>
+              <a:t>© 2018,FLL Tutorials (Last Edit 06/11/2018)</a:t>
+            </a:r>
+            <a:endParaRPr lang="en-US" dirty="0"/>
+          </a:p>
+        </p:txBody>
+      </p:sp>
+      <p:sp>
+        <p:nvSpPr>
+          <p:cNvPr id="6" name="Slide Number Placeholder 5"/>
+          <p:cNvSpPr>
+            <a:spLocks noGrp="1"/>
+          </p:cNvSpPr>
+          <p:nvPr>
+            <p:ph type="sldNum" sz="quarter" idx="12"/>
+          </p:nvPr>
+        </p:nvSpPr>
+        <p:spPr>
+          <a:xfrm>
+            <a:off x="7800476" y="5956136"/>
+            <a:ext cx="770468" cy="365125"/>
+          </a:xfrm>
+          <a:prstGeom prst="rect">
+            <a:avLst/>
+          </a:prstGeom>
+        </p:spPr>
         <p:txBody>
           <a:bodyPr/>
-          <a:lstStyle/>
-          <a:p>
-            <a:r>
-              <a:rPr lang="en-US"/>
-              <a:t>© 2018,FLL Tutorials (Last Edit 10/31/2017)</a:t>
-            </a:r>
-            <a:endParaRPr lang="en-US" dirty="0"/>
-          </a:p>
-        </p:txBody>
-      </p:sp>
-      <p:sp>
-        <p:nvSpPr>
-          <p:cNvPr id="6" name="Slide Number Placeholder 5"/>
-          <p:cNvSpPr>
-            <a:spLocks noGrp="1"/>
-          </p:cNvSpPr>
-          <p:nvPr>
-            <p:ph type="sldNum" sz="quarter" idx="12"/>
-          </p:nvPr>
-        </p:nvSpPr>
-        <p:spPr/>
-        <p:txBody>
-          <a:bodyPr/>
-          <a:lstStyle/>
+          <a:lstStyle>
+            <a:lvl1pPr>
+              <a:defRPr>
+                <a:solidFill>
+                  <a:schemeClr val="accent1">
+                    <a:lumMod val="75000"/>
+                    <a:lumOff val="25000"/>
+                  </a:schemeClr>
+                </a:solidFill>
+              </a:defRPr>
+            </a:lvl1pPr>
+          </a:lstStyle>
           <a:p>
             <a:fld id="{6D22F896-40B5-4ADD-8801-0D06FADFA095}" type="slidenum">
               <a:rPr lang="en-US" smtClean="0"/>
@@ -1728,6 +1591,11 @@
         </p:txBody>
       </p:sp>
     </p:spTree>
+    <p:extLst>
+      <p:ext uri="{BB962C8B-B14F-4D97-AF65-F5344CB8AC3E}">
+        <p14:creationId xmlns:p14="http://schemas.microsoft.com/office/powerpoint/2010/main" val="4293053057"/>
+      </p:ext>
+    </p:extLst>
   </p:cSld>
   <p:clrMapOvr>
     <a:masterClrMapping/>
@@ -1754,6 +1622,45 @@
       </p:grpSpPr>
       <p:sp>
         <p:nvSpPr>
+          <p:cNvPr id="7" name="Rectangle 6"/>
+          <p:cNvSpPr>
+            <a:spLocks noChangeAspect="1"/>
+          </p:cNvSpPr>
+          <p:nvPr/>
+        </p:nvSpPr>
+        <p:spPr>
+          <a:xfrm>
+            <a:off x="448092" y="599725"/>
+            <a:ext cx="8238707" cy="818109"/>
+          </a:xfrm>
+          <a:prstGeom prst="rect">
+            <a:avLst/>
+          </a:prstGeom>
+          <a:solidFill>
+            <a:schemeClr val="accent1"/>
+          </a:solidFill>
+          <a:ln>
+            <a:noFill/>
+          </a:ln>
+          <a:effectLst/>
+        </p:spPr>
+        <p:style>
+          <a:lnRef idx="1">
+            <a:schemeClr val="accent1"/>
+          </a:lnRef>
+          <a:fillRef idx="3">
+            <a:schemeClr val="accent1"/>
+          </a:fillRef>
+          <a:effectRef idx="2">
+            <a:schemeClr val="accent1"/>
+          </a:effectRef>
+          <a:fontRef idx="minor">
+            <a:schemeClr val="lt1"/>
+          </a:fontRef>
+        </p:style>
+      </p:sp>
+      <p:sp>
+        <p:nvSpPr>
           <p:cNvPr id="2" name="Title 1"/>
           <p:cNvSpPr>
             <a:spLocks noGrp="1"/>
@@ -1762,7 +1669,12 @@
             <p:ph type="title"/>
           </p:nvPr>
         </p:nvSpPr>
-        <p:spPr/>
+        <p:spPr>
+          <a:xfrm>
+            <a:off x="581192" y="687475"/>
+            <a:ext cx="7989752" cy="596796"/>
+          </a:xfrm>
+        </p:spPr>
         <p:txBody>
           <a:bodyPr/>
           <a:lstStyle/>
@@ -1785,108 +1697,195 @@
             <p:ph idx="1"/>
           </p:nvPr>
         </p:nvSpPr>
-        <p:spPr/>
+        <p:spPr>
+          <a:xfrm>
+            <a:off x="448091" y="1505583"/>
+            <a:ext cx="8238707" cy="4353215"/>
+          </a:xfrm>
+        </p:spPr>
+        <p:txBody>
+          <a:bodyPr anchor="t"/>
+          <a:lstStyle>
+            <a:lvl1pPr>
+              <a:defRPr sz="3600"/>
+            </a:lvl1pPr>
+            <a:lvl2pPr>
+              <a:defRPr sz="3200"/>
+            </a:lvl2pPr>
+            <a:lvl3pPr>
+              <a:defRPr sz="2800"/>
+            </a:lvl3pPr>
+            <a:lvl4pPr>
+              <a:defRPr sz="2400"/>
+            </a:lvl4pPr>
+            <a:lvl5pPr>
+              <a:defRPr sz="2400"/>
+            </a:lvl5pPr>
+          </a:lstStyle>
+          <a:p>
+            <a:pPr lvl="0"/>
+            <a:r>
+              <a:rPr lang="en-US"/>
+              <a:t>Edit Master text styles</a:t>
+            </a:r>
+          </a:p>
+          <a:p>
+            <a:pPr lvl="1"/>
+            <a:r>
+              <a:rPr lang="en-US"/>
+              <a:t>Second level</a:t>
+            </a:r>
+          </a:p>
+          <a:p>
+            <a:pPr lvl="2"/>
+            <a:r>
+              <a:rPr lang="en-US"/>
+              <a:t>Third level</a:t>
+            </a:r>
+          </a:p>
+          <a:p>
+            <a:pPr lvl="3"/>
+            <a:r>
+              <a:rPr lang="en-US"/>
+              <a:t>Fourth level</a:t>
+            </a:r>
+          </a:p>
+          <a:p>
+            <a:pPr lvl="4"/>
+            <a:r>
+              <a:rPr lang="en-US"/>
+              <a:t>Fifth level</a:t>
+            </a:r>
+            <a:endParaRPr lang="en-US" dirty="0"/>
+          </a:p>
+        </p:txBody>
+      </p:sp>
+      <p:sp>
+        <p:nvSpPr>
+          <p:cNvPr id="8" name="Date Placeholder 3">
+            <a:extLst>
+              <a:ext uri="{FF2B5EF4-FFF2-40B4-BE49-F238E27FC236}">
+                <a16:creationId xmlns:a16="http://schemas.microsoft.com/office/drawing/2014/main" id="{5E510904-FE82-B349-843E-834D82D5778E}"/>
+              </a:ext>
+            </a:extLst>
+          </p:cNvPr>
+          <p:cNvSpPr>
+            <a:spLocks noGrp="1"/>
+          </p:cNvSpPr>
+          <p:nvPr>
+            <p:ph type="dt" sz="half" idx="10"/>
+          </p:nvPr>
+        </p:nvSpPr>
+        <p:spPr>
+          <a:xfrm>
+            <a:off x="5559327" y="6392242"/>
+            <a:ext cx="2133600" cy="365125"/>
+          </a:xfrm>
+        </p:spPr>
         <p:txBody>
           <a:bodyPr/>
-          <a:lstStyle/>
-          <a:p>
-            <a:pPr lvl="0"/>
-            <a:r>
-              <a:rPr lang="en-US"/>
-              <a:t>Click to edit Master text styles</a:t>
-            </a:r>
-          </a:p>
-          <a:p>
-            <a:pPr lvl="1"/>
-            <a:r>
-              <a:rPr lang="en-US"/>
-              <a:t>Second level</a:t>
-            </a:r>
-          </a:p>
-          <a:p>
-            <a:pPr lvl="2"/>
-            <a:r>
-              <a:rPr lang="en-US"/>
-              <a:t>Third level</a:t>
-            </a:r>
-          </a:p>
-          <a:p>
-            <a:pPr lvl="3"/>
-            <a:r>
-              <a:rPr lang="en-US"/>
-              <a:t>Fourth level</a:t>
-            </a:r>
-          </a:p>
-          <a:p>
-            <a:pPr lvl="4"/>
-            <a:r>
-              <a:rPr lang="en-US"/>
-              <a:t>Fifth level</a:t>
-            </a:r>
-            <a:endParaRPr lang="en-US" dirty="0"/>
-          </a:p>
-        </p:txBody>
-      </p:sp>
-      <p:sp>
-        <p:nvSpPr>
-          <p:cNvPr id="4" name="Date Placeholder 3"/>
-          <p:cNvSpPr>
-            <a:spLocks noGrp="1"/>
-          </p:cNvSpPr>
-          <p:nvPr>
-            <p:ph type="dt" sz="half" idx="10"/>
-          </p:nvPr>
-        </p:nvSpPr>
-        <p:spPr/>
+          <a:lstStyle>
+            <a:lvl1pPr>
+              <a:defRPr>
+                <a:solidFill>
+                  <a:schemeClr val="accent1">
+                    <a:lumMod val="75000"/>
+                    <a:lumOff val="25000"/>
+                  </a:schemeClr>
+                </a:solidFill>
+              </a:defRPr>
+            </a:lvl1pPr>
+          </a:lstStyle>
+          <a:p>
+            <a:fld id="{E1C74703-7334-41ED-9287-B299926159B1}" type="datetime1">
+              <a:rPr lang="en-US" smtClean="0"/>
+              <a:t>6/12/18</a:t>
+            </a:fld>
+            <a:endParaRPr lang="en-US" dirty="0"/>
+          </a:p>
+        </p:txBody>
+      </p:sp>
+      <p:sp>
+        <p:nvSpPr>
+          <p:cNvPr id="9" name="Footer Placeholder 4">
+            <a:extLst>
+              <a:ext uri="{FF2B5EF4-FFF2-40B4-BE49-F238E27FC236}">
+                <a16:creationId xmlns:a16="http://schemas.microsoft.com/office/drawing/2014/main" id="{E48965D5-4E22-4D4C-B0D3-4AEC700831CA}"/>
+              </a:ext>
+            </a:extLst>
+          </p:cNvPr>
+          <p:cNvSpPr>
+            <a:spLocks noGrp="1"/>
+          </p:cNvSpPr>
+          <p:nvPr>
+            <p:ph type="ftr" sz="quarter" idx="11"/>
+          </p:nvPr>
+        </p:nvSpPr>
+        <p:spPr>
+          <a:xfrm>
+            <a:off x="581192" y="6387916"/>
+            <a:ext cx="4870585" cy="365125"/>
+          </a:xfrm>
+        </p:spPr>
         <p:txBody>
           <a:bodyPr/>
-          <a:lstStyle/>
-          <a:p>
-            <a:fld id="{15B76335-D2FA-487C-BC04-6719332B0792}" type="datetime1">
-              <a:rPr lang="en-US" smtClean="0"/>
-              <a:t>6/7/18</a:t>
-            </a:fld>
-            <a:endParaRPr lang="en-US" dirty="0"/>
-          </a:p>
-        </p:txBody>
-      </p:sp>
-      <p:sp>
-        <p:nvSpPr>
-          <p:cNvPr id="5" name="Footer Placeholder 4"/>
-          <p:cNvSpPr>
-            <a:spLocks noGrp="1"/>
-          </p:cNvSpPr>
-          <p:nvPr>
-            <p:ph type="ftr" sz="quarter" idx="11"/>
-          </p:nvPr>
-        </p:nvSpPr>
-        <p:spPr/>
+          <a:lstStyle>
+            <a:lvl1pPr>
+              <a:defRPr>
+                <a:solidFill>
+                  <a:schemeClr val="accent1">
+                    <a:lumMod val="75000"/>
+                    <a:lumOff val="25000"/>
+                  </a:schemeClr>
+                </a:solidFill>
+              </a:defRPr>
+            </a:lvl1pPr>
+          </a:lstStyle>
+          <a:p>
+            <a:r>
+              <a:rPr lang="en-US"/>
+              <a:t>© 2018,FLL Tutorials (Last Edit 06/11/2018)</a:t>
+            </a:r>
+            <a:endParaRPr lang="en-US" dirty="0"/>
+          </a:p>
+        </p:txBody>
+      </p:sp>
+      <p:sp>
+        <p:nvSpPr>
+          <p:cNvPr id="10" name="Slide Number Placeholder 5">
+            <a:extLst>
+              <a:ext uri="{FF2B5EF4-FFF2-40B4-BE49-F238E27FC236}">
+                <a16:creationId xmlns:a16="http://schemas.microsoft.com/office/drawing/2014/main" id="{65AB5AFF-5E76-4041-B3D5-669547C07AE0}"/>
+              </a:ext>
+            </a:extLst>
+          </p:cNvPr>
+          <p:cNvSpPr>
+            <a:spLocks noGrp="1"/>
+          </p:cNvSpPr>
+          <p:nvPr>
+            <p:ph type="sldNum" sz="quarter" idx="12"/>
+          </p:nvPr>
+        </p:nvSpPr>
+        <p:spPr>
+          <a:xfrm>
+            <a:off x="7800476" y="6392242"/>
+            <a:ext cx="770468" cy="365125"/>
+          </a:xfrm>
+        </p:spPr>
         <p:txBody>
           <a:bodyPr/>
-          <a:lstStyle/>
-          <a:p>
-            <a:r>
-              <a:rPr lang="en-US"/>
-              <a:t>© 2018,FLL Tutorials (Last Edit 10/31/2017)</a:t>
-            </a:r>
-            <a:endParaRPr lang="en-US" dirty="0"/>
-          </a:p>
-        </p:txBody>
-      </p:sp>
-      <p:sp>
-        <p:nvSpPr>
-          <p:cNvPr id="6" name="Slide Number Placeholder 5"/>
-          <p:cNvSpPr>
-            <a:spLocks noGrp="1"/>
-          </p:cNvSpPr>
-          <p:nvPr>
-            <p:ph type="sldNum" sz="quarter" idx="12"/>
-          </p:nvPr>
-        </p:nvSpPr>
-        <p:spPr/>
-        <p:txBody>
-          <a:bodyPr/>
-          <a:lstStyle/>
+          <a:lstStyle>
+            <a:lvl1pPr>
+              <a:defRPr>
+                <a:solidFill>
+                  <a:schemeClr val="accent1">
+                    <a:lumMod val="75000"/>
+                    <a:lumOff val="25000"/>
+                  </a:schemeClr>
+                </a:solidFill>
+              </a:defRPr>
+            </a:lvl1pPr>
+          </a:lstStyle>
           <a:p>
             <a:fld id="{6D22F896-40B5-4ADD-8801-0D06FADFA095}" type="slidenum">
               <a:rPr lang="en-US" smtClean="0"/>
@@ -1897,6 +1896,11 @@
         </p:txBody>
       </p:sp>
     </p:spTree>
+    <p:extLst>
+      <p:ext uri="{BB962C8B-B14F-4D97-AF65-F5344CB8AC3E}">
+        <p14:creationId xmlns:p14="http://schemas.microsoft.com/office/powerpoint/2010/main" val="513399435"/>
+      </p:ext>
+    </p:extLst>
   </p:cSld>
   <p:clrMapOvr>
     <a:masterClrMapping/>
@@ -1905,16 +1909,8 @@
 </file>
 
 <file path=ppt/slideLayouts/slideLayout3.xml><?xml version="1.0" encoding="utf-8"?>
-<p:sldLayout xmlns:a="http://schemas.openxmlformats.org/drawingml/2006/main" xmlns:r="http://schemas.openxmlformats.org/officeDocument/2006/relationships" xmlns:p="http://schemas.openxmlformats.org/presentationml/2006/main" showMasterSp="0" type="secHead" preserve="1">
+<p:sldLayout xmlns:a="http://schemas.openxmlformats.org/drawingml/2006/main" xmlns:r="http://schemas.openxmlformats.org/officeDocument/2006/relationships" xmlns:p="http://schemas.openxmlformats.org/presentationml/2006/main" type="secHead" preserve="1">
   <p:cSld name="Section Header">
-    <p:bg>
-      <p:bgPr>
-        <a:solidFill>
-          <a:schemeClr val="bg1"/>
-        </a:solidFill>
-        <a:effectLst/>
-      </p:bgPr>
-    </p:bg>
     <p:spTree>
       <p:nvGrpSpPr>
         <p:cNvPr id="1" name=""/>
@@ -1931,20 +1927,624 @@
       </p:grpSpPr>
       <p:sp>
         <p:nvSpPr>
-          <p:cNvPr id="7" name="Rectangle 6"/>
-          <p:cNvSpPr/>
+          <p:cNvPr id="8" name="Rectangle 7"/>
+          <p:cNvSpPr>
+            <a:spLocks noChangeAspect="1"/>
+          </p:cNvSpPr>
           <p:nvPr/>
         </p:nvSpPr>
         <p:spPr>
           <a:xfrm>
-            <a:off x="2382" y="6400800"/>
-            <a:ext cx="9141619" cy="457200"/>
+            <a:off x="452646" y="5141973"/>
+            <a:ext cx="8238707" cy="1258827"/>
           </a:xfrm>
           <a:prstGeom prst="rect">
             <a:avLst/>
           </a:prstGeom>
           <a:solidFill>
-            <a:srgbClr val="034A85"/>
+            <a:schemeClr val="accent1"/>
+          </a:solidFill>
+          <a:ln>
+            <a:noFill/>
+          </a:ln>
+          <a:effectLst/>
+        </p:spPr>
+        <p:style>
+          <a:lnRef idx="1">
+            <a:schemeClr val="accent1"/>
+          </a:lnRef>
+          <a:fillRef idx="3">
+            <a:schemeClr val="accent1"/>
+          </a:fillRef>
+          <a:effectRef idx="2">
+            <a:schemeClr val="accent1"/>
+          </a:effectRef>
+          <a:fontRef idx="minor">
+            <a:schemeClr val="lt1"/>
+          </a:fontRef>
+        </p:style>
+      </p:sp>
+      <p:sp>
+        <p:nvSpPr>
+          <p:cNvPr id="2" name="Title 1"/>
+          <p:cNvSpPr>
+            <a:spLocks noGrp="1"/>
+          </p:cNvSpPr>
+          <p:nvPr>
+            <p:ph type="title"/>
+          </p:nvPr>
+        </p:nvSpPr>
+        <p:spPr>
+          <a:xfrm>
+            <a:off x="581193" y="3036573"/>
+            <a:ext cx="7989751" cy="1504844"/>
+          </a:xfrm>
+        </p:spPr>
+        <p:txBody>
+          <a:bodyPr anchor="b">
+            <a:normAutofit/>
+          </a:bodyPr>
+          <a:lstStyle>
+            <a:lvl1pPr algn="l">
+              <a:defRPr sz="3600" b="0" cap="all">
+                <a:solidFill>
+                  <a:schemeClr val="accent1"/>
+                </a:solidFill>
+              </a:defRPr>
+            </a:lvl1pPr>
+          </a:lstStyle>
+          <a:p>
+            <a:r>
+              <a:rPr lang="en-US"/>
+              <a:t>Click to edit Master title style</a:t>
+            </a:r>
+            <a:endParaRPr lang="en-US" dirty="0"/>
+          </a:p>
+        </p:txBody>
+      </p:sp>
+      <p:sp>
+        <p:nvSpPr>
+          <p:cNvPr id="3" name="Text Placeholder 2"/>
+          <p:cNvSpPr>
+            <a:spLocks noGrp="1"/>
+          </p:cNvSpPr>
+          <p:nvPr>
+            <p:ph type="body" idx="1"/>
+          </p:nvPr>
+        </p:nvSpPr>
+        <p:spPr>
+          <a:xfrm>
+            <a:off x="581193" y="4541417"/>
+            <a:ext cx="7989751" cy="600556"/>
+          </a:xfrm>
+        </p:spPr>
+        <p:txBody>
+          <a:bodyPr anchor="t">
+            <a:normAutofit/>
+          </a:bodyPr>
+          <a:lstStyle>
+            <a:lvl1pPr marL="0" indent="0" algn="l">
+              <a:buNone/>
+              <a:defRPr sz="1800" cap="all">
+                <a:solidFill>
+                  <a:schemeClr val="accent2"/>
+                </a:solidFill>
+              </a:defRPr>
+            </a:lvl1pPr>
+            <a:lvl2pPr marL="457200" indent="0">
+              <a:buNone/>
+              <a:defRPr sz="1800">
+                <a:solidFill>
+                  <a:schemeClr val="tx1">
+                    <a:tint val="75000"/>
+                  </a:schemeClr>
+                </a:solidFill>
+              </a:defRPr>
+            </a:lvl2pPr>
+            <a:lvl3pPr marL="914400" indent="0">
+              <a:buNone/>
+              <a:defRPr sz="1600">
+                <a:solidFill>
+                  <a:schemeClr val="tx1">
+                    <a:tint val="75000"/>
+                  </a:schemeClr>
+                </a:solidFill>
+              </a:defRPr>
+            </a:lvl3pPr>
+            <a:lvl4pPr marL="1371600" indent="0">
+              <a:buNone/>
+              <a:defRPr sz="1400">
+                <a:solidFill>
+                  <a:schemeClr val="tx1">
+                    <a:tint val="75000"/>
+                  </a:schemeClr>
+                </a:solidFill>
+              </a:defRPr>
+            </a:lvl4pPr>
+            <a:lvl5pPr marL="1828800" indent="0">
+              <a:buNone/>
+              <a:defRPr sz="1400">
+                <a:solidFill>
+                  <a:schemeClr val="tx1">
+                    <a:tint val="75000"/>
+                  </a:schemeClr>
+                </a:solidFill>
+              </a:defRPr>
+            </a:lvl5pPr>
+            <a:lvl6pPr marL="2286000" indent="0">
+              <a:buNone/>
+              <a:defRPr sz="1400">
+                <a:solidFill>
+                  <a:schemeClr val="tx1">
+                    <a:tint val="75000"/>
+                  </a:schemeClr>
+                </a:solidFill>
+              </a:defRPr>
+            </a:lvl6pPr>
+            <a:lvl7pPr marL="2743200" indent="0">
+              <a:buNone/>
+              <a:defRPr sz="1400">
+                <a:solidFill>
+                  <a:schemeClr val="tx1">
+                    <a:tint val="75000"/>
+                  </a:schemeClr>
+                </a:solidFill>
+              </a:defRPr>
+            </a:lvl7pPr>
+            <a:lvl8pPr marL="3200400" indent="0">
+              <a:buNone/>
+              <a:defRPr sz="1400">
+                <a:solidFill>
+                  <a:schemeClr val="tx1">
+                    <a:tint val="75000"/>
+                  </a:schemeClr>
+                </a:solidFill>
+              </a:defRPr>
+            </a:lvl8pPr>
+            <a:lvl9pPr marL="3657600" indent="0">
+              <a:buNone/>
+              <a:defRPr sz="1400">
+                <a:solidFill>
+                  <a:schemeClr val="tx1">
+                    <a:tint val="75000"/>
+                  </a:schemeClr>
+                </a:solidFill>
+              </a:defRPr>
+            </a:lvl9pPr>
+          </a:lstStyle>
+          <a:p>
+            <a:pPr lvl="0"/>
+            <a:r>
+              <a:rPr lang="en-US"/>
+              <a:t>Edit Master text styles</a:t>
+            </a:r>
+          </a:p>
+        </p:txBody>
+      </p:sp>
+      <p:sp>
+        <p:nvSpPr>
+          <p:cNvPr id="9" name="Date Placeholder 3">
+            <a:extLst>
+              <a:ext uri="{FF2B5EF4-FFF2-40B4-BE49-F238E27FC236}">
+                <a16:creationId xmlns:a16="http://schemas.microsoft.com/office/drawing/2014/main" id="{52362C45-CC3C-1C41-89EF-9E39AB823873}"/>
+              </a:ext>
+            </a:extLst>
+          </p:cNvPr>
+          <p:cNvSpPr txBox="1">
+            <a:spLocks/>
+          </p:cNvSpPr>
+          <p:nvPr/>
+        </p:nvSpPr>
+        <p:spPr>
+          <a:xfrm>
+            <a:off x="5559327" y="6392242"/>
+            <a:ext cx="2133600" cy="365125"/>
+          </a:xfrm>
+          <a:prstGeom prst="rect">
+            <a:avLst/>
+          </a:prstGeom>
+        </p:spPr>
+        <p:txBody>
+          <a:bodyPr vert="horz" lIns="91440" tIns="45720" rIns="91440" bIns="45720" rtlCol="0" anchor="ctr"/>
+          <a:lstStyle>
+            <a:defPPr>
+              <a:defRPr lang="en-US"/>
+            </a:defPPr>
+            <a:lvl1pPr marL="0" algn="r" defTabSz="457200" rtl="0" eaLnBrk="1" latinLnBrk="0" hangingPunct="1">
+              <a:defRPr sz="900" kern="1200">
+                <a:solidFill>
+                  <a:schemeClr val="accent1">
+                    <a:lumMod val="75000"/>
+                    <a:lumOff val="25000"/>
+                  </a:schemeClr>
+                </a:solidFill>
+                <a:latin typeface="+mn-lt"/>
+                <a:ea typeface="+mn-ea"/>
+                <a:cs typeface="+mn-cs"/>
+              </a:defRPr>
+            </a:lvl1pPr>
+            <a:lvl2pPr marL="457200" algn="l" defTabSz="457200" rtl="0" eaLnBrk="1" latinLnBrk="0" hangingPunct="1">
+              <a:defRPr sz="1800" kern="1200">
+                <a:solidFill>
+                  <a:schemeClr val="tx1"/>
+                </a:solidFill>
+                <a:latin typeface="+mn-lt"/>
+                <a:ea typeface="+mn-ea"/>
+                <a:cs typeface="+mn-cs"/>
+              </a:defRPr>
+            </a:lvl2pPr>
+            <a:lvl3pPr marL="914400" algn="l" defTabSz="457200" rtl="0" eaLnBrk="1" latinLnBrk="0" hangingPunct="1">
+              <a:defRPr sz="1800" kern="1200">
+                <a:solidFill>
+                  <a:schemeClr val="tx1"/>
+                </a:solidFill>
+                <a:latin typeface="+mn-lt"/>
+                <a:ea typeface="+mn-ea"/>
+                <a:cs typeface="+mn-cs"/>
+              </a:defRPr>
+            </a:lvl3pPr>
+            <a:lvl4pPr marL="1371600" algn="l" defTabSz="457200" rtl="0" eaLnBrk="1" latinLnBrk="0" hangingPunct="1">
+              <a:defRPr sz="1800" kern="1200">
+                <a:solidFill>
+                  <a:schemeClr val="tx1"/>
+                </a:solidFill>
+                <a:latin typeface="+mn-lt"/>
+                <a:ea typeface="+mn-ea"/>
+                <a:cs typeface="+mn-cs"/>
+              </a:defRPr>
+            </a:lvl4pPr>
+            <a:lvl5pPr marL="1828800" algn="l" defTabSz="457200" rtl="0" eaLnBrk="1" latinLnBrk="0" hangingPunct="1">
+              <a:defRPr sz="1800" kern="1200">
+                <a:solidFill>
+                  <a:schemeClr val="tx1"/>
+                </a:solidFill>
+                <a:latin typeface="+mn-lt"/>
+                <a:ea typeface="+mn-ea"/>
+                <a:cs typeface="+mn-cs"/>
+              </a:defRPr>
+            </a:lvl5pPr>
+            <a:lvl6pPr marL="2286000" algn="l" defTabSz="457200" rtl="0" eaLnBrk="1" latinLnBrk="0" hangingPunct="1">
+              <a:defRPr sz="1800" kern="1200">
+                <a:solidFill>
+                  <a:schemeClr val="tx1"/>
+                </a:solidFill>
+                <a:latin typeface="+mn-lt"/>
+                <a:ea typeface="+mn-ea"/>
+                <a:cs typeface="+mn-cs"/>
+              </a:defRPr>
+            </a:lvl6pPr>
+            <a:lvl7pPr marL="2743200" algn="l" defTabSz="457200" rtl="0" eaLnBrk="1" latinLnBrk="0" hangingPunct="1">
+              <a:defRPr sz="1800" kern="1200">
+                <a:solidFill>
+                  <a:schemeClr val="tx1"/>
+                </a:solidFill>
+                <a:latin typeface="+mn-lt"/>
+                <a:ea typeface="+mn-ea"/>
+                <a:cs typeface="+mn-cs"/>
+              </a:defRPr>
+            </a:lvl7pPr>
+            <a:lvl8pPr marL="3200400" algn="l" defTabSz="457200" rtl="0" eaLnBrk="1" latinLnBrk="0" hangingPunct="1">
+              <a:defRPr sz="1800" kern="1200">
+                <a:solidFill>
+                  <a:schemeClr val="tx1"/>
+                </a:solidFill>
+                <a:latin typeface="+mn-lt"/>
+                <a:ea typeface="+mn-ea"/>
+                <a:cs typeface="+mn-cs"/>
+              </a:defRPr>
+            </a:lvl8pPr>
+            <a:lvl9pPr marL="3657600" algn="l" defTabSz="457200" rtl="0" eaLnBrk="1" latinLnBrk="0" hangingPunct="1">
+              <a:defRPr sz="1800" kern="1200">
+                <a:solidFill>
+                  <a:schemeClr val="tx1"/>
+                </a:solidFill>
+                <a:latin typeface="+mn-lt"/>
+                <a:ea typeface="+mn-ea"/>
+                <a:cs typeface="+mn-cs"/>
+              </a:defRPr>
+            </a:lvl9pPr>
+          </a:lstStyle>
+          <a:p>
+            <a:r>
+              <a:rPr lang="en-US"/>
+              <a:t>Last Edit: </a:t>
+            </a:r>
+            <a:fld id="{B61BEF0D-F0BB-DE4B-95CE-6DB70DBA9567}" type="datetimeFigureOut">
+              <a:rPr lang="en-US" smtClean="0"/>
+              <a:pPr/>
+              <a:t>6/12/18</a:t>
+            </a:fld>
+            <a:endParaRPr lang="en-US" dirty="0"/>
+          </a:p>
+        </p:txBody>
+      </p:sp>
+      <p:sp>
+        <p:nvSpPr>
+          <p:cNvPr id="10" name="Footer Placeholder 4">
+            <a:extLst>
+              <a:ext uri="{FF2B5EF4-FFF2-40B4-BE49-F238E27FC236}">
+                <a16:creationId xmlns:a16="http://schemas.microsoft.com/office/drawing/2014/main" id="{99E8FBED-B055-2A4A-8E32-9CB6B48C25B3}"/>
+              </a:ext>
+            </a:extLst>
+          </p:cNvPr>
+          <p:cNvSpPr txBox="1">
+            <a:spLocks/>
+          </p:cNvSpPr>
+          <p:nvPr/>
+        </p:nvSpPr>
+        <p:spPr>
+          <a:xfrm>
+            <a:off x="581192" y="6387916"/>
+            <a:ext cx="4870585" cy="365125"/>
+          </a:xfrm>
+          <a:prstGeom prst="rect">
+            <a:avLst/>
+          </a:prstGeom>
+        </p:spPr>
+        <p:txBody>
+          <a:bodyPr vert="horz" lIns="91440" tIns="45720" rIns="91440" bIns="45720" rtlCol="0" anchor="ctr"/>
+          <a:lstStyle>
+            <a:defPPr>
+              <a:defRPr lang="en-US"/>
+            </a:defPPr>
+            <a:lvl1pPr marL="0" algn="l" defTabSz="457200" rtl="0" eaLnBrk="1" latinLnBrk="0" hangingPunct="1">
+              <a:defRPr sz="900" kern="1200" cap="all">
+                <a:solidFill>
+                  <a:schemeClr val="accent1">
+                    <a:lumMod val="75000"/>
+                    <a:lumOff val="25000"/>
+                  </a:schemeClr>
+                </a:solidFill>
+                <a:latin typeface="+mn-lt"/>
+                <a:ea typeface="+mn-ea"/>
+                <a:cs typeface="+mn-cs"/>
+              </a:defRPr>
+            </a:lvl1pPr>
+            <a:lvl2pPr marL="457200" algn="l" defTabSz="457200" rtl="0" eaLnBrk="1" latinLnBrk="0" hangingPunct="1">
+              <a:defRPr sz="1800" kern="1200">
+                <a:solidFill>
+                  <a:schemeClr val="tx1"/>
+                </a:solidFill>
+                <a:latin typeface="+mn-lt"/>
+                <a:ea typeface="+mn-ea"/>
+                <a:cs typeface="+mn-cs"/>
+              </a:defRPr>
+            </a:lvl2pPr>
+            <a:lvl3pPr marL="914400" algn="l" defTabSz="457200" rtl="0" eaLnBrk="1" latinLnBrk="0" hangingPunct="1">
+              <a:defRPr sz="1800" kern="1200">
+                <a:solidFill>
+                  <a:schemeClr val="tx1"/>
+                </a:solidFill>
+                <a:latin typeface="+mn-lt"/>
+                <a:ea typeface="+mn-ea"/>
+                <a:cs typeface="+mn-cs"/>
+              </a:defRPr>
+            </a:lvl3pPr>
+            <a:lvl4pPr marL="1371600" algn="l" defTabSz="457200" rtl="0" eaLnBrk="1" latinLnBrk="0" hangingPunct="1">
+              <a:defRPr sz="1800" kern="1200">
+                <a:solidFill>
+                  <a:schemeClr val="tx1"/>
+                </a:solidFill>
+                <a:latin typeface="+mn-lt"/>
+                <a:ea typeface="+mn-ea"/>
+                <a:cs typeface="+mn-cs"/>
+              </a:defRPr>
+            </a:lvl4pPr>
+            <a:lvl5pPr marL="1828800" algn="l" defTabSz="457200" rtl="0" eaLnBrk="1" latinLnBrk="0" hangingPunct="1">
+              <a:defRPr sz="1800" kern="1200">
+                <a:solidFill>
+                  <a:schemeClr val="tx1"/>
+                </a:solidFill>
+                <a:latin typeface="+mn-lt"/>
+                <a:ea typeface="+mn-ea"/>
+                <a:cs typeface="+mn-cs"/>
+              </a:defRPr>
+            </a:lvl5pPr>
+            <a:lvl6pPr marL="2286000" algn="l" defTabSz="457200" rtl="0" eaLnBrk="1" latinLnBrk="0" hangingPunct="1">
+              <a:defRPr sz="1800" kern="1200">
+                <a:solidFill>
+                  <a:schemeClr val="tx1"/>
+                </a:solidFill>
+                <a:latin typeface="+mn-lt"/>
+                <a:ea typeface="+mn-ea"/>
+                <a:cs typeface="+mn-cs"/>
+              </a:defRPr>
+            </a:lvl6pPr>
+            <a:lvl7pPr marL="2743200" algn="l" defTabSz="457200" rtl="0" eaLnBrk="1" latinLnBrk="0" hangingPunct="1">
+              <a:defRPr sz="1800" kern="1200">
+                <a:solidFill>
+                  <a:schemeClr val="tx1"/>
+                </a:solidFill>
+                <a:latin typeface="+mn-lt"/>
+                <a:ea typeface="+mn-ea"/>
+                <a:cs typeface="+mn-cs"/>
+              </a:defRPr>
+            </a:lvl7pPr>
+            <a:lvl8pPr marL="3200400" algn="l" defTabSz="457200" rtl="0" eaLnBrk="1" latinLnBrk="0" hangingPunct="1">
+              <a:defRPr sz="1800" kern="1200">
+                <a:solidFill>
+                  <a:schemeClr val="tx1"/>
+                </a:solidFill>
+                <a:latin typeface="+mn-lt"/>
+                <a:ea typeface="+mn-ea"/>
+                <a:cs typeface="+mn-cs"/>
+              </a:defRPr>
+            </a:lvl8pPr>
+            <a:lvl9pPr marL="3657600" algn="l" defTabSz="457200" rtl="0" eaLnBrk="1" latinLnBrk="0" hangingPunct="1">
+              <a:defRPr sz="1800" kern="1200">
+                <a:solidFill>
+                  <a:schemeClr val="tx1"/>
+                </a:solidFill>
+                <a:latin typeface="+mn-lt"/>
+                <a:ea typeface="+mn-ea"/>
+                <a:cs typeface="+mn-cs"/>
+              </a:defRPr>
+            </a:lvl9pPr>
+          </a:lstStyle>
+          <a:p>
+            <a:r>
+              <a:rPr lang="en-US"/>
+              <a:t>Copyright 2018, FLL TUTORIALS</a:t>
+            </a:r>
+            <a:endParaRPr lang="en-US" dirty="0"/>
+          </a:p>
+        </p:txBody>
+      </p:sp>
+      <p:sp>
+        <p:nvSpPr>
+          <p:cNvPr id="11" name="Slide Number Placeholder 5">
+            <a:extLst>
+              <a:ext uri="{FF2B5EF4-FFF2-40B4-BE49-F238E27FC236}">
+                <a16:creationId xmlns:a16="http://schemas.microsoft.com/office/drawing/2014/main" id="{AA884034-3EBB-704E-AFCD-9611BBBEBA37}"/>
+              </a:ext>
+            </a:extLst>
+          </p:cNvPr>
+          <p:cNvSpPr txBox="1">
+            <a:spLocks/>
+          </p:cNvSpPr>
+          <p:nvPr/>
+        </p:nvSpPr>
+        <p:spPr>
+          <a:xfrm>
+            <a:off x="7800476" y="6392242"/>
+            <a:ext cx="770468" cy="365125"/>
+          </a:xfrm>
+          <a:prstGeom prst="rect">
+            <a:avLst/>
+          </a:prstGeom>
+        </p:spPr>
+        <p:txBody>
+          <a:bodyPr vert="horz" lIns="91440" tIns="45720" rIns="91440" bIns="45720" rtlCol="0" anchor="ctr"/>
+          <a:lstStyle>
+            <a:defPPr>
+              <a:defRPr lang="en-US"/>
+            </a:defPPr>
+            <a:lvl1pPr marL="0" algn="r" defTabSz="457200" rtl="0" eaLnBrk="1" latinLnBrk="0" hangingPunct="1">
+              <a:defRPr sz="900" kern="1200">
+                <a:solidFill>
+                  <a:schemeClr val="accent1">
+                    <a:lumMod val="75000"/>
+                    <a:lumOff val="25000"/>
+                  </a:schemeClr>
+                </a:solidFill>
+                <a:latin typeface="+mn-lt"/>
+                <a:ea typeface="+mn-ea"/>
+                <a:cs typeface="+mn-cs"/>
+              </a:defRPr>
+            </a:lvl1pPr>
+            <a:lvl2pPr marL="457200" algn="l" defTabSz="457200" rtl="0" eaLnBrk="1" latinLnBrk="0" hangingPunct="1">
+              <a:defRPr sz="1800" kern="1200">
+                <a:solidFill>
+                  <a:schemeClr val="tx1"/>
+                </a:solidFill>
+                <a:latin typeface="+mn-lt"/>
+                <a:ea typeface="+mn-ea"/>
+                <a:cs typeface="+mn-cs"/>
+              </a:defRPr>
+            </a:lvl2pPr>
+            <a:lvl3pPr marL="914400" algn="l" defTabSz="457200" rtl="0" eaLnBrk="1" latinLnBrk="0" hangingPunct="1">
+              <a:defRPr sz="1800" kern="1200">
+                <a:solidFill>
+                  <a:schemeClr val="tx1"/>
+                </a:solidFill>
+                <a:latin typeface="+mn-lt"/>
+                <a:ea typeface="+mn-ea"/>
+                <a:cs typeface="+mn-cs"/>
+              </a:defRPr>
+            </a:lvl3pPr>
+            <a:lvl4pPr marL="1371600" algn="l" defTabSz="457200" rtl="0" eaLnBrk="1" latinLnBrk="0" hangingPunct="1">
+              <a:defRPr sz="1800" kern="1200">
+                <a:solidFill>
+                  <a:schemeClr val="tx1"/>
+                </a:solidFill>
+                <a:latin typeface="+mn-lt"/>
+                <a:ea typeface="+mn-ea"/>
+                <a:cs typeface="+mn-cs"/>
+              </a:defRPr>
+            </a:lvl4pPr>
+            <a:lvl5pPr marL="1828800" algn="l" defTabSz="457200" rtl="0" eaLnBrk="1" latinLnBrk="0" hangingPunct="1">
+              <a:defRPr sz="1800" kern="1200">
+                <a:solidFill>
+                  <a:schemeClr val="tx1"/>
+                </a:solidFill>
+                <a:latin typeface="+mn-lt"/>
+                <a:ea typeface="+mn-ea"/>
+                <a:cs typeface="+mn-cs"/>
+              </a:defRPr>
+            </a:lvl5pPr>
+            <a:lvl6pPr marL="2286000" algn="l" defTabSz="457200" rtl="0" eaLnBrk="1" latinLnBrk="0" hangingPunct="1">
+              <a:defRPr sz="1800" kern="1200">
+                <a:solidFill>
+                  <a:schemeClr val="tx1"/>
+                </a:solidFill>
+                <a:latin typeface="+mn-lt"/>
+                <a:ea typeface="+mn-ea"/>
+                <a:cs typeface="+mn-cs"/>
+              </a:defRPr>
+            </a:lvl6pPr>
+            <a:lvl7pPr marL="2743200" algn="l" defTabSz="457200" rtl="0" eaLnBrk="1" latinLnBrk="0" hangingPunct="1">
+              <a:defRPr sz="1800" kern="1200">
+                <a:solidFill>
+                  <a:schemeClr val="tx1"/>
+                </a:solidFill>
+                <a:latin typeface="+mn-lt"/>
+                <a:ea typeface="+mn-ea"/>
+                <a:cs typeface="+mn-cs"/>
+              </a:defRPr>
+            </a:lvl7pPr>
+            <a:lvl8pPr marL="3200400" algn="l" defTabSz="457200" rtl="0" eaLnBrk="1" latinLnBrk="0" hangingPunct="1">
+              <a:defRPr sz="1800" kern="1200">
+                <a:solidFill>
+                  <a:schemeClr val="tx1"/>
+                </a:solidFill>
+                <a:latin typeface="+mn-lt"/>
+                <a:ea typeface="+mn-ea"/>
+                <a:cs typeface="+mn-cs"/>
+              </a:defRPr>
+            </a:lvl8pPr>
+            <a:lvl9pPr marL="3657600" algn="l" defTabSz="457200" rtl="0" eaLnBrk="1" latinLnBrk="0" hangingPunct="1">
+              <a:defRPr sz="1800" kern="1200">
+                <a:solidFill>
+                  <a:schemeClr val="tx1"/>
+                </a:solidFill>
+                <a:latin typeface="+mn-lt"/>
+                <a:ea typeface="+mn-ea"/>
+                <a:cs typeface="+mn-cs"/>
+              </a:defRPr>
+            </a:lvl9pPr>
+          </a:lstStyle>
+          <a:p>
+            <a:fld id="{D57F1E4F-1CFF-5643-939E-217C01CDF565}" type="slidenum">
+              <a:rPr lang="en-US" smtClean="0"/>
+              <a:pPr/>
+              <a:t>‹#›</a:t>
+            </a:fld>
+            <a:endParaRPr lang="en-US" dirty="0"/>
+          </a:p>
+        </p:txBody>
+      </p:sp>
+      <p:sp>
+        <p:nvSpPr>
+          <p:cNvPr id="12" name="Rectangle 11">
+            <a:extLst>
+              <a:ext uri="{FF2B5EF4-FFF2-40B4-BE49-F238E27FC236}">
+                <a16:creationId xmlns:a16="http://schemas.microsoft.com/office/drawing/2014/main" id="{3C05E696-5D29-4D74-8A7E-0B8F360988C0}"/>
+              </a:ext>
+            </a:extLst>
+          </p:cNvPr>
+          <p:cNvSpPr/>
+          <p:nvPr userDrawn="1"/>
+        </p:nvSpPr>
+        <p:spPr>
+          <a:xfrm>
+            <a:off x="2381" y="6270965"/>
+            <a:ext cx="9141619" cy="64008"/>
+          </a:xfrm>
+          <a:prstGeom prst="rect">
+            <a:avLst/>
+          </a:prstGeom>
+          <a:solidFill>
+            <a:srgbClr val="24CF39"/>
           </a:solidFill>
           <a:ln>
             <a:noFill/>
@@ -1966,362 +2566,20 @@
             <a:schemeClr val="lt1"/>
           </a:fontRef>
         </p:style>
-      </p:sp>
-      <p:sp>
-        <p:nvSpPr>
-          <p:cNvPr id="8" name="Rectangle 7"/>
-          <p:cNvSpPr/>
-          <p:nvPr/>
-        </p:nvSpPr>
-        <p:spPr>
-          <a:xfrm>
-            <a:off x="12" y="6334316"/>
-            <a:ext cx="9141619" cy="64008"/>
-          </a:xfrm>
-          <a:prstGeom prst="rect">
-            <a:avLst/>
-          </a:prstGeom>
-          <a:solidFill>
-            <a:srgbClr val="652C90"/>
-          </a:solidFill>
-          <a:ln>
-            <a:noFill/>
-          </a:ln>
-        </p:spPr>
-        <p:style>
-          <a:lnRef idx="2">
-            <a:schemeClr val="accent1">
-              <a:shade val="50000"/>
-            </a:schemeClr>
-          </a:lnRef>
-          <a:fillRef idx="1">
-            <a:schemeClr val="accent1"/>
-          </a:fillRef>
-          <a:effectRef idx="0">
-            <a:schemeClr val="accent1"/>
-          </a:effectRef>
-          <a:fontRef idx="minor">
-            <a:schemeClr val="lt1"/>
-          </a:fontRef>
-        </p:style>
-      </p:sp>
-      <p:sp>
-        <p:nvSpPr>
-          <p:cNvPr id="2" name="Title 1"/>
-          <p:cNvSpPr>
-            <a:spLocks noGrp="1"/>
-          </p:cNvSpPr>
-          <p:nvPr>
-            <p:ph type="title"/>
-          </p:nvPr>
-        </p:nvSpPr>
-        <p:spPr>
-          <a:xfrm>
-            <a:off x="822960" y="758952"/>
-            <a:ext cx="7543800" cy="3566160"/>
-          </a:xfrm>
-        </p:spPr>
-        <p:txBody>
-          <a:bodyPr anchor="b" anchorCtr="0">
-            <a:normAutofit/>
-          </a:bodyPr>
-          <a:lstStyle>
-            <a:lvl1pPr>
-              <a:lnSpc>
-                <a:spcPct val="85000"/>
-              </a:lnSpc>
-              <a:defRPr sz="8000" b="0">
-                <a:solidFill>
-                  <a:schemeClr val="tx1">
-                    <a:lumMod val="85000"/>
-                    <a:lumOff val="15000"/>
-                  </a:schemeClr>
-                </a:solidFill>
-              </a:defRPr>
-            </a:lvl1pPr>
-          </a:lstStyle>
-          <a:p>
-            <a:r>
-              <a:rPr lang="en-US"/>
-              <a:t>Click to edit Master title style</a:t>
-            </a:r>
-            <a:endParaRPr lang="en-US" dirty="0"/>
-          </a:p>
-        </p:txBody>
-      </p:sp>
-      <p:sp>
-        <p:nvSpPr>
-          <p:cNvPr id="3" name="Text Placeholder 2"/>
-          <p:cNvSpPr>
-            <a:spLocks noGrp="1"/>
-          </p:cNvSpPr>
-          <p:nvPr>
-            <p:ph type="body" idx="1"/>
-          </p:nvPr>
-        </p:nvSpPr>
-        <p:spPr>
-          <a:xfrm>
-            <a:off x="822960" y="4453128"/>
-            <a:ext cx="7543800" cy="1143000"/>
-          </a:xfrm>
-        </p:spPr>
-        <p:txBody>
-          <a:bodyPr lIns="91440" rIns="91440" anchor="t" anchorCtr="0">
-            <a:normAutofit/>
-          </a:bodyPr>
-          <a:lstStyle>
-            <a:lvl1pPr marL="0" indent="0">
-              <a:buNone/>
-              <a:defRPr sz="2400" cap="all" spc="200" baseline="0">
-                <a:solidFill>
-                  <a:schemeClr val="tx2"/>
-                </a:solidFill>
-                <a:latin typeface="+mj-lt"/>
-              </a:defRPr>
-            </a:lvl1pPr>
-            <a:lvl2pPr marL="457200" indent="0">
-              <a:buNone/>
-              <a:defRPr sz="1800">
-                <a:solidFill>
-                  <a:schemeClr val="tx1">
-                    <a:tint val="75000"/>
-                  </a:schemeClr>
-                </a:solidFill>
-              </a:defRPr>
-            </a:lvl2pPr>
-            <a:lvl3pPr marL="914400" indent="0">
-              <a:buNone/>
-              <a:defRPr sz="1600">
-                <a:solidFill>
-                  <a:schemeClr val="tx1">
-                    <a:tint val="75000"/>
-                  </a:schemeClr>
-                </a:solidFill>
-              </a:defRPr>
-            </a:lvl3pPr>
-            <a:lvl4pPr marL="1371600" indent="0">
-              <a:buNone/>
-              <a:defRPr sz="1400">
-                <a:solidFill>
-                  <a:schemeClr val="tx1">
-                    <a:tint val="75000"/>
-                  </a:schemeClr>
-                </a:solidFill>
-              </a:defRPr>
-            </a:lvl4pPr>
-            <a:lvl5pPr marL="1828800" indent="0">
-              <a:buNone/>
-              <a:defRPr sz="1400">
-                <a:solidFill>
-                  <a:schemeClr val="tx1">
-                    <a:tint val="75000"/>
-                  </a:schemeClr>
-                </a:solidFill>
-              </a:defRPr>
-            </a:lvl5pPr>
-            <a:lvl6pPr marL="2286000" indent="0">
-              <a:buNone/>
-              <a:defRPr sz="1400">
-                <a:solidFill>
-                  <a:schemeClr val="tx1">
-                    <a:tint val="75000"/>
-                  </a:schemeClr>
-                </a:solidFill>
-              </a:defRPr>
-            </a:lvl6pPr>
-            <a:lvl7pPr marL="2743200" indent="0">
-              <a:buNone/>
-              <a:defRPr sz="1400">
-                <a:solidFill>
-                  <a:schemeClr val="tx1">
-                    <a:tint val="75000"/>
-                  </a:schemeClr>
-                </a:solidFill>
-              </a:defRPr>
-            </a:lvl7pPr>
-            <a:lvl8pPr marL="3200400" indent="0">
-              <a:buNone/>
-              <a:defRPr sz="1400">
-                <a:solidFill>
-                  <a:schemeClr val="tx1">
-                    <a:tint val="75000"/>
-                  </a:schemeClr>
-                </a:solidFill>
-              </a:defRPr>
-            </a:lvl8pPr>
-            <a:lvl9pPr marL="3657600" indent="0">
-              <a:buNone/>
-              <a:defRPr sz="1400">
-                <a:solidFill>
-                  <a:schemeClr val="tx1">
-                    <a:tint val="75000"/>
-                  </a:schemeClr>
-                </a:solidFill>
-              </a:defRPr>
-            </a:lvl9pPr>
-          </a:lstStyle>
-          <a:p>
-            <a:pPr lvl="0"/>
-            <a:r>
-              <a:rPr lang="en-US"/>
-              <a:t>Click to edit Master text styles</a:t>
-            </a:r>
-          </a:p>
-        </p:txBody>
-      </p:sp>
-      <p:sp>
-        <p:nvSpPr>
-          <p:cNvPr id="4" name="Date Placeholder 3"/>
-          <p:cNvSpPr>
-            <a:spLocks noGrp="1"/>
-          </p:cNvSpPr>
-          <p:nvPr>
-            <p:ph type="dt" sz="half" idx="10"/>
-          </p:nvPr>
-        </p:nvSpPr>
-        <p:spPr/>
         <p:txBody>
           <a:bodyPr/>
           <a:lstStyle/>
           <a:p>
-            <a:fld id="{CE9E2250-1D35-4EB7-A992-08A32A279FAC}" type="datetime1">
-              <a:rPr lang="en-US" smtClean="0"/>
-              <a:t>6/7/18</a:t>
-            </a:fld>
-            <a:endParaRPr lang="en-US" dirty="0"/>
-          </a:p>
-        </p:txBody>
-      </p:sp>
-      <p:sp>
-        <p:nvSpPr>
-          <p:cNvPr id="5" name="Footer Placeholder 4"/>
-          <p:cNvSpPr>
-            <a:spLocks noGrp="1"/>
-          </p:cNvSpPr>
-          <p:nvPr>
-            <p:ph type="ftr" sz="quarter" idx="11"/>
-          </p:nvPr>
-        </p:nvSpPr>
-        <p:spPr/>
-        <p:txBody>
-          <a:bodyPr/>
-          <a:lstStyle/>
-          <a:p>
-            <a:r>
-              <a:rPr lang="en-US"/>
-              <a:t>© 2018,FLL Tutorials (Last Edit 10/31/2017)</a:t>
-            </a:r>
-            <a:endParaRPr lang="en-US" dirty="0"/>
-          </a:p>
-        </p:txBody>
-      </p:sp>
-      <p:sp>
-        <p:nvSpPr>
-          <p:cNvPr id="6" name="Slide Number Placeholder 5"/>
-          <p:cNvSpPr>
-            <a:spLocks noGrp="1"/>
-          </p:cNvSpPr>
-          <p:nvPr>
-            <p:ph type="sldNum" sz="quarter" idx="12"/>
-          </p:nvPr>
-        </p:nvSpPr>
-        <p:spPr/>
-        <p:txBody>
-          <a:bodyPr/>
-          <a:lstStyle/>
-          <a:p>
-            <a:fld id="{6D22F896-40B5-4ADD-8801-0D06FADFA095}" type="slidenum">
-              <a:rPr lang="en-US" smtClean="0"/>
-              <a:t>‹#›</a:t>
-            </a:fld>
-            <a:endParaRPr lang="en-US" dirty="0"/>
-          </a:p>
-        </p:txBody>
-      </p:sp>
-      <p:cxnSp>
-        <p:nvCxnSpPr>
-          <p:cNvPr id="9" name="Straight Connector 8"/>
-          <p:cNvCxnSpPr/>
-          <p:nvPr/>
-        </p:nvCxnSpPr>
-        <p:spPr>
-          <a:xfrm>
-            <a:off x="905744" y="4343400"/>
-            <a:ext cx="7406640" cy="0"/>
-          </a:xfrm>
-          <a:prstGeom prst="line">
-            <a:avLst/>
-          </a:prstGeom>
-          <a:ln w="6350">
-            <a:solidFill>
-              <a:schemeClr val="tx1">
-                <a:lumMod val="50000"/>
-                <a:lumOff val="50000"/>
-              </a:schemeClr>
-            </a:solidFill>
-          </a:ln>
-        </p:spPr>
-        <p:style>
-          <a:lnRef idx="1">
-            <a:schemeClr val="accent1"/>
-          </a:lnRef>
-          <a:fillRef idx="0">
-            <a:schemeClr val="accent1"/>
-          </a:fillRef>
-          <a:effectRef idx="0">
-            <a:schemeClr val="accent1"/>
-          </a:effectRef>
-          <a:fontRef idx="minor">
-            <a:schemeClr val="tx1"/>
-          </a:fontRef>
-        </p:style>
-      </p:cxnSp>
-      <p:sp>
-        <p:nvSpPr>
-          <p:cNvPr id="10" name="Rectangle 9"/>
-          <p:cNvSpPr/>
-          <p:nvPr userDrawn="1"/>
-        </p:nvSpPr>
-        <p:spPr>
-          <a:xfrm>
-            <a:off x="2381" y="6270965"/>
-            <a:ext cx="9141619" cy="64008"/>
-          </a:xfrm>
-          <a:prstGeom prst="rect">
-            <a:avLst/>
-          </a:prstGeom>
-          <a:solidFill>
-            <a:srgbClr val="24CF39"/>
-          </a:solidFill>
-          <a:ln>
-            <a:noFill/>
-          </a:ln>
-        </p:spPr>
-        <p:style>
-          <a:lnRef idx="2">
-            <a:schemeClr val="accent1">
-              <a:shade val="50000"/>
-            </a:schemeClr>
-          </a:lnRef>
-          <a:fillRef idx="1">
-            <a:schemeClr val="accent1"/>
-          </a:fillRef>
-          <a:effectRef idx="0">
-            <a:schemeClr val="accent1"/>
-          </a:effectRef>
-          <a:fontRef idx="minor">
-            <a:schemeClr val="lt1"/>
-          </a:fontRef>
-        </p:style>
-        <p:txBody>
-          <a:bodyPr/>
-          <a:lstStyle/>
-          <a:p>
             <a:endParaRPr lang="en-US" dirty="0"/>
           </a:p>
         </p:txBody>
       </p:sp>
     </p:spTree>
+    <p:extLst>
+      <p:ext uri="{BB962C8B-B14F-4D97-AF65-F5344CB8AC3E}">
+        <p14:creationId xmlns:p14="http://schemas.microsoft.com/office/powerpoint/2010/main" val="190079309"/>
+      </p:ext>
+    </p:extLst>
   </p:cSld>
   <p:clrMapOvr>
     <a:masterClrMapping/>
@@ -2348,7 +2606,46 @@
       </p:grpSpPr>
       <p:sp>
         <p:nvSpPr>
-          <p:cNvPr id="8" name="Title 7"/>
+          <p:cNvPr id="8" name="Rectangle 7"/>
+          <p:cNvSpPr>
+            <a:spLocks noChangeAspect="1"/>
+          </p:cNvSpPr>
+          <p:nvPr/>
+        </p:nvSpPr>
+        <p:spPr>
+          <a:xfrm>
+            <a:off x="448092" y="599725"/>
+            <a:ext cx="8238707" cy="1258827"/>
+          </a:xfrm>
+          <a:prstGeom prst="rect">
+            <a:avLst/>
+          </a:prstGeom>
+          <a:solidFill>
+            <a:schemeClr val="accent1"/>
+          </a:solidFill>
+          <a:ln>
+            <a:noFill/>
+          </a:ln>
+          <a:effectLst/>
+        </p:spPr>
+        <p:style>
+          <a:lnRef idx="1">
+            <a:schemeClr val="accent1"/>
+          </a:lnRef>
+          <a:fillRef idx="3">
+            <a:schemeClr val="accent1"/>
+          </a:fillRef>
+          <a:effectRef idx="2">
+            <a:schemeClr val="accent1"/>
+          </a:effectRef>
+          <a:fontRef idx="minor">
+            <a:schemeClr val="lt1"/>
+          </a:fontRef>
+        </p:style>
+      </p:sp>
+      <p:sp>
+        <p:nvSpPr>
+          <p:cNvPr id="2" name="Title 1"/>
           <p:cNvSpPr>
             <a:spLocks noGrp="1"/>
           </p:cNvSpPr>
@@ -2356,12 +2653,7 @@
             <p:ph type="title"/>
           </p:nvPr>
         </p:nvSpPr>
-        <p:spPr>
-          <a:xfrm>
-            <a:off x="301083" y="286604"/>
-            <a:ext cx="8541834" cy="1450757"/>
-          </a:xfrm>
-        </p:spPr>
+        <p:spPr/>
         <p:txBody>
           <a:bodyPr/>
           <a:lstStyle/>
@@ -2386,149 +2678,169 @@
         </p:nvSpPr>
         <p:spPr>
           <a:xfrm>
-            <a:off x="301083" y="1845734"/>
-            <a:ext cx="4225197" cy="4023360"/>
-          </a:xfrm>
+            <a:off x="581192" y="2228002"/>
+            <a:ext cx="3899527" cy="3633047"/>
+          </a:xfrm>
+        </p:spPr>
+        <p:txBody>
+          <a:bodyPr>
+            <a:normAutofit/>
+          </a:bodyPr>
+          <a:lstStyle/>
+          <a:p>
+            <a:pPr lvl="0"/>
+            <a:r>
+              <a:rPr lang="en-US"/>
+              <a:t>Edit Master text styles</a:t>
+            </a:r>
+          </a:p>
+          <a:p>
+            <a:pPr lvl="1"/>
+            <a:r>
+              <a:rPr lang="en-US"/>
+              <a:t>Second level</a:t>
+            </a:r>
+          </a:p>
+          <a:p>
+            <a:pPr lvl="2"/>
+            <a:r>
+              <a:rPr lang="en-US"/>
+              <a:t>Third level</a:t>
+            </a:r>
+          </a:p>
+          <a:p>
+            <a:pPr lvl="3"/>
+            <a:r>
+              <a:rPr lang="en-US"/>
+              <a:t>Fourth level</a:t>
+            </a:r>
+          </a:p>
+          <a:p>
+            <a:pPr lvl="4"/>
+            <a:r>
+              <a:rPr lang="en-US"/>
+              <a:t>Fifth level</a:t>
+            </a:r>
+            <a:endParaRPr lang="en-US" dirty="0"/>
+          </a:p>
+        </p:txBody>
+      </p:sp>
+      <p:sp>
+        <p:nvSpPr>
+          <p:cNvPr id="4" name="Content Placeholder 3"/>
+          <p:cNvSpPr>
+            <a:spLocks noGrp="1"/>
+          </p:cNvSpPr>
+          <p:nvPr>
+            <p:ph sz="half" idx="2"/>
+          </p:nvPr>
+        </p:nvSpPr>
+        <p:spPr>
+          <a:xfrm>
+            <a:off x="4663282" y="2228003"/>
+            <a:ext cx="3907662" cy="3633047"/>
+          </a:xfrm>
+        </p:spPr>
+        <p:txBody>
+          <a:bodyPr>
+            <a:normAutofit/>
+          </a:bodyPr>
+          <a:lstStyle/>
+          <a:p>
+            <a:pPr lvl="0"/>
+            <a:r>
+              <a:rPr lang="en-US"/>
+              <a:t>Edit Master text styles</a:t>
+            </a:r>
+          </a:p>
+          <a:p>
+            <a:pPr lvl="1"/>
+            <a:r>
+              <a:rPr lang="en-US"/>
+              <a:t>Second level</a:t>
+            </a:r>
+          </a:p>
+          <a:p>
+            <a:pPr lvl="2"/>
+            <a:r>
+              <a:rPr lang="en-US"/>
+              <a:t>Third level</a:t>
+            </a:r>
+          </a:p>
+          <a:p>
+            <a:pPr lvl="3"/>
+            <a:r>
+              <a:rPr lang="en-US"/>
+              <a:t>Fourth level</a:t>
+            </a:r>
+          </a:p>
+          <a:p>
+            <a:pPr lvl="4"/>
+            <a:r>
+              <a:rPr lang="en-US"/>
+              <a:t>Fifth level</a:t>
+            </a:r>
+            <a:endParaRPr lang="en-US" dirty="0"/>
+          </a:p>
+        </p:txBody>
+      </p:sp>
+      <p:sp>
+        <p:nvSpPr>
+          <p:cNvPr id="5" name="Date Placeholder 4"/>
+          <p:cNvSpPr>
+            <a:spLocks noGrp="1"/>
+          </p:cNvSpPr>
+          <p:nvPr>
+            <p:ph type="dt" sz="half" idx="10"/>
+          </p:nvPr>
+        </p:nvSpPr>
+        <p:spPr>
+          <a:xfrm>
+            <a:off x="5559327" y="5956136"/>
+            <a:ext cx="2133600" cy="365125"/>
+          </a:xfrm>
+          <a:prstGeom prst="rect">
+            <a:avLst/>
+          </a:prstGeom>
         </p:spPr>
         <p:txBody>
           <a:bodyPr/>
           <a:lstStyle/>
           <a:p>
-            <a:pPr lvl="0"/>
-            <a:r>
-              <a:rPr lang="en-US"/>
-              <a:t>Click to edit Master text styles</a:t>
-            </a:r>
-          </a:p>
-          <a:p>
-            <a:pPr lvl="1"/>
-            <a:r>
-              <a:rPr lang="en-US"/>
-              <a:t>Second level</a:t>
-            </a:r>
-          </a:p>
-          <a:p>
-            <a:pPr lvl="2"/>
-            <a:r>
-              <a:rPr lang="en-US"/>
-              <a:t>Third level</a:t>
-            </a:r>
-          </a:p>
-          <a:p>
-            <a:pPr lvl="3"/>
-            <a:r>
-              <a:rPr lang="en-US"/>
-              <a:t>Fourth level</a:t>
-            </a:r>
-          </a:p>
-          <a:p>
-            <a:pPr lvl="4"/>
-            <a:r>
-              <a:rPr lang="en-US"/>
-              <a:t>Fifth level</a:t>
-            </a:r>
-            <a:endParaRPr lang="en-US" dirty="0"/>
-          </a:p>
-        </p:txBody>
-      </p:sp>
-      <p:sp>
-        <p:nvSpPr>
-          <p:cNvPr id="4" name="Content Placeholder 3"/>
-          <p:cNvSpPr>
-            <a:spLocks noGrp="1"/>
-          </p:cNvSpPr>
-          <p:nvPr>
-            <p:ph sz="half" idx="2"/>
-          </p:nvPr>
-        </p:nvSpPr>
-        <p:spPr>
-          <a:xfrm>
-            <a:off x="4663439" y="1845736"/>
-            <a:ext cx="4179477" cy="4023359"/>
-          </a:xfrm>
+            <a:fld id="{6CE13AA5-FCA2-44CA-9718-21833E13C188}" type="datetime1">
+              <a:rPr lang="en-US" smtClean="0"/>
+              <a:t>6/12/18</a:t>
+            </a:fld>
+            <a:endParaRPr lang="en-US" dirty="0"/>
+          </a:p>
+        </p:txBody>
+      </p:sp>
+      <p:sp>
+        <p:nvSpPr>
+          <p:cNvPr id="6" name="Footer Placeholder 5"/>
+          <p:cNvSpPr>
+            <a:spLocks noGrp="1"/>
+          </p:cNvSpPr>
+          <p:nvPr>
+            <p:ph type="ftr" sz="quarter" idx="11"/>
+          </p:nvPr>
+        </p:nvSpPr>
+        <p:spPr>
+          <a:xfrm>
+            <a:off x="581192" y="5951810"/>
+            <a:ext cx="4870585" cy="365125"/>
+          </a:xfrm>
+          <a:prstGeom prst="rect">
+            <a:avLst/>
+          </a:prstGeom>
         </p:spPr>
         <p:txBody>
           <a:bodyPr/>
           <a:lstStyle/>
           <a:p>
-            <a:pPr lvl="0"/>
-            <a:r>
-              <a:rPr lang="en-US"/>
-              <a:t>Click to edit Master text styles</a:t>
-            </a:r>
-          </a:p>
-          <a:p>
-            <a:pPr lvl="1"/>
-            <a:r>
-              <a:rPr lang="en-US"/>
-              <a:t>Second level</a:t>
-            </a:r>
-          </a:p>
-          <a:p>
-            <a:pPr lvl="2"/>
-            <a:r>
-              <a:rPr lang="en-US"/>
-              <a:t>Third level</a:t>
-            </a:r>
-          </a:p>
-          <a:p>
-            <a:pPr lvl="3"/>
-            <a:r>
-              <a:rPr lang="en-US"/>
-              <a:t>Fourth level</a:t>
-            </a:r>
-          </a:p>
-          <a:p>
-            <a:pPr lvl="4"/>
-            <a:r>
-              <a:rPr lang="en-US"/>
-              <a:t>Fifth level</a:t>
-            </a:r>
-            <a:endParaRPr lang="en-US" dirty="0"/>
-          </a:p>
-        </p:txBody>
-      </p:sp>
-      <p:sp>
-        <p:nvSpPr>
-          <p:cNvPr id="5" name="Date Placeholder 4"/>
-          <p:cNvSpPr>
-            <a:spLocks noGrp="1"/>
-          </p:cNvSpPr>
-          <p:nvPr>
-            <p:ph type="dt" sz="half" idx="10"/>
-          </p:nvPr>
-        </p:nvSpPr>
-        <p:spPr/>
-        <p:txBody>
-          <a:bodyPr/>
-          <a:lstStyle/>
-          <a:p>
-            <a:fld id="{EBF8D0B0-ABF6-4674-9F64-029FFE4F9753}" type="datetime1">
-              <a:rPr lang="en-US" smtClean="0"/>
-              <a:t>6/7/18</a:t>
-            </a:fld>
-            <a:endParaRPr lang="en-US" dirty="0"/>
-          </a:p>
-        </p:txBody>
-      </p:sp>
-      <p:sp>
-        <p:nvSpPr>
-          <p:cNvPr id="6" name="Footer Placeholder 5"/>
-          <p:cNvSpPr>
-            <a:spLocks noGrp="1"/>
-          </p:cNvSpPr>
-          <p:nvPr>
-            <p:ph type="ftr" sz="quarter" idx="11"/>
-          </p:nvPr>
-        </p:nvSpPr>
-        <p:spPr/>
-        <p:txBody>
-          <a:bodyPr/>
-          <a:lstStyle/>
-          <a:p>
-            <a:r>
-              <a:rPr lang="en-US"/>
-              <a:t>© 2018,FLL Tutorials (Last Edit 10/31/2017)</a:t>
+            <a:r>
+              <a:rPr lang="en-US"/>
+              <a:t>© 2018,FLL Tutorials (Last Edit 06/11/2018)</a:t>
             </a:r>
             <a:endParaRPr lang="en-US" dirty="0"/>
           </a:p>
@@ -2544,7 +2856,15 @@
             <p:ph type="sldNum" sz="quarter" idx="12"/>
           </p:nvPr>
         </p:nvSpPr>
-        <p:spPr/>
+        <p:spPr>
+          <a:xfrm>
+            <a:off x="7800476" y="5956136"/>
+            <a:ext cx="770468" cy="365125"/>
+          </a:xfrm>
+          <a:prstGeom prst="rect">
+            <a:avLst/>
+          </a:prstGeom>
+        </p:spPr>
         <p:txBody>
           <a:bodyPr/>
           <a:lstStyle/>
@@ -2558,6 +2878,11 @@
         </p:txBody>
       </p:sp>
     </p:spTree>
+    <p:extLst>
+      <p:ext uri="{BB962C8B-B14F-4D97-AF65-F5344CB8AC3E}">
+        <p14:creationId xmlns:p14="http://schemas.microsoft.com/office/powerpoint/2010/main" val="2385602371"/>
+      </p:ext>
+    </p:extLst>
   </p:cSld>
   <p:clrMapOvr>
     <a:masterClrMapping/>
@@ -2584,7 +2909,46 @@
       </p:grpSpPr>
       <p:sp>
         <p:nvSpPr>
-          <p:cNvPr id="10" name="Title 9"/>
+          <p:cNvPr id="10" name="Rectangle 9"/>
+          <p:cNvSpPr>
+            <a:spLocks noChangeAspect="1"/>
+          </p:cNvSpPr>
+          <p:nvPr/>
+        </p:nvSpPr>
+        <p:spPr>
+          <a:xfrm>
+            <a:off x="448092" y="599725"/>
+            <a:ext cx="8238707" cy="1258827"/>
+          </a:xfrm>
+          <a:prstGeom prst="rect">
+            <a:avLst/>
+          </a:prstGeom>
+          <a:solidFill>
+            <a:schemeClr val="accent1"/>
+          </a:solidFill>
+          <a:ln>
+            <a:noFill/>
+          </a:ln>
+          <a:effectLst/>
+        </p:spPr>
+        <p:style>
+          <a:lnRef idx="1">
+            <a:schemeClr val="accent1"/>
+          </a:lnRef>
+          <a:fillRef idx="3">
+            <a:schemeClr val="accent1"/>
+          </a:fillRef>
+          <a:effectRef idx="2">
+            <a:schemeClr val="accent1"/>
+          </a:effectRef>
+          <a:fontRef idx="minor">
+            <a:schemeClr val="lt1"/>
+          </a:fontRef>
+        </p:style>
+      </p:sp>
+      <p:sp>
+        <p:nvSpPr>
+          <p:cNvPr id="2" name="Title 1"/>
           <p:cNvSpPr>
             <a:spLocks noGrp="1"/>
           </p:cNvSpPr>
@@ -2592,15 +2956,14 @@
             <p:ph type="title"/>
           </p:nvPr>
         </p:nvSpPr>
-        <p:spPr>
-          <a:xfrm>
-            <a:off x="822960" y="286604"/>
-            <a:ext cx="7543800" cy="1450757"/>
-          </a:xfrm>
-        </p:spPr>
+        <p:spPr/>
         <p:txBody>
           <a:bodyPr/>
-          <a:lstStyle/>
+          <a:lstStyle>
+            <a:lvl1pPr>
+              <a:defRPr/>
+            </a:lvl1pPr>
+          </a:lstStyle>
           <a:p>
             <a:r>
               <a:rPr lang="en-US"/>
@@ -2622,20 +2985,20 @@
         </p:nvSpPr>
         <p:spPr>
           <a:xfrm>
-            <a:off x="822960" y="1846052"/>
-            <a:ext cx="3703320" cy="736282"/>
-          </a:xfrm>
-        </p:spPr>
-        <p:txBody>
-          <a:bodyPr lIns="91440" rIns="91440" anchor="ctr">
-            <a:normAutofit/>
+            <a:off x="887219" y="2228003"/>
+            <a:ext cx="3593500" cy="576262"/>
+          </a:xfrm>
+        </p:spPr>
+        <p:txBody>
+          <a:bodyPr anchor="b">
+            <a:noAutofit/>
           </a:bodyPr>
           <a:lstStyle>
             <a:lvl1pPr marL="0" indent="0">
               <a:buNone/>
-              <a:defRPr sz="2000" b="0" cap="all" baseline="0">
-                <a:solidFill>
-                  <a:schemeClr val="tx2"/>
+              <a:defRPr sz="2200" b="0">
+                <a:solidFill>
+                  <a:schemeClr val="accent2"/>
                 </a:solidFill>
               </a:defRPr>
             </a:lvl1pPr>
@@ -2676,7 +3039,7 @@
             <a:pPr lvl="0"/>
             <a:r>
               <a:rPr lang="en-US"/>
-              <a:t>Click to edit Master text styles</a:t>
+              <a:t>Edit Master text styles</a:t>
             </a:r>
           </a:p>
         </p:txBody>
@@ -2693,18 +3056,20 @@
         </p:nvSpPr>
         <p:spPr>
           <a:xfrm>
-            <a:off x="822960" y="2582334"/>
-            <a:ext cx="3703320" cy="3286760"/>
-          </a:xfrm>
-        </p:spPr>
-        <p:txBody>
-          <a:bodyPr/>
+            <a:off x="581192" y="2926051"/>
+            <a:ext cx="3899527" cy="2934999"/>
+          </a:xfrm>
+        </p:spPr>
+        <p:txBody>
+          <a:bodyPr anchor="t">
+            <a:normAutofit/>
+          </a:bodyPr>
           <a:lstStyle/>
           <a:p>
             <a:pPr lvl="0"/>
             <a:r>
               <a:rPr lang="en-US"/>
-              <a:t>Click to edit Master text styles</a:t>
+              <a:t>Edit Master text styles</a:t>
             </a:r>
           </a:p>
           <a:p>
@@ -2750,20 +3115,20 @@
         </p:nvSpPr>
         <p:spPr>
           <a:xfrm>
-            <a:off x="4663440" y="1846052"/>
-            <a:ext cx="3703320" cy="736282"/>
-          </a:xfrm>
-        </p:spPr>
-        <p:txBody>
-          <a:bodyPr lIns="91440" rIns="91440" anchor="ctr">
-            <a:normAutofit/>
+            <a:off x="4969308" y="2228003"/>
+            <a:ext cx="3601635" cy="576262"/>
+          </a:xfrm>
+        </p:spPr>
+        <p:txBody>
+          <a:bodyPr anchor="b">
+            <a:noAutofit/>
           </a:bodyPr>
           <a:lstStyle>
             <a:lvl1pPr marL="0" indent="0">
               <a:buNone/>
-              <a:defRPr sz="2000" b="0" cap="all" baseline="0">
-                <a:solidFill>
-                  <a:schemeClr val="tx2"/>
+              <a:defRPr sz="2200" b="0">
+                <a:solidFill>
+                  <a:schemeClr val="accent2"/>
                 </a:solidFill>
               </a:defRPr>
             </a:lvl1pPr>
@@ -2804,7 +3169,7 @@
             <a:pPr lvl="0"/>
             <a:r>
               <a:rPr lang="en-US"/>
-              <a:t>Click to edit Master text styles</a:t>
+              <a:t>Edit Master text styles</a:t>
             </a:r>
           </a:p>
         </p:txBody>
@@ -2821,92 +3186,110 @@
         </p:nvSpPr>
         <p:spPr>
           <a:xfrm>
-            <a:off x="4663440" y="2582334"/>
-            <a:ext cx="3703320" cy="3286760"/>
-          </a:xfrm>
+            <a:off x="4663282" y="2926051"/>
+            <a:ext cx="3907662" cy="2934999"/>
+          </a:xfrm>
+        </p:spPr>
+        <p:txBody>
+          <a:bodyPr anchor="t">
+            <a:normAutofit/>
+          </a:bodyPr>
+          <a:lstStyle/>
+          <a:p>
+            <a:pPr lvl="0"/>
+            <a:r>
+              <a:rPr lang="en-US"/>
+              <a:t>Edit Master text styles</a:t>
+            </a:r>
+          </a:p>
+          <a:p>
+            <a:pPr lvl="1"/>
+            <a:r>
+              <a:rPr lang="en-US"/>
+              <a:t>Second level</a:t>
+            </a:r>
+          </a:p>
+          <a:p>
+            <a:pPr lvl="2"/>
+            <a:r>
+              <a:rPr lang="en-US"/>
+              <a:t>Third level</a:t>
+            </a:r>
+          </a:p>
+          <a:p>
+            <a:pPr lvl="3"/>
+            <a:r>
+              <a:rPr lang="en-US"/>
+              <a:t>Fourth level</a:t>
+            </a:r>
+          </a:p>
+          <a:p>
+            <a:pPr lvl="4"/>
+            <a:r>
+              <a:rPr lang="en-US"/>
+              <a:t>Fifth level</a:t>
+            </a:r>
+            <a:endParaRPr lang="en-US" dirty="0"/>
+          </a:p>
+        </p:txBody>
+      </p:sp>
+      <p:sp>
+        <p:nvSpPr>
+          <p:cNvPr id="7" name="Date Placeholder 6"/>
+          <p:cNvSpPr>
+            <a:spLocks noGrp="1"/>
+          </p:cNvSpPr>
+          <p:nvPr>
+            <p:ph type="dt" sz="half" idx="10"/>
+          </p:nvPr>
+        </p:nvSpPr>
+        <p:spPr>
+          <a:xfrm>
+            <a:off x="5559327" y="5956136"/>
+            <a:ext cx="2133600" cy="365125"/>
+          </a:xfrm>
+          <a:prstGeom prst="rect">
+            <a:avLst/>
+          </a:prstGeom>
         </p:spPr>
         <p:txBody>
           <a:bodyPr/>
           <a:lstStyle/>
           <a:p>
-            <a:pPr lvl="0"/>
-            <a:r>
-              <a:rPr lang="en-US"/>
-              <a:t>Click to edit Master text styles</a:t>
-            </a:r>
-          </a:p>
-          <a:p>
-            <a:pPr lvl="1"/>
-            <a:r>
-              <a:rPr lang="en-US"/>
-              <a:t>Second level</a:t>
-            </a:r>
-          </a:p>
-          <a:p>
-            <a:pPr lvl="2"/>
-            <a:r>
-              <a:rPr lang="en-US"/>
-              <a:t>Third level</a:t>
-            </a:r>
-          </a:p>
-          <a:p>
-            <a:pPr lvl="3"/>
-            <a:r>
-              <a:rPr lang="en-US"/>
-              <a:t>Fourth level</a:t>
-            </a:r>
-          </a:p>
-          <a:p>
-            <a:pPr lvl="4"/>
-            <a:r>
-              <a:rPr lang="en-US"/>
-              <a:t>Fifth level</a:t>
-            </a:r>
-            <a:endParaRPr lang="en-US" dirty="0"/>
-          </a:p>
-        </p:txBody>
-      </p:sp>
-      <p:sp>
-        <p:nvSpPr>
-          <p:cNvPr id="7" name="Date Placeholder 6"/>
-          <p:cNvSpPr>
-            <a:spLocks noGrp="1"/>
-          </p:cNvSpPr>
-          <p:nvPr>
-            <p:ph type="dt" sz="half" idx="10"/>
-          </p:nvPr>
-        </p:nvSpPr>
-        <p:spPr/>
+            <a:fld id="{E41EFFF7-844C-4C5D-AEFD-DB0F9237FE64}" type="datetime1">
+              <a:rPr lang="en-US" smtClean="0"/>
+              <a:t>6/12/18</a:t>
+            </a:fld>
+            <a:endParaRPr lang="en-US" dirty="0"/>
+          </a:p>
+        </p:txBody>
+      </p:sp>
+      <p:sp>
+        <p:nvSpPr>
+          <p:cNvPr id="8" name="Footer Placeholder 7"/>
+          <p:cNvSpPr>
+            <a:spLocks noGrp="1"/>
+          </p:cNvSpPr>
+          <p:nvPr>
+            <p:ph type="ftr" sz="quarter" idx="11"/>
+          </p:nvPr>
+        </p:nvSpPr>
+        <p:spPr>
+          <a:xfrm>
+            <a:off x="581192" y="5951810"/>
+            <a:ext cx="4870585" cy="365125"/>
+          </a:xfrm>
+          <a:prstGeom prst="rect">
+            <a:avLst/>
+          </a:prstGeom>
+        </p:spPr>
         <p:txBody>
           <a:bodyPr/>
           <a:lstStyle/>
           <a:p>
-            <a:fld id="{519E2718-098B-4472-8CC5-6B61709F605B}" type="datetime1">
-              <a:rPr lang="en-US" smtClean="0"/>
-              <a:t>6/7/18</a:t>
-            </a:fld>
-            <a:endParaRPr lang="en-US" dirty="0"/>
-          </a:p>
-        </p:txBody>
-      </p:sp>
-      <p:sp>
-        <p:nvSpPr>
-          <p:cNvPr id="8" name="Footer Placeholder 7"/>
-          <p:cNvSpPr>
-            <a:spLocks noGrp="1"/>
-          </p:cNvSpPr>
-          <p:nvPr>
-            <p:ph type="ftr" sz="quarter" idx="11"/>
-          </p:nvPr>
-        </p:nvSpPr>
-        <p:spPr/>
-        <p:txBody>
-          <a:bodyPr/>
-          <a:lstStyle/>
-          <a:p>
-            <a:r>
-              <a:rPr lang="en-US"/>
-              <a:t>© 2018,FLL Tutorials (Last Edit 10/31/2017)</a:t>
+            <a:r>
+              <a:rPr lang="en-US"/>
+              <a:t>© 2018,FLL Tutorials (Last Edit 06/11/2018)</a:t>
             </a:r>
             <a:endParaRPr lang="en-US" dirty="0"/>
           </a:p>
@@ -2922,7 +3305,15 @@
             <p:ph type="sldNum" sz="quarter" idx="12"/>
           </p:nvPr>
         </p:nvSpPr>
-        <p:spPr/>
+        <p:spPr>
+          <a:xfrm>
+            <a:off x="7800476" y="5956136"/>
+            <a:ext cx="770468" cy="365125"/>
+          </a:xfrm>
+          <a:prstGeom prst="rect">
+            <a:avLst/>
+          </a:prstGeom>
+        </p:spPr>
         <p:txBody>
           <a:bodyPr/>
           <a:lstStyle/>
@@ -2936,6 +3327,11 @@
         </p:txBody>
       </p:sp>
     </p:spTree>
+    <p:extLst>
+      <p:ext uri="{BB962C8B-B14F-4D97-AF65-F5344CB8AC3E}">
+        <p14:creationId xmlns:p14="http://schemas.microsoft.com/office/powerpoint/2010/main" val="2145612227"/>
+      </p:ext>
+    </p:extLst>
   </p:cSld>
   <p:clrMapOvr>
     <a:masterClrMapping/>
@@ -2962,6 +3358,45 @@
       </p:grpSpPr>
       <p:sp>
         <p:nvSpPr>
+          <p:cNvPr id="6" name="Rectangle 5"/>
+          <p:cNvSpPr>
+            <a:spLocks noChangeAspect="1"/>
+          </p:cNvSpPr>
+          <p:nvPr/>
+        </p:nvSpPr>
+        <p:spPr>
+          <a:xfrm>
+            <a:off x="448092" y="599725"/>
+            <a:ext cx="8238707" cy="1258827"/>
+          </a:xfrm>
+          <a:prstGeom prst="rect">
+            <a:avLst/>
+          </a:prstGeom>
+          <a:solidFill>
+            <a:schemeClr val="accent1"/>
+          </a:solidFill>
+          <a:ln>
+            <a:noFill/>
+          </a:ln>
+          <a:effectLst/>
+        </p:spPr>
+        <p:style>
+          <a:lnRef idx="1">
+            <a:schemeClr val="accent1"/>
+          </a:lnRef>
+          <a:fillRef idx="3">
+            <a:schemeClr val="accent1"/>
+          </a:fillRef>
+          <a:effectRef idx="2">
+            <a:schemeClr val="accent1"/>
+          </a:effectRef>
+          <a:fontRef idx="minor">
+            <a:schemeClr val="lt1"/>
+          </a:fontRef>
+        </p:style>
+      </p:sp>
+      <p:sp>
+        <p:nvSpPr>
           <p:cNvPr id="2" name="Title 1"/>
           <p:cNvSpPr>
             <a:spLocks noGrp="1"/>
@@ -2993,14 +3428,22 @@
             <p:ph type="dt" sz="half" idx="10"/>
           </p:nvPr>
         </p:nvSpPr>
-        <p:spPr/>
+        <p:spPr>
+          <a:xfrm>
+            <a:off x="5559327" y="5956136"/>
+            <a:ext cx="2133600" cy="365125"/>
+          </a:xfrm>
+          <a:prstGeom prst="rect">
+            <a:avLst/>
+          </a:prstGeom>
+        </p:spPr>
         <p:txBody>
           <a:bodyPr/>
           <a:lstStyle/>
           <a:p>
-            <a:fld id="{FEDB4AEB-E491-4927-9E86-0B610A2ED89B}" type="datetime1">
+            <a:fld id="{F8E52A67-A481-4B34-B4EB-D0FCAEAC7D21}" type="datetime1">
               <a:rPr lang="en-US" smtClean="0"/>
-              <a:t>6/7/18</a:t>
+              <a:t>6/12/18</a:t>
             </a:fld>
             <a:endParaRPr lang="en-US" dirty="0"/>
           </a:p>
@@ -3016,14 +3459,22 @@
             <p:ph type="ftr" sz="quarter" idx="11"/>
           </p:nvPr>
         </p:nvSpPr>
-        <p:spPr/>
+        <p:spPr>
+          <a:xfrm>
+            <a:off x="581192" y="5951810"/>
+            <a:ext cx="4870585" cy="365125"/>
+          </a:xfrm>
+          <a:prstGeom prst="rect">
+            <a:avLst/>
+          </a:prstGeom>
+        </p:spPr>
         <p:txBody>
           <a:bodyPr/>
           <a:lstStyle/>
           <a:p>
             <a:r>
               <a:rPr lang="en-US"/>
-              <a:t>© 2018,FLL Tutorials (Last Edit 10/31/2017)</a:t>
+              <a:t>© 2018,FLL Tutorials (Last Edit 06/11/2018)</a:t>
             </a:r>
             <a:endParaRPr lang="en-US" dirty="0"/>
           </a:p>
@@ -3039,7 +3490,15 @@
             <p:ph type="sldNum" sz="quarter" idx="12"/>
           </p:nvPr>
         </p:nvSpPr>
-        <p:spPr/>
+        <p:spPr>
+          <a:xfrm>
+            <a:off x="7800476" y="5956136"/>
+            <a:ext cx="770468" cy="365125"/>
+          </a:xfrm>
+          <a:prstGeom prst="rect">
+            <a:avLst/>
+          </a:prstGeom>
+        </p:spPr>
         <p:txBody>
           <a:bodyPr/>
           <a:lstStyle/>
@@ -3053,6 +3512,11 @@
         </p:txBody>
       </p:sp>
     </p:spTree>
+    <p:extLst>
+      <p:ext uri="{BB962C8B-B14F-4D97-AF65-F5344CB8AC3E}">
+        <p14:creationId xmlns:p14="http://schemas.microsoft.com/office/powerpoint/2010/main" val="2676633803"/>
+      </p:ext>
+    </p:extLst>
   </p:cSld>
   <p:clrMapOvr>
     <a:masterClrMapping/>
@@ -3061,7 +3525,7 @@
 </file>
 
 <file path=ppt/slideLayouts/slideLayout7.xml><?xml version="1.0" encoding="utf-8"?>
-<p:sldLayout xmlns:a="http://schemas.openxmlformats.org/drawingml/2006/main" xmlns:r="http://schemas.openxmlformats.org/officeDocument/2006/relationships" xmlns:p="http://schemas.openxmlformats.org/presentationml/2006/main" showMasterSp="0" type="blank" preserve="1">
+<p:sldLayout xmlns:a="http://schemas.openxmlformats.org/drawingml/2006/main" xmlns:r="http://schemas.openxmlformats.org/officeDocument/2006/relationships" xmlns:p="http://schemas.openxmlformats.org/presentationml/2006/main" type="blank" preserve="1">
   <p:cSld name="Blank">
     <p:spTree>
       <p:nvGrpSpPr>
@@ -3079,137 +3543,69 @@
       </p:grpSpPr>
       <p:sp>
         <p:nvSpPr>
-          <p:cNvPr id="5" name="Rectangle 4"/>
-          <p:cNvSpPr/>
-          <p:nvPr/>
-        </p:nvSpPr>
-        <p:spPr>
-          <a:xfrm>
-            <a:off x="2382" y="6400800"/>
-            <a:ext cx="9141619" cy="457200"/>
+          <p:cNvPr id="2" name="Date Placeholder 1"/>
+          <p:cNvSpPr>
+            <a:spLocks noGrp="1"/>
+          </p:cNvSpPr>
+          <p:nvPr>
+            <p:ph type="dt" sz="half" idx="10"/>
+          </p:nvPr>
+        </p:nvSpPr>
+        <p:spPr>
+          <a:xfrm>
+            <a:off x="5559327" y="5956136"/>
+            <a:ext cx="2133600" cy="365125"/>
           </a:xfrm>
           <a:prstGeom prst="rect">
             <a:avLst/>
           </a:prstGeom>
-          <a:solidFill>
-            <a:schemeClr val="accent2"/>
-          </a:solidFill>
-          <a:ln>
-            <a:noFill/>
-          </a:ln>
-        </p:spPr>
-        <p:style>
-          <a:lnRef idx="2">
-            <a:schemeClr val="accent1">
-              <a:shade val="50000"/>
-            </a:schemeClr>
-          </a:lnRef>
-          <a:fillRef idx="1">
-            <a:schemeClr val="accent1"/>
-          </a:fillRef>
-          <a:effectRef idx="0">
-            <a:schemeClr val="accent1"/>
-          </a:effectRef>
-          <a:fontRef idx="minor">
-            <a:schemeClr val="lt1"/>
-          </a:fontRef>
-        </p:style>
-      </p:sp>
-      <p:sp>
-        <p:nvSpPr>
-          <p:cNvPr id="6" name="Rectangle 5"/>
-          <p:cNvSpPr/>
-          <p:nvPr/>
-        </p:nvSpPr>
-        <p:spPr>
-          <a:xfrm>
-            <a:off x="12" y="6334316"/>
-            <a:ext cx="9141619" cy="64008"/>
+        </p:spPr>
+        <p:txBody>
+          <a:bodyPr/>
+          <a:lstStyle/>
+          <a:p>
+            <a:fld id="{1504DE06-523C-49EC-ACE2-E9311ED4E74C}" type="datetime1">
+              <a:rPr lang="en-US" smtClean="0"/>
+              <a:t>6/12/18</a:t>
+            </a:fld>
+            <a:endParaRPr lang="en-US" dirty="0"/>
+          </a:p>
+        </p:txBody>
+      </p:sp>
+      <p:sp>
+        <p:nvSpPr>
+          <p:cNvPr id="3" name="Footer Placeholder 2"/>
+          <p:cNvSpPr>
+            <a:spLocks noGrp="1"/>
+          </p:cNvSpPr>
+          <p:nvPr>
+            <p:ph type="ftr" sz="quarter" idx="11"/>
+          </p:nvPr>
+        </p:nvSpPr>
+        <p:spPr>
+          <a:xfrm>
+            <a:off x="581192" y="5951810"/>
+            <a:ext cx="4870585" cy="365125"/>
           </a:xfrm>
           <a:prstGeom prst="rect">
             <a:avLst/>
           </a:prstGeom>
-          <a:solidFill>
-            <a:schemeClr val="accent1"/>
-          </a:solidFill>
-          <a:ln>
-            <a:noFill/>
-          </a:ln>
-        </p:spPr>
-        <p:style>
-          <a:lnRef idx="2">
-            <a:schemeClr val="accent1">
-              <a:shade val="50000"/>
-            </a:schemeClr>
-          </a:lnRef>
-          <a:fillRef idx="1">
-            <a:schemeClr val="accent1"/>
-          </a:fillRef>
-          <a:effectRef idx="0">
-            <a:schemeClr val="accent1"/>
-          </a:effectRef>
-          <a:fontRef idx="minor">
-            <a:schemeClr val="lt1"/>
-          </a:fontRef>
-        </p:style>
-      </p:sp>
-      <p:sp>
-        <p:nvSpPr>
-          <p:cNvPr id="7" name="Date Placeholder 6"/>
-          <p:cNvSpPr>
-            <a:spLocks noGrp="1"/>
-          </p:cNvSpPr>
-          <p:nvPr>
-            <p:ph type="dt" sz="half" idx="10"/>
-          </p:nvPr>
-        </p:nvSpPr>
-        <p:spPr/>
+        </p:spPr>
         <p:txBody>
           <a:bodyPr/>
           <a:lstStyle/>
           <a:p>
-            <a:fld id="{4C93CE32-7A95-44FB-905B-9ED27CDE39E9}" type="datetime1">
-              <a:rPr lang="en-US" smtClean="0"/>
-              <a:t>6/7/18</a:t>
-            </a:fld>
-            <a:endParaRPr lang="en-US" dirty="0"/>
-          </a:p>
-        </p:txBody>
-      </p:sp>
-      <p:sp>
-        <p:nvSpPr>
-          <p:cNvPr id="8" name="Footer Placeholder 7"/>
-          <p:cNvSpPr>
-            <a:spLocks noGrp="1"/>
-          </p:cNvSpPr>
-          <p:nvPr>
-            <p:ph type="ftr" sz="quarter" idx="11"/>
-          </p:nvPr>
-        </p:nvSpPr>
-        <p:spPr/>
-        <p:txBody>
-          <a:bodyPr/>
-          <a:lstStyle>
-            <a:lvl1pPr>
-              <a:defRPr>
-                <a:solidFill>
-                  <a:srgbClr val="FFFFFF"/>
-                </a:solidFill>
-              </a:defRPr>
-            </a:lvl1pPr>
-          </a:lstStyle>
-          <a:p>
-            <a:r>
-              <a:rPr lang="en-US"/>
-              <a:t>© 2018,FLL Tutorials (Last Edit 10/31/2017)</a:t>
-            </a:r>
-            <a:endParaRPr lang="en-US" dirty="0"/>
-          </a:p>
-        </p:txBody>
-      </p:sp>
-      <p:sp>
-        <p:nvSpPr>
-          <p:cNvPr id="9" name="Slide Number Placeholder 8"/>
+            <a:r>
+              <a:rPr lang="en-US"/>
+              <a:t>© 2018,FLL Tutorials (Last Edit 06/11/2018)</a:t>
+            </a:r>
+            <a:endParaRPr lang="en-US" dirty="0"/>
+          </a:p>
+        </p:txBody>
+      </p:sp>
+      <p:sp>
+        <p:nvSpPr>
+          <p:cNvPr id="4" name="Slide Number Placeholder 3"/>
           <p:cNvSpPr>
             <a:spLocks noGrp="1"/>
           </p:cNvSpPr>
@@ -3217,7 +3613,15 @@
             <p:ph type="sldNum" sz="quarter" idx="12"/>
           </p:nvPr>
         </p:nvSpPr>
-        <p:spPr/>
+        <p:spPr>
+          <a:xfrm>
+            <a:off x="7800476" y="5956136"/>
+            <a:ext cx="770468" cy="365125"/>
+          </a:xfrm>
+          <a:prstGeom prst="rect">
+            <a:avLst/>
+          </a:prstGeom>
+        </p:spPr>
         <p:txBody>
           <a:bodyPr/>
           <a:lstStyle/>
@@ -3231,6 +3635,11 @@
         </p:txBody>
       </p:sp>
     </p:spTree>
+    <p:extLst>
+      <p:ext uri="{BB962C8B-B14F-4D97-AF65-F5344CB8AC3E}">
+        <p14:creationId xmlns:p14="http://schemas.microsoft.com/office/powerpoint/2010/main" val="264513091"/>
+      </p:ext>
+    </p:extLst>
   </p:cSld>
   <p:clrMapOvr>
     <a:masterClrMapping/>
@@ -3239,7 +3648,7 @@
 </file>
 
 <file path=ppt/slideLayouts/slideLayout8.xml><?xml version="1.0" encoding="utf-8"?>
-<p:sldLayout xmlns:a="http://schemas.openxmlformats.org/drawingml/2006/main" xmlns:r="http://schemas.openxmlformats.org/officeDocument/2006/relationships" xmlns:p="http://schemas.openxmlformats.org/presentationml/2006/main" showMasterSp="0" type="objTx" preserve="1">
+<p:sldLayout xmlns:a="http://schemas.openxmlformats.org/drawingml/2006/main" xmlns:r="http://schemas.openxmlformats.org/officeDocument/2006/relationships" xmlns:p="http://schemas.openxmlformats.org/presentationml/2006/main" type="objTx" preserve="1">
   <p:cSld name="Content with Caption">
     <p:spTree>
       <p:nvGrpSpPr>
@@ -3257,52 +3666,16 @@
       </p:grpSpPr>
       <p:sp>
         <p:nvSpPr>
-          <p:cNvPr id="8" name="Rectangle 7"/>
-          <p:cNvSpPr/>
+          <p:cNvPr id="9" name="Rectangle 8"/>
+          <p:cNvSpPr>
+            <a:spLocks noChangeAspect="1"/>
+          </p:cNvSpPr>
           <p:nvPr/>
         </p:nvSpPr>
         <p:spPr>
           <a:xfrm>
-            <a:off x="13" y="0"/>
-            <a:ext cx="3038093" cy="6858000"/>
-          </a:xfrm>
-          <a:prstGeom prst="rect">
-            <a:avLst/>
-          </a:prstGeom>
-          <a:solidFill>
-            <a:schemeClr val="accent2"/>
-          </a:solidFill>
-          <a:ln>
-            <a:noFill/>
-          </a:ln>
-        </p:spPr>
-        <p:style>
-          <a:lnRef idx="2">
-            <a:schemeClr val="accent1">
-              <a:shade val="50000"/>
-            </a:schemeClr>
-          </a:lnRef>
-          <a:fillRef idx="1">
-            <a:schemeClr val="accent1"/>
-          </a:fillRef>
-          <a:effectRef idx="0">
-            <a:schemeClr val="accent1"/>
-          </a:effectRef>
-          <a:fontRef idx="minor">
-            <a:schemeClr val="lt1"/>
-          </a:fontRef>
-        </p:style>
-      </p:sp>
-      <p:sp>
-        <p:nvSpPr>
-          <p:cNvPr id="9" name="Rectangle 8"/>
-          <p:cNvSpPr/>
-          <p:nvPr/>
-        </p:nvSpPr>
-        <p:spPr>
-          <a:xfrm>
-            <a:off x="3030053" y="0"/>
-            <a:ext cx="48006" cy="6858000"/>
+            <a:off x="452646" y="5141973"/>
+            <a:ext cx="8238707" cy="1274702"/>
           </a:xfrm>
           <a:prstGeom prst="rect">
             <a:avLst/>
@@ -3313,17 +3686,16 @@
           <a:ln>
             <a:noFill/>
           </a:ln>
+          <a:effectLst/>
         </p:spPr>
         <p:style>
-          <a:lnRef idx="2">
-            <a:schemeClr val="accent1">
-              <a:shade val="50000"/>
-            </a:schemeClr>
+          <a:lnRef idx="1">
+            <a:schemeClr val="accent1"/>
           </a:lnRef>
-          <a:fillRef idx="1">
+          <a:fillRef idx="3">
             <a:schemeClr val="accent1"/>
           </a:fillRef>
-          <a:effectRef idx="0">
+          <a:effectRef idx="2">
             <a:schemeClr val="accent1"/>
           </a:effectRef>
           <a:fontRef idx="minor">
@@ -3343,8 +3715,397 @@
         </p:nvSpPr>
         <p:spPr>
           <a:xfrm>
-            <a:off x="342900" y="594359"/>
-            <a:ext cx="2400300" cy="2286000"/>
+            <a:off x="581352" y="5262296"/>
+            <a:ext cx="3536625" cy="689514"/>
+          </a:xfrm>
+        </p:spPr>
+        <p:txBody>
+          <a:bodyPr anchor="ctr"/>
+          <a:lstStyle>
+            <a:lvl1pPr algn="l">
+              <a:defRPr sz="2000" b="0">
+                <a:solidFill>
+                  <a:schemeClr val="accent1">
+                    <a:lumMod val="75000"/>
+                    <a:lumOff val="25000"/>
+                  </a:schemeClr>
+                </a:solidFill>
+              </a:defRPr>
+            </a:lvl1pPr>
+          </a:lstStyle>
+          <a:p>
+            <a:r>
+              <a:rPr lang="en-US"/>
+              <a:t>Click to edit Master title style</a:t>
+            </a:r>
+            <a:endParaRPr lang="en-US" dirty="0"/>
+          </a:p>
+        </p:txBody>
+      </p:sp>
+      <p:sp>
+        <p:nvSpPr>
+          <p:cNvPr id="3" name="Content Placeholder 2"/>
+          <p:cNvSpPr>
+            <a:spLocks noGrp="1"/>
+          </p:cNvSpPr>
+          <p:nvPr>
+            <p:ph idx="1"/>
+          </p:nvPr>
+        </p:nvSpPr>
+        <p:spPr>
+          <a:xfrm>
+            <a:off x="446399" y="601200"/>
+            <a:ext cx="8240400" cy="4204800"/>
+          </a:xfrm>
+        </p:spPr>
+        <p:txBody>
+          <a:bodyPr anchor="ctr">
+            <a:normAutofit/>
+          </a:bodyPr>
+          <a:lstStyle>
+            <a:lvl1pPr>
+              <a:defRPr sz="2000">
+                <a:solidFill>
+                  <a:schemeClr val="tx2"/>
+                </a:solidFill>
+              </a:defRPr>
+            </a:lvl1pPr>
+            <a:lvl2pPr>
+              <a:defRPr sz="1800">
+                <a:solidFill>
+                  <a:schemeClr val="tx2"/>
+                </a:solidFill>
+              </a:defRPr>
+            </a:lvl2pPr>
+            <a:lvl3pPr>
+              <a:defRPr sz="1600">
+                <a:solidFill>
+                  <a:schemeClr val="tx2"/>
+                </a:solidFill>
+              </a:defRPr>
+            </a:lvl3pPr>
+            <a:lvl4pPr>
+              <a:defRPr sz="1400">
+                <a:solidFill>
+                  <a:schemeClr val="tx2"/>
+                </a:solidFill>
+              </a:defRPr>
+            </a:lvl4pPr>
+            <a:lvl5pPr>
+              <a:defRPr sz="1400">
+                <a:solidFill>
+                  <a:schemeClr val="tx2"/>
+                </a:solidFill>
+              </a:defRPr>
+            </a:lvl5pPr>
+            <a:lvl6pPr>
+              <a:defRPr sz="1400">
+                <a:solidFill>
+                  <a:schemeClr val="tx2"/>
+                </a:solidFill>
+              </a:defRPr>
+            </a:lvl6pPr>
+            <a:lvl7pPr>
+              <a:defRPr sz="1400">
+                <a:solidFill>
+                  <a:schemeClr val="tx2"/>
+                </a:solidFill>
+              </a:defRPr>
+            </a:lvl7pPr>
+            <a:lvl8pPr>
+              <a:defRPr sz="1400">
+                <a:solidFill>
+                  <a:schemeClr val="tx2"/>
+                </a:solidFill>
+              </a:defRPr>
+            </a:lvl8pPr>
+            <a:lvl9pPr>
+              <a:defRPr sz="1400">
+                <a:solidFill>
+                  <a:schemeClr val="tx2"/>
+                </a:solidFill>
+              </a:defRPr>
+            </a:lvl9pPr>
+          </a:lstStyle>
+          <a:p>
+            <a:pPr lvl="0"/>
+            <a:r>
+              <a:rPr lang="en-US"/>
+              <a:t>Edit Master text styles</a:t>
+            </a:r>
+          </a:p>
+          <a:p>
+            <a:pPr lvl="1"/>
+            <a:r>
+              <a:rPr lang="en-US"/>
+              <a:t>Second level</a:t>
+            </a:r>
+          </a:p>
+          <a:p>
+            <a:pPr lvl="2"/>
+            <a:r>
+              <a:rPr lang="en-US"/>
+              <a:t>Third level</a:t>
+            </a:r>
+          </a:p>
+          <a:p>
+            <a:pPr lvl="3"/>
+            <a:r>
+              <a:rPr lang="en-US"/>
+              <a:t>Fourth level</a:t>
+            </a:r>
+          </a:p>
+          <a:p>
+            <a:pPr lvl="4"/>
+            <a:r>
+              <a:rPr lang="en-US"/>
+              <a:t>Fifth level</a:t>
+            </a:r>
+            <a:endParaRPr lang="en-US" dirty="0"/>
+          </a:p>
+        </p:txBody>
+      </p:sp>
+      <p:sp>
+        <p:nvSpPr>
+          <p:cNvPr id="4" name="Text Placeholder 3"/>
+          <p:cNvSpPr>
+            <a:spLocks noGrp="1"/>
+          </p:cNvSpPr>
+          <p:nvPr>
+            <p:ph type="body" sz="half" idx="2"/>
+          </p:nvPr>
+        </p:nvSpPr>
+        <p:spPr>
+          <a:xfrm>
+            <a:off x="4305617" y="5262295"/>
+            <a:ext cx="4265327" cy="689515"/>
+          </a:xfrm>
+        </p:spPr>
+        <p:txBody>
+          <a:bodyPr anchor="ctr">
+            <a:normAutofit/>
+          </a:bodyPr>
+          <a:lstStyle>
+            <a:lvl1pPr marL="0" indent="0" algn="r">
+              <a:buNone/>
+              <a:defRPr sz="1100">
+                <a:solidFill>
+                  <a:schemeClr val="bg1"/>
+                </a:solidFill>
+              </a:defRPr>
+            </a:lvl1pPr>
+            <a:lvl2pPr marL="457200" indent="0">
+              <a:buNone/>
+              <a:defRPr sz="1100"/>
+            </a:lvl2pPr>
+            <a:lvl3pPr marL="914400" indent="0">
+              <a:buNone/>
+              <a:defRPr sz="1000"/>
+            </a:lvl3pPr>
+            <a:lvl4pPr marL="1371600" indent="0">
+              <a:buNone/>
+              <a:defRPr sz="900"/>
+            </a:lvl4pPr>
+            <a:lvl5pPr marL="1828800" indent="0">
+              <a:buNone/>
+              <a:defRPr sz="900"/>
+            </a:lvl5pPr>
+            <a:lvl6pPr marL="2286000" indent="0">
+              <a:buNone/>
+              <a:defRPr sz="900"/>
+            </a:lvl6pPr>
+            <a:lvl7pPr marL="2743200" indent="0">
+              <a:buNone/>
+              <a:defRPr sz="900"/>
+            </a:lvl7pPr>
+            <a:lvl8pPr marL="3200400" indent="0">
+              <a:buNone/>
+              <a:defRPr sz="900"/>
+            </a:lvl8pPr>
+            <a:lvl9pPr marL="3657600" indent="0">
+              <a:buNone/>
+              <a:defRPr sz="900"/>
+            </a:lvl9pPr>
+          </a:lstStyle>
+          <a:p>
+            <a:pPr lvl="0"/>
+            <a:r>
+              <a:rPr lang="en-US"/>
+              <a:t>Edit Master text styles</a:t>
+            </a:r>
+          </a:p>
+        </p:txBody>
+      </p:sp>
+      <p:sp>
+        <p:nvSpPr>
+          <p:cNvPr id="5" name="Date Placeholder 4"/>
+          <p:cNvSpPr>
+            <a:spLocks noGrp="1"/>
+          </p:cNvSpPr>
+          <p:nvPr>
+            <p:ph type="dt" sz="half" idx="10"/>
+          </p:nvPr>
+        </p:nvSpPr>
+        <p:spPr>
+          <a:xfrm>
+            <a:off x="5559327" y="5956136"/>
+            <a:ext cx="2133600" cy="365125"/>
+          </a:xfrm>
+          <a:prstGeom prst="rect">
+            <a:avLst/>
+          </a:prstGeom>
+        </p:spPr>
+        <p:txBody>
+          <a:bodyPr/>
+          <a:lstStyle>
+            <a:lvl1pPr>
+              <a:defRPr>
+                <a:solidFill>
+                  <a:schemeClr val="accent1">
+                    <a:lumMod val="75000"/>
+                    <a:lumOff val="25000"/>
+                  </a:schemeClr>
+                </a:solidFill>
+              </a:defRPr>
+            </a:lvl1pPr>
+          </a:lstStyle>
+          <a:p>
+            <a:fld id="{796EA3FF-6434-4D21-A8FB-F74A63A0345A}" type="datetime1">
+              <a:rPr lang="en-US" smtClean="0"/>
+              <a:t>6/12/18</a:t>
+            </a:fld>
+            <a:endParaRPr lang="en-US" dirty="0"/>
+          </a:p>
+        </p:txBody>
+      </p:sp>
+      <p:sp>
+        <p:nvSpPr>
+          <p:cNvPr id="6" name="Footer Placeholder 5"/>
+          <p:cNvSpPr>
+            <a:spLocks noGrp="1"/>
+          </p:cNvSpPr>
+          <p:nvPr>
+            <p:ph type="ftr" sz="quarter" idx="11"/>
+          </p:nvPr>
+        </p:nvSpPr>
+        <p:spPr>
+          <a:xfrm>
+            <a:off x="581192" y="5951810"/>
+            <a:ext cx="4870585" cy="365125"/>
+          </a:xfrm>
+          <a:prstGeom prst="rect">
+            <a:avLst/>
+          </a:prstGeom>
+        </p:spPr>
+        <p:txBody>
+          <a:bodyPr/>
+          <a:lstStyle>
+            <a:lvl1pPr>
+              <a:defRPr>
+                <a:solidFill>
+                  <a:schemeClr val="accent1">
+                    <a:lumMod val="75000"/>
+                    <a:lumOff val="25000"/>
+                  </a:schemeClr>
+                </a:solidFill>
+              </a:defRPr>
+            </a:lvl1pPr>
+          </a:lstStyle>
+          <a:p>
+            <a:r>
+              <a:rPr lang="en-US"/>
+              <a:t>© 2018,FLL Tutorials (Last Edit 06/11/2018)</a:t>
+            </a:r>
+            <a:endParaRPr lang="en-US" dirty="0"/>
+          </a:p>
+        </p:txBody>
+      </p:sp>
+      <p:sp>
+        <p:nvSpPr>
+          <p:cNvPr id="7" name="Slide Number Placeholder 6"/>
+          <p:cNvSpPr>
+            <a:spLocks noGrp="1"/>
+          </p:cNvSpPr>
+          <p:nvPr>
+            <p:ph type="sldNum" sz="quarter" idx="12"/>
+          </p:nvPr>
+        </p:nvSpPr>
+        <p:spPr>
+          <a:xfrm>
+            <a:off x="7800476" y="5956136"/>
+            <a:ext cx="770468" cy="365125"/>
+          </a:xfrm>
+          <a:prstGeom prst="rect">
+            <a:avLst/>
+          </a:prstGeom>
+        </p:spPr>
+        <p:txBody>
+          <a:bodyPr/>
+          <a:lstStyle>
+            <a:lvl1pPr>
+              <a:defRPr>
+                <a:solidFill>
+                  <a:schemeClr val="accent1">
+                    <a:lumMod val="75000"/>
+                    <a:lumOff val="25000"/>
+                  </a:schemeClr>
+                </a:solidFill>
+              </a:defRPr>
+            </a:lvl1pPr>
+          </a:lstStyle>
+          <a:p>
+            <a:fld id="{6D22F896-40B5-4ADD-8801-0D06FADFA095}" type="slidenum">
+              <a:rPr lang="en-US" smtClean="0"/>
+              <a:t>‹#›</a:t>
+            </a:fld>
+            <a:endParaRPr lang="en-US" dirty="0"/>
+          </a:p>
+        </p:txBody>
+      </p:sp>
+    </p:spTree>
+    <p:extLst>
+      <p:ext uri="{BB962C8B-B14F-4D97-AF65-F5344CB8AC3E}">
+        <p14:creationId xmlns:p14="http://schemas.microsoft.com/office/powerpoint/2010/main" val="3996372996"/>
+      </p:ext>
+    </p:extLst>
+  </p:cSld>
+  <p:clrMapOvr>
+    <a:masterClrMapping/>
+  </p:clrMapOvr>
+</p:sldLayout>
+</file>
+
+<file path=ppt/slideLayouts/slideLayout9.xml><?xml version="1.0" encoding="utf-8"?>
+<p:sldLayout xmlns:a="http://schemas.openxmlformats.org/drawingml/2006/main" xmlns:r="http://schemas.openxmlformats.org/officeDocument/2006/relationships" xmlns:p="http://schemas.openxmlformats.org/presentationml/2006/main" type="picTx" preserve="1">
+  <p:cSld name="Picture with Caption">
+    <p:spTree>
+      <p:nvGrpSpPr>
+        <p:cNvPr id="1" name=""/>
+        <p:cNvGrpSpPr/>
+        <p:nvPr/>
+      </p:nvGrpSpPr>
+      <p:grpSpPr>
+        <a:xfrm>
+          <a:off x="0" y="0"/>
+          <a:ext cx="0" cy="0"/>
+          <a:chOff x="0" y="0"/>
+          <a:chExt cx="0" cy="0"/>
+        </a:xfrm>
+      </p:grpSpPr>
+      <p:sp>
+        <p:nvSpPr>
+          <p:cNvPr id="2" name="Title 1"/>
+          <p:cNvSpPr>
+            <a:spLocks noGrp="1"/>
+          </p:cNvSpPr>
+          <p:nvPr>
+            <p:ph type="title"/>
+          </p:nvPr>
+        </p:nvSpPr>
+        <p:spPr>
+          <a:xfrm>
+            <a:off x="581192" y="4693389"/>
+            <a:ext cx="7989752" cy="566738"/>
           </a:xfrm>
         </p:spPr>
         <p:txBody>
@@ -3352,10 +4113,10 @@
             <a:normAutofit/>
           </a:bodyPr>
           <a:lstStyle>
-            <a:lvl1pPr>
-              <a:defRPr sz="3600" b="0">
-                <a:solidFill>
-                  <a:srgbClr val="FFFFFF"/>
+            <a:lvl1pPr algn="l">
+              <a:defRPr sz="2400" b="0">
+                <a:solidFill>
+                  <a:schemeClr val="accent1"/>
                 </a:solidFill>
               </a:defRPr>
             </a:lvl1pPr>
@@ -3371,56 +4132,66 @@
       </p:sp>
       <p:sp>
         <p:nvSpPr>
-          <p:cNvPr id="3" name="Content Placeholder 2"/>
-          <p:cNvSpPr>
-            <a:spLocks noGrp="1"/>
-          </p:cNvSpPr>
-          <p:nvPr>
-            <p:ph idx="1"/>
-          </p:nvPr>
-        </p:nvSpPr>
-        <p:spPr>
-          <a:xfrm>
-            <a:off x="3460237" y="731520"/>
-            <a:ext cx="5009393" cy="5257800"/>
-          </a:xfrm>
-        </p:spPr>
-        <p:txBody>
-          <a:bodyPr/>
-          <a:lstStyle/>
-          <a:p>
-            <a:pPr lvl="0"/>
-            <a:r>
-              <a:rPr lang="en-US"/>
-              <a:t>Click to edit Master text styles</a:t>
-            </a:r>
-          </a:p>
-          <a:p>
-            <a:pPr lvl="1"/>
-            <a:r>
-              <a:rPr lang="en-US"/>
-              <a:t>Second level</a:t>
-            </a:r>
-          </a:p>
-          <a:p>
-            <a:pPr lvl="2"/>
-            <a:r>
-              <a:rPr lang="en-US"/>
-              <a:t>Third level</a:t>
-            </a:r>
-          </a:p>
-          <a:p>
-            <a:pPr lvl="3"/>
-            <a:r>
-              <a:rPr lang="en-US"/>
-              <a:t>Fourth level</a:t>
-            </a:r>
-          </a:p>
-          <a:p>
-            <a:pPr lvl="4"/>
-            <a:r>
-              <a:rPr lang="en-US"/>
-              <a:t>Fifth level</a:t>
+          <p:cNvPr id="3" name="Picture Placeholder 2"/>
+          <p:cNvSpPr>
+            <a:spLocks noGrp="1" noChangeAspect="1"/>
+          </p:cNvSpPr>
+          <p:nvPr>
+            <p:ph type="pic" idx="1"/>
+          </p:nvPr>
+        </p:nvSpPr>
+        <p:spPr>
+          <a:xfrm>
+            <a:off x="448093" y="599725"/>
+            <a:ext cx="8238706" cy="3557252"/>
+          </a:xfrm>
+        </p:spPr>
+        <p:txBody>
+          <a:bodyPr anchor="t">
+            <a:normAutofit/>
+          </a:bodyPr>
+          <a:lstStyle>
+            <a:lvl1pPr marL="0" indent="0" algn="ctr">
+              <a:buNone/>
+              <a:defRPr sz="1600"/>
+            </a:lvl1pPr>
+            <a:lvl2pPr marL="457200" indent="0">
+              <a:buNone/>
+              <a:defRPr sz="1600"/>
+            </a:lvl2pPr>
+            <a:lvl3pPr marL="914400" indent="0">
+              <a:buNone/>
+              <a:defRPr sz="1600"/>
+            </a:lvl3pPr>
+            <a:lvl4pPr marL="1371600" indent="0">
+              <a:buNone/>
+              <a:defRPr sz="1600"/>
+            </a:lvl4pPr>
+            <a:lvl5pPr marL="1828800" indent="0">
+              <a:buNone/>
+              <a:defRPr sz="1600"/>
+            </a:lvl5pPr>
+            <a:lvl6pPr marL="2286000" indent="0">
+              <a:buNone/>
+              <a:defRPr sz="1600"/>
+            </a:lvl6pPr>
+            <a:lvl7pPr marL="2743200" indent="0">
+              <a:buNone/>
+              <a:defRPr sz="1600"/>
+            </a:lvl7pPr>
+            <a:lvl8pPr marL="3200400" indent="0">
+              <a:buNone/>
+              <a:defRPr sz="1600"/>
+            </a:lvl8pPr>
+            <a:lvl9pPr marL="3657600" indent="0">
+              <a:buNone/>
+              <a:defRPr sz="1600"/>
+            </a:lvl9pPr>
+          </a:lstStyle>
+          <a:p>
+            <a:r>
+              <a:rPr lang="en-US"/>
+              <a:t>Click icon to add picture</a:t>
             </a:r>
             <a:endParaRPr lang="en-US" dirty="0"/>
           </a:p>
@@ -3438,22 +4209,18 @@
         </p:nvSpPr>
         <p:spPr>
           <a:xfrm>
-            <a:off x="342900" y="2926080"/>
-            <a:ext cx="2400300" cy="3379124"/>
-          </a:xfrm>
-        </p:spPr>
-        <p:txBody>
-          <a:bodyPr lIns="91440" rIns="91440">
+            <a:off x="581192" y="5260126"/>
+            <a:ext cx="7989752" cy="598671"/>
+          </a:xfrm>
+        </p:spPr>
+        <p:txBody>
+          <a:bodyPr>
             <a:normAutofit/>
           </a:bodyPr>
           <a:lstStyle>
             <a:lvl1pPr marL="0" indent="0">
               <a:buNone/>
-              <a:defRPr sz="1500">
-                <a:solidFill>
-                  <a:srgbClr val="FFFFFF"/>
-                </a:solidFill>
-              </a:defRPr>
+              <a:defRPr sz="1200"/>
             </a:lvl1pPr>
             <a:lvl2pPr marL="457200" indent="0">
               <a:buNone/>
@@ -3492,7 +4259,7 @@
             <a:pPr lvl="0"/>
             <a:r>
               <a:rPr lang="en-US"/>
-              <a:t>Click to edit Master text styles</a:t>
+              <a:t>Edit Master text styles</a:t>
             </a:r>
           </a:p>
         </p:txBody>
@@ -3509,21 +4276,20 @@
         </p:nvSpPr>
         <p:spPr>
           <a:xfrm>
-            <a:off x="349134" y="6459786"/>
-            <a:ext cx="1963883" cy="365125"/>
-          </a:xfrm>
+            <a:off x="5559327" y="5956136"/>
+            <a:ext cx="2133600" cy="365125"/>
+          </a:xfrm>
+          <a:prstGeom prst="rect">
+            <a:avLst/>
+          </a:prstGeom>
         </p:spPr>
         <p:txBody>
           <a:bodyPr/>
-          <a:lstStyle>
-            <a:lvl1pPr algn="l">
-              <a:defRPr/>
-            </a:lvl1pPr>
-          </a:lstStyle>
-          <a:p>
-            <a:fld id="{558F5A49-593B-4535-9521-2302F82BC62D}" type="datetime1">
+          <a:lstStyle/>
+          <a:p>
+            <a:fld id="{CB1AEAC4-A97A-435E-84B7-41C9A28EFEFE}" type="datetime1">
               <a:rPr lang="en-US" smtClean="0"/>
-              <a:t>6/7/18</a:t>
+              <a:t>6/12/18</a:t>
             </a:fld>
             <a:endParaRPr lang="en-US" dirty="0"/>
           </a:p>
@@ -3541,25 +4307,20 @@
         </p:nvSpPr>
         <p:spPr>
           <a:xfrm>
-            <a:off x="3600450" y="6459786"/>
-            <a:ext cx="3486150" cy="365125"/>
-          </a:xfrm>
+            <a:off x="581192" y="5951810"/>
+            <a:ext cx="4870585" cy="365125"/>
+          </a:xfrm>
+          <a:prstGeom prst="rect">
+            <a:avLst/>
+          </a:prstGeom>
         </p:spPr>
         <p:txBody>
           <a:bodyPr/>
-          <a:lstStyle>
-            <a:lvl1pPr algn="l">
-              <a:defRPr>
-                <a:solidFill>
-                  <a:schemeClr val="tx2"/>
-                </a:solidFill>
-              </a:defRPr>
-            </a:lvl1pPr>
-          </a:lstStyle>
-          <a:p>
-            <a:r>
-              <a:rPr lang="en-US"/>
-              <a:t>© 2018,FLL Tutorials (Last Edit 10/31/2017)</a:t>
+          <a:lstStyle/>
+          <a:p>
+            <a:r>
+              <a:rPr lang="en-US"/>
+              <a:t>© 2018,FLL Tutorials (Last Edit 06/11/2018)</a:t>
             </a:r>
             <a:endParaRPr lang="en-US" dirty="0"/>
           </a:p>
@@ -3575,18 +4336,18 @@
             <p:ph type="sldNum" sz="quarter" idx="12"/>
           </p:nvPr>
         </p:nvSpPr>
-        <p:spPr/>
+        <p:spPr>
+          <a:xfrm>
+            <a:off x="7800476" y="5956136"/>
+            <a:ext cx="770468" cy="365125"/>
+          </a:xfrm>
+          <a:prstGeom prst="rect">
+            <a:avLst/>
+          </a:prstGeom>
+        </p:spPr>
         <p:txBody>
           <a:bodyPr/>
-          <a:lstStyle>
-            <a:lvl1pPr>
-              <a:defRPr>
-                <a:solidFill>
-                  <a:schemeClr val="tx2"/>
-                </a:solidFill>
-              </a:defRPr>
-            </a:lvl1pPr>
-          </a:lstStyle>
+          <a:lstStyle/>
           <a:p>
             <a:fld id="{6D22F896-40B5-4ADD-8801-0D06FADFA095}" type="slidenum">
               <a:rPr lang="en-US" smtClean="0"/>
@@ -3597,363 +4358,11 @@
         </p:txBody>
       </p:sp>
     </p:spTree>
-  </p:cSld>
-  <p:clrMapOvr>
-    <a:masterClrMapping/>
-  </p:clrMapOvr>
-</p:sldLayout>
-</file>
-
-<file path=ppt/slideLayouts/slideLayout9.xml><?xml version="1.0" encoding="utf-8"?>
-<p:sldLayout xmlns:a="http://schemas.openxmlformats.org/drawingml/2006/main" xmlns:r="http://schemas.openxmlformats.org/officeDocument/2006/relationships" xmlns:p="http://schemas.openxmlformats.org/presentationml/2006/main" showMasterSp="0" type="picTx" preserve="1">
-  <p:cSld name="Picture with Caption">
-    <p:spTree>
-      <p:nvGrpSpPr>
-        <p:cNvPr id="1" name=""/>
-        <p:cNvGrpSpPr/>
-        <p:nvPr/>
-      </p:nvGrpSpPr>
-      <p:grpSpPr>
-        <a:xfrm>
-          <a:off x="0" y="0"/>
-          <a:ext cx="0" cy="0"/>
-          <a:chOff x="0" y="0"/>
-          <a:chExt cx="0" cy="0"/>
-        </a:xfrm>
-      </p:grpSpPr>
-      <p:sp>
-        <p:nvSpPr>
-          <p:cNvPr id="8" name="Rectangle 7"/>
-          <p:cNvSpPr/>
-          <p:nvPr/>
-        </p:nvSpPr>
-        <p:spPr>
-          <a:xfrm>
-            <a:off x="0" y="4953000"/>
-            <a:ext cx="9141619" cy="1905000"/>
-          </a:xfrm>
-          <a:prstGeom prst="rect">
-            <a:avLst/>
-          </a:prstGeom>
-          <a:solidFill>
-            <a:schemeClr val="accent2"/>
-          </a:solidFill>
-          <a:ln>
-            <a:noFill/>
-          </a:ln>
-        </p:spPr>
-        <p:style>
-          <a:lnRef idx="2">
-            <a:schemeClr val="accent1">
-              <a:shade val="50000"/>
-            </a:schemeClr>
-          </a:lnRef>
-          <a:fillRef idx="1">
-            <a:schemeClr val="accent1"/>
-          </a:fillRef>
-          <a:effectRef idx="0">
-            <a:schemeClr val="accent1"/>
-          </a:effectRef>
-          <a:fontRef idx="minor">
-            <a:schemeClr val="lt1"/>
-          </a:fontRef>
-        </p:style>
-      </p:sp>
-      <p:sp>
-        <p:nvSpPr>
-          <p:cNvPr id="9" name="Rectangle 8"/>
-          <p:cNvSpPr/>
-          <p:nvPr/>
-        </p:nvSpPr>
-        <p:spPr>
-          <a:xfrm>
-            <a:off x="12" y="4915076"/>
-            <a:ext cx="9141619" cy="64008"/>
-          </a:xfrm>
-          <a:prstGeom prst="rect">
-            <a:avLst/>
-          </a:prstGeom>
-          <a:solidFill>
-            <a:schemeClr val="accent1"/>
-          </a:solidFill>
-          <a:ln>
-            <a:noFill/>
-          </a:ln>
-        </p:spPr>
-        <p:style>
-          <a:lnRef idx="2">
-            <a:schemeClr val="accent1">
-              <a:shade val="50000"/>
-            </a:schemeClr>
-          </a:lnRef>
-          <a:fillRef idx="1">
-            <a:schemeClr val="accent1"/>
-          </a:fillRef>
-          <a:effectRef idx="0">
-            <a:schemeClr val="accent1"/>
-          </a:effectRef>
-          <a:fontRef idx="minor">
-            <a:schemeClr val="lt1"/>
-          </a:fontRef>
-        </p:style>
-      </p:sp>
-      <p:sp>
-        <p:nvSpPr>
-          <p:cNvPr id="2" name="Title 1"/>
-          <p:cNvSpPr>
-            <a:spLocks noGrp="1"/>
-          </p:cNvSpPr>
-          <p:nvPr>
-            <p:ph type="title"/>
-          </p:nvPr>
-        </p:nvSpPr>
-        <p:spPr>
-          <a:xfrm>
-            <a:off x="822960" y="5074920"/>
-            <a:ext cx="7589520" cy="822960"/>
-          </a:xfrm>
-        </p:spPr>
-        <p:txBody>
-          <a:bodyPr tIns="0" bIns="0" anchor="b">
-            <a:noAutofit/>
-          </a:bodyPr>
-          <a:lstStyle>
-            <a:lvl1pPr>
-              <a:defRPr sz="3600" b="0">
-                <a:solidFill>
-                  <a:srgbClr val="FFFFFF"/>
-                </a:solidFill>
-              </a:defRPr>
-            </a:lvl1pPr>
-          </a:lstStyle>
-          <a:p>
-            <a:r>
-              <a:rPr lang="en-US"/>
-              <a:t>Click to edit Master title style</a:t>
-            </a:r>
-            <a:endParaRPr lang="en-US" dirty="0"/>
-          </a:p>
-        </p:txBody>
-      </p:sp>
-      <p:sp>
-        <p:nvSpPr>
-          <p:cNvPr id="3" name="Picture Placeholder 2"/>
-          <p:cNvSpPr>
-            <a:spLocks noGrp="1" noChangeAspect="1"/>
-          </p:cNvSpPr>
-          <p:nvPr>
-            <p:ph type="pic" idx="1"/>
-          </p:nvPr>
-        </p:nvSpPr>
-        <p:spPr>
-          <a:xfrm>
-            <a:off x="12" y="0"/>
-            <a:ext cx="9143989" cy="4915076"/>
-          </a:xfrm>
-          <a:solidFill>
-            <a:schemeClr val="accent2"/>
-          </a:solidFill>
-        </p:spPr>
-        <p:txBody>
-          <a:bodyPr lIns="457200" tIns="457200" anchor="t"/>
-          <a:lstStyle>
-            <a:lvl1pPr marL="0" indent="0">
-              <a:buNone/>
-              <a:defRPr sz="3200">
-                <a:solidFill>
-                  <a:schemeClr val="bg1"/>
-                </a:solidFill>
-              </a:defRPr>
-            </a:lvl1pPr>
-            <a:lvl2pPr marL="457200" indent="0">
-              <a:buNone/>
-              <a:defRPr sz="2800"/>
-            </a:lvl2pPr>
-            <a:lvl3pPr marL="914400" indent="0">
-              <a:buNone/>
-              <a:defRPr sz="2400"/>
-            </a:lvl3pPr>
-            <a:lvl4pPr marL="1371600" indent="0">
-              <a:buNone/>
-              <a:defRPr sz="2000"/>
-            </a:lvl4pPr>
-            <a:lvl5pPr marL="1828800" indent="0">
-              <a:buNone/>
-              <a:defRPr sz="2000"/>
-            </a:lvl5pPr>
-            <a:lvl6pPr marL="2286000" indent="0">
-              <a:buNone/>
-              <a:defRPr sz="2000"/>
-            </a:lvl6pPr>
-            <a:lvl7pPr marL="2743200" indent="0">
-              <a:buNone/>
-              <a:defRPr sz="2000"/>
-            </a:lvl7pPr>
-            <a:lvl8pPr marL="3200400" indent="0">
-              <a:buNone/>
-              <a:defRPr sz="2000"/>
-            </a:lvl8pPr>
-            <a:lvl9pPr marL="3657600" indent="0">
-              <a:buNone/>
-              <a:defRPr sz="2000"/>
-            </a:lvl9pPr>
-          </a:lstStyle>
-          <a:p>
-            <a:r>
-              <a:rPr lang="en-US"/>
-              <a:t>Drag picture to placeholder or click icon to add</a:t>
-            </a:r>
-            <a:endParaRPr lang="en-US" dirty="0"/>
-          </a:p>
-        </p:txBody>
-      </p:sp>
-      <p:sp>
-        <p:nvSpPr>
-          <p:cNvPr id="4" name="Text Placeholder 3"/>
-          <p:cNvSpPr>
-            <a:spLocks noGrp="1"/>
-          </p:cNvSpPr>
-          <p:nvPr>
-            <p:ph type="body" sz="half" idx="2"/>
-          </p:nvPr>
-        </p:nvSpPr>
-        <p:spPr>
-          <a:xfrm>
-            <a:off x="822959" y="5907024"/>
-            <a:ext cx="7589520" cy="594360"/>
-          </a:xfrm>
-        </p:spPr>
-        <p:txBody>
-          <a:bodyPr lIns="91440" tIns="0" rIns="91440" bIns="0">
-            <a:normAutofit/>
-          </a:bodyPr>
-          <a:lstStyle>
-            <a:lvl1pPr marL="0" indent="0">
-              <a:spcBef>
-                <a:spcPts val="0"/>
-              </a:spcBef>
-              <a:spcAft>
-                <a:spcPts val="600"/>
-              </a:spcAft>
-              <a:buNone/>
-              <a:defRPr sz="1500">
-                <a:solidFill>
-                  <a:srgbClr val="FFFFFF"/>
-                </a:solidFill>
-              </a:defRPr>
-            </a:lvl1pPr>
-            <a:lvl2pPr marL="457200" indent="0">
-              <a:buNone/>
-              <a:defRPr sz="1200"/>
-            </a:lvl2pPr>
-            <a:lvl3pPr marL="914400" indent="0">
-              <a:buNone/>
-              <a:defRPr sz="1000"/>
-            </a:lvl3pPr>
-            <a:lvl4pPr marL="1371600" indent="0">
-              <a:buNone/>
-              <a:defRPr sz="900"/>
-            </a:lvl4pPr>
-            <a:lvl5pPr marL="1828800" indent="0">
-              <a:buNone/>
-              <a:defRPr sz="900"/>
-            </a:lvl5pPr>
-            <a:lvl6pPr marL="2286000" indent="0">
-              <a:buNone/>
-              <a:defRPr sz="900"/>
-            </a:lvl6pPr>
-            <a:lvl7pPr marL="2743200" indent="0">
-              <a:buNone/>
-              <a:defRPr sz="900"/>
-            </a:lvl7pPr>
-            <a:lvl8pPr marL="3200400" indent="0">
-              <a:buNone/>
-              <a:defRPr sz="900"/>
-            </a:lvl8pPr>
-            <a:lvl9pPr marL="3657600" indent="0">
-              <a:buNone/>
-              <a:defRPr sz="900"/>
-            </a:lvl9pPr>
-          </a:lstStyle>
-          <a:p>
-            <a:pPr lvl="0"/>
-            <a:r>
-              <a:rPr lang="en-US"/>
-              <a:t>Click to edit Master text styles</a:t>
-            </a:r>
-          </a:p>
-        </p:txBody>
-      </p:sp>
-      <p:sp>
-        <p:nvSpPr>
-          <p:cNvPr id="5" name="Date Placeholder 4"/>
-          <p:cNvSpPr>
-            <a:spLocks noGrp="1"/>
-          </p:cNvSpPr>
-          <p:nvPr>
-            <p:ph type="dt" sz="half" idx="10"/>
-          </p:nvPr>
-        </p:nvSpPr>
-        <p:spPr/>
-        <p:txBody>
-          <a:bodyPr/>
-          <a:lstStyle/>
-          <a:p>
-            <a:fld id="{ABDDF8A4-5203-4C0D-8FD9-A4D730030CB5}" type="datetime1">
-              <a:rPr lang="en-US" smtClean="0"/>
-              <a:t>6/7/18</a:t>
-            </a:fld>
-            <a:endParaRPr lang="en-US" dirty="0"/>
-          </a:p>
-        </p:txBody>
-      </p:sp>
-      <p:sp>
-        <p:nvSpPr>
-          <p:cNvPr id="6" name="Footer Placeholder 5"/>
-          <p:cNvSpPr>
-            <a:spLocks noGrp="1"/>
-          </p:cNvSpPr>
-          <p:nvPr>
-            <p:ph type="ftr" sz="quarter" idx="11"/>
-          </p:nvPr>
-        </p:nvSpPr>
-        <p:spPr/>
-        <p:txBody>
-          <a:bodyPr/>
-          <a:lstStyle/>
-          <a:p>
-            <a:r>
-              <a:rPr lang="en-US"/>
-              <a:t>© 2018,FLL Tutorials (Last Edit 10/31/2017)</a:t>
-            </a:r>
-            <a:endParaRPr lang="en-US" dirty="0"/>
-          </a:p>
-        </p:txBody>
-      </p:sp>
-      <p:sp>
-        <p:nvSpPr>
-          <p:cNvPr id="7" name="Slide Number Placeholder 6"/>
-          <p:cNvSpPr>
-            <a:spLocks noGrp="1"/>
-          </p:cNvSpPr>
-          <p:nvPr>
-            <p:ph type="sldNum" sz="quarter" idx="12"/>
-          </p:nvPr>
-        </p:nvSpPr>
-        <p:spPr/>
-        <p:txBody>
-          <a:bodyPr/>
-          <a:lstStyle/>
-          <a:p>
-            <a:fld id="{6D22F896-40B5-4ADD-8801-0D06FADFA095}" type="slidenum">
-              <a:rPr lang="en-US" smtClean="0"/>
-              <a:t>‹#›</a:t>
-            </a:fld>
-            <a:endParaRPr lang="en-US" dirty="0"/>
-          </a:p>
-        </p:txBody>
-      </p:sp>
-    </p:spTree>
+    <p:extLst>
+      <p:ext uri="{BB962C8B-B14F-4D97-AF65-F5344CB8AC3E}">
+        <p14:creationId xmlns:p14="http://schemas.microsoft.com/office/powerpoint/2010/main" val="3448729312"/>
+      </p:ext>
+    </p:extLst>
   </p:cSld>
   <p:clrMapOvr>
     <a:masterClrMapping/>
@@ -3985,20 +4394,377 @@
       </p:grpSpPr>
       <p:sp>
         <p:nvSpPr>
-          <p:cNvPr id="7" name="Rectangle 6"/>
+          <p:cNvPr id="2" name="Title Placeholder 1"/>
+          <p:cNvSpPr>
+            <a:spLocks noGrp="1"/>
+          </p:cNvSpPr>
+          <p:nvPr>
+            <p:ph type="title"/>
+          </p:nvPr>
+        </p:nvSpPr>
+        <p:spPr>
+          <a:xfrm>
+            <a:off x="581192" y="687474"/>
+            <a:ext cx="7989752" cy="1083329"/>
+          </a:xfrm>
+          <a:prstGeom prst="rect">
+            <a:avLst/>
+          </a:prstGeom>
+        </p:spPr>
+        <p:txBody>
+          <a:bodyPr vert="horz" lIns="91440" tIns="45720" rIns="91440" bIns="45720" rtlCol="0" anchor="b">
+            <a:normAutofit/>
+          </a:bodyPr>
+          <a:lstStyle/>
+          <a:p>
+            <a:r>
+              <a:rPr lang="en-US"/>
+              <a:t>Click to edit Master title style</a:t>
+            </a:r>
+            <a:endParaRPr lang="en-US" dirty="0"/>
+          </a:p>
+        </p:txBody>
+      </p:sp>
+      <p:sp>
+        <p:nvSpPr>
+          <p:cNvPr id="3" name="Text Placeholder 2"/>
+          <p:cNvSpPr>
+            <a:spLocks noGrp="1"/>
+          </p:cNvSpPr>
+          <p:nvPr>
+            <p:ph type="body" idx="1"/>
+          </p:nvPr>
+        </p:nvSpPr>
+        <p:spPr>
+          <a:xfrm>
+            <a:off x="581192" y="2228003"/>
+            <a:ext cx="7989752" cy="3630794"/>
+          </a:xfrm>
+          <a:prstGeom prst="rect">
+            <a:avLst/>
+          </a:prstGeom>
+        </p:spPr>
+        <p:txBody>
+          <a:bodyPr vert="horz" lIns="91440" tIns="45720" rIns="91440" bIns="45720" rtlCol="0" anchor="ctr">
+            <a:normAutofit/>
+          </a:bodyPr>
+          <a:lstStyle/>
+          <a:p>
+            <a:pPr lvl="0"/>
+            <a:r>
+              <a:rPr lang="en-US"/>
+              <a:t>Edit Master text styles</a:t>
+            </a:r>
+          </a:p>
+          <a:p>
+            <a:pPr lvl="1"/>
+            <a:r>
+              <a:rPr lang="en-US"/>
+              <a:t>Second level</a:t>
+            </a:r>
+          </a:p>
+          <a:p>
+            <a:pPr lvl="2"/>
+            <a:r>
+              <a:rPr lang="en-US"/>
+              <a:t>Third level</a:t>
+            </a:r>
+          </a:p>
+          <a:p>
+            <a:pPr lvl="3"/>
+            <a:r>
+              <a:rPr lang="en-US"/>
+              <a:t>Fourth level</a:t>
+            </a:r>
+          </a:p>
+          <a:p>
+            <a:pPr lvl="4"/>
+            <a:r>
+              <a:rPr lang="en-US"/>
+              <a:t>Fifth level</a:t>
+            </a:r>
+            <a:endParaRPr lang="en-US" dirty="0"/>
+          </a:p>
+        </p:txBody>
+      </p:sp>
+      <p:sp>
+        <p:nvSpPr>
+          <p:cNvPr id="9" name="Rectangle 8"/>
           <p:cNvSpPr/>
           <p:nvPr/>
         </p:nvSpPr>
         <p:spPr>
           <a:xfrm>
-            <a:off x="0" y="6400800"/>
-            <a:ext cx="9144001" cy="457200"/>
+            <a:off x="448091" y="441325"/>
+            <a:ext cx="2719909" cy="108000"/>
           </a:xfrm>
           <a:prstGeom prst="rect">
             <a:avLst/>
           </a:prstGeom>
           <a:solidFill>
-            <a:srgbClr val="034A85"/>
+            <a:schemeClr val="accent1"/>
+          </a:solidFill>
+          <a:ln>
+            <a:noFill/>
+          </a:ln>
+          <a:effectLst/>
+        </p:spPr>
+        <p:style>
+          <a:lnRef idx="1">
+            <a:schemeClr val="accent1"/>
+          </a:lnRef>
+          <a:fillRef idx="3">
+            <a:schemeClr val="accent1"/>
+          </a:fillRef>
+          <a:effectRef idx="2">
+            <a:schemeClr val="accent1"/>
+          </a:effectRef>
+          <a:fontRef idx="minor">
+            <a:schemeClr val="lt1"/>
+          </a:fontRef>
+        </p:style>
+      </p:sp>
+      <p:sp>
+        <p:nvSpPr>
+          <p:cNvPr id="10" name="Rectangle 9"/>
+          <p:cNvSpPr/>
+          <p:nvPr/>
+        </p:nvSpPr>
+        <p:spPr>
+          <a:xfrm>
+            <a:off x="5976001" y="441325"/>
+            <a:ext cx="2710800" cy="108000"/>
+          </a:xfrm>
+          <a:prstGeom prst="rect">
+            <a:avLst/>
+          </a:prstGeom>
+          <a:solidFill>
+            <a:schemeClr val="accent4"/>
+          </a:solidFill>
+          <a:ln>
+            <a:noFill/>
+          </a:ln>
+          <a:effectLst/>
+        </p:spPr>
+        <p:style>
+          <a:lnRef idx="1">
+            <a:schemeClr val="accent1"/>
+          </a:lnRef>
+          <a:fillRef idx="3">
+            <a:schemeClr val="accent1"/>
+          </a:fillRef>
+          <a:effectRef idx="2">
+            <a:schemeClr val="accent1"/>
+          </a:effectRef>
+          <a:fontRef idx="minor">
+            <a:schemeClr val="lt1"/>
+          </a:fontRef>
+        </p:style>
+      </p:sp>
+      <p:sp>
+        <p:nvSpPr>
+          <p:cNvPr id="11" name="Rectangle 10"/>
+          <p:cNvSpPr/>
+          <p:nvPr/>
+        </p:nvSpPr>
+        <p:spPr>
+          <a:xfrm>
+            <a:off x="3216601" y="441325"/>
+            <a:ext cx="2710800" cy="108000"/>
+          </a:xfrm>
+          <a:prstGeom prst="rect">
+            <a:avLst/>
+          </a:prstGeom>
+          <a:solidFill>
+            <a:schemeClr val="accent2"/>
+          </a:solidFill>
+          <a:ln>
+            <a:noFill/>
+          </a:ln>
+          <a:effectLst/>
+        </p:spPr>
+        <p:style>
+          <a:lnRef idx="1">
+            <a:schemeClr val="accent1"/>
+          </a:lnRef>
+          <a:fillRef idx="3">
+            <a:schemeClr val="accent1"/>
+          </a:fillRef>
+          <a:effectRef idx="2">
+            <a:schemeClr val="accent1"/>
+          </a:effectRef>
+          <a:fontRef idx="minor">
+            <a:schemeClr val="lt1"/>
+          </a:fontRef>
+        </p:style>
+      </p:sp>
+      <p:sp>
+        <p:nvSpPr>
+          <p:cNvPr id="12" name="Date Placeholder 3">
+            <a:extLst>
+              <a:ext uri="{FF2B5EF4-FFF2-40B4-BE49-F238E27FC236}">
+                <a16:creationId xmlns:a16="http://schemas.microsoft.com/office/drawing/2014/main" id="{0AAE8D72-8133-BD4C-9ABB-B6CCBBAC2CA1}"/>
+              </a:ext>
+            </a:extLst>
+          </p:cNvPr>
+          <p:cNvSpPr>
+            <a:spLocks noGrp="1"/>
+          </p:cNvSpPr>
+          <p:nvPr>
+            <p:ph type="dt" sz="half" idx="2"/>
+          </p:nvPr>
+        </p:nvSpPr>
+        <p:spPr>
+          <a:xfrm>
+            <a:off x="5559327" y="6392242"/>
+            <a:ext cx="2133600" cy="365125"/>
+          </a:xfrm>
+          <a:prstGeom prst="rect">
+            <a:avLst/>
+          </a:prstGeom>
+        </p:spPr>
+        <p:txBody>
+          <a:bodyPr/>
+          <a:lstStyle>
+            <a:lvl1pPr>
+              <a:defRPr>
+                <a:solidFill>
+                  <a:schemeClr val="accent1">
+                    <a:lumMod val="75000"/>
+                    <a:lumOff val="25000"/>
+                  </a:schemeClr>
+                </a:solidFill>
+              </a:defRPr>
+            </a:lvl1pPr>
+          </a:lstStyle>
+          <a:p>
+            <a:fld id="{6E2C03C4-0CEC-4C1B-B957-FB5E25C813A8}" type="datetime1">
+              <a:rPr lang="en-US" smtClean="0"/>
+              <a:t>6/12/18</a:t>
+            </a:fld>
+            <a:endParaRPr lang="en-US" dirty="0"/>
+          </a:p>
+        </p:txBody>
+      </p:sp>
+      <p:sp>
+        <p:nvSpPr>
+          <p:cNvPr id="13" name="Footer Placeholder 4">
+            <a:extLst>
+              <a:ext uri="{FF2B5EF4-FFF2-40B4-BE49-F238E27FC236}">
+                <a16:creationId xmlns:a16="http://schemas.microsoft.com/office/drawing/2014/main" id="{CAB9BFBD-8489-AA40-9E3F-B3F63A8BD518}"/>
+              </a:ext>
+            </a:extLst>
+          </p:cNvPr>
+          <p:cNvSpPr>
+            <a:spLocks noGrp="1"/>
+          </p:cNvSpPr>
+          <p:nvPr>
+            <p:ph type="ftr" sz="quarter" idx="3"/>
+          </p:nvPr>
+        </p:nvSpPr>
+        <p:spPr>
+          <a:xfrm>
+            <a:off x="581192" y="6387916"/>
+            <a:ext cx="4870585" cy="365125"/>
+          </a:xfrm>
+          <a:prstGeom prst="rect">
+            <a:avLst/>
+          </a:prstGeom>
+        </p:spPr>
+        <p:txBody>
+          <a:bodyPr/>
+          <a:lstStyle>
+            <a:lvl1pPr>
+              <a:defRPr>
+                <a:solidFill>
+                  <a:schemeClr val="accent1">
+                    <a:lumMod val="75000"/>
+                    <a:lumOff val="25000"/>
+                  </a:schemeClr>
+                </a:solidFill>
+              </a:defRPr>
+            </a:lvl1pPr>
+          </a:lstStyle>
+          <a:p>
+            <a:r>
+              <a:rPr lang="en-US"/>
+              <a:t>© 2018,FLL Tutorials (Last Edit 06/11/2018)</a:t>
+            </a:r>
+            <a:endParaRPr lang="en-US" dirty="0"/>
+          </a:p>
+        </p:txBody>
+      </p:sp>
+      <p:sp>
+        <p:nvSpPr>
+          <p:cNvPr id="14" name="Slide Number Placeholder 5">
+            <a:extLst>
+              <a:ext uri="{FF2B5EF4-FFF2-40B4-BE49-F238E27FC236}">
+                <a16:creationId xmlns:a16="http://schemas.microsoft.com/office/drawing/2014/main" id="{B04709EF-0344-434E-8D31-15D41ADEE43F}"/>
+              </a:ext>
+            </a:extLst>
+          </p:cNvPr>
+          <p:cNvSpPr>
+            <a:spLocks noGrp="1"/>
+          </p:cNvSpPr>
+          <p:nvPr>
+            <p:ph type="sldNum" sz="quarter" idx="4"/>
+          </p:nvPr>
+        </p:nvSpPr>
+        <p:spPr>
+          <a:xfrm>
+            <a:off x="7800476" y="6392242"/>
+            <a:ext cx="770468" cy="365125"/>
+          </a:xfrm>
+          <a:prstGeom prst="rect">
+            <a:avLst/>
+          </a:prstGeom>
+        </p:spPr>
+        <p:txBody>
+          <a:bodyPr/>
+          <a:lstStyle>
+            <a:lvl1pPr>
+              <a:defRPr>
+                <a:solidFill>
+                  <a:schemeClr val="accent1">
+                    <a:lumMod val="75000"/>
+                    <a:lumOff val="25000"/>
+                  </a:schemeClr>
+                </a:solidFill>
+              </a:defRPr>
+            </a:lvl1pPr>
+          </a:lstStyle>
+          <a:p>
+            <a:fld id="{6D22F896-40B5-4ADD-8801-0D06FADFA095}" type="slidenum">
+              <a:rPr lang="en-US" smtClean="0"/>
+              <a:pPr/>
+              <a:t>‹#›</a:t>
+            </a:fld>
+            <a:endParaRPr lang="en-US" dirty="0"/>
+          </a:p>
+        </p:txBody>
+      </p:sp>
+      <p:sp>
+        <p:nvSpPr>
+          <p:cNvPr id="15" name="Rectangle 14">
+            <a:extLst>
+              <a:ext uri="{FF2B5EF4-FFF2-40B4-BE49-F238E27FC236}">
+                <a16:creationId xmlns:a16="http://schemas.microsoft.com/office/drawing/2014/main" id="{FDFA3810-D51E-4807-9D67-35EA686C176C}"/>
+              </a:ext>
+            </a:extLst>
+          </p:cNvPr>
+          <p:cNvSpPr/>
+          <p:nvPr userDrawn="1"/>
+        </p:nvSpPr>
+        <p:spPr>
+          <a:xfrm>
+            <a:off x="-1" y="6273337"/>
+            <a:ext cx="9144001" cy="65999"/>
+          </a:xfrm>
+          <a:prstGeom prst="rect">
+            <a:avLst/>
+          </a:prstGeom>
+          <a:solidFill>
+            <a:srgbClr val="24CF39"/>
           </a:solidFill>
           <a:ln>
             <a:noFill/>
@@ -4020,333 +4786,6 @@
             <a:schemeClr val="lt1"/>
           </a:fontRef>
         </p:style>
-      </p:sp>
-      <p:sp>
-        <p:nvSpPr>
-          <p:cNvPr id="9" name="Rectangle 8"/>
-          <p:cNvSpPr/>
-          <p:nvPr/>
-        </p:nvSpPr>
-        <p:spPr>
-          <a:xfrm>
-            <a:off x="0" y="6334315"/>
-            <a:ext cx="9144001" cy="65999"/>
-          </a:xfrm>
-          <a:prstGeom prst="rect">
-            <a:avLst/>
-          </a:prstGeom>
-          <a:solidFill>
-            <a:srgbClr val="652C90"/>
-          </a:solidFill>
-          <a:ln>
-            <a:noFill/>
-          </a:ln>
-        </p:spPr>
-        <p:style>
-          <a:lnRef idx="2">
-            <a:schemeClr val="accent1">
-              <a:shade val="50000"/>
-            </a:schemeClr>
-          </a:lnRef>
-          <a:fillRef idx="1">
-            <a:schemeClr val="accent1"/>
-          </a:fillRef>
-          <a:effectRef idx="0">
-            <a:schemeClr val="accent1"/>
-          </a:effectRef>
-          <a:fontRef idx="minor">
-            <a:schemeClr val="lt1"/>
-          </a:fontRef>
-        </p:style>
-      </p:sp>
-      <p:sp>
-        <p:nvSpPr>
-          <p:cNvPr id="2" name="Title Placeholder 1"/>
-          <p:cNvSpPr>
-            <a:spLocks noGrp="1"/>
-          </p:cNvSpPr>
-          <p:nvPr>
-            <p:ph type="title"/>
-          </p:nvPr>
-        </p:nvSpPr>
-        <p:spPr>
-          <a:xfrm>
-            <a:off x="241739" y="286604"/>
-            <a:ext cx="8681543" cy="1450757"/>
-          </a:xfrm>
-          <a:prstGeom prst="rect">
-            <a:avLst/>
-          </a:prstGeom>
-        </p:spPr>
-        <p:txBody>
-          <a:bodyPr vert="horz" lIns="91440" tIns="45720" rIns="91440" bIns="45720" rtlCol="0" anchor="b">
-            <a:normAutofit/>
-          </a:bodyPr>
-          <a:lstStyle/>
-          <a:p>
-            <a:r>
-              <a:rPr lang="en-US"/>
-              <a:t>Click to edit Master title style</a:t>
-            </a:r>
-            <a:endParaRPr lang="en-US" dirty="0"/>
-          </a:p>
-        </p:txBody>
-      </p:sp>
-      <p:sp>
-        <p:nvSpPr>
-          <p:cNvPr id="3" name="Text Placeholder 2"/>
-          <p:cNvSpPr>
-            <a:spLocks noGrp="1"/>
-          </p:cNvSpPr>
-          <p:nvPr>
-            <p:ph type="body" idx="1"/>
-          </p:nvPr>
-        </p:nvSpPr>
-        <p:spPr>
-          <a:xfrm>
-            <a:off x="241739" y="1845734"/>
-            <a:ext cx="8681544" cy="4023360"/>
-          </a:xfrm>
-          <a:prstGeom prst="rect">
-            <a:avLst/>
-          </a:prstGeom>
-        </p:spPr>
-        <p:txBody>
-          <a:bodyPr vert="horz" lIns="0" tIns="45720" rIns="0" bIns="45720" rtlCol="0">
-            <a:normAutofit/>
-          </a:bodyPr>
-          <a:lstStyle/>
-          <a:p>
-            <a:pPr lvl="0"/>
-            <a:r>
-              <a:rPr lang="en-US"/>
-              <a:t>Click to edit Master text styles</a:t>
-            </a:r>
-          </a:p>
-          <a:p>
-            <a:pPr lvl="1"/>
-            <a:r>
-              <a:rPr lang="en-US"/>
-              <a:t>Second level</a:t>
-            </a:r>
-          </a:p>
-          <a:p>
-            <a:pPr lvl="2"/>
-            <a:r>
-              <a:rPr lang="en-US"/>
-              <a:t>Third level</a:t>
-            </a:r>
-          </a:p>
-          <a:p>
-            <a:pPr lvl="3"/>
-            <a:r>
-              <a:rPr lang="en-US"/>
-              <a:t>Fourth level</a:t>
-            </a:r>
-          </a:p>
-          <a:p>
-            <a:pPr lvl="4"/>
-            <a:r>
-              <a:rPr lang="en-US"/>
-              <a:t>Fifth level</a:t>
-            </a:r>
-            <a:endParaRPr lang="en-US" dirty="0"/>
-          </a:p>
-        </p:txBody>
-      </p:sp>
-      <p:sp>
-        <p:nvSpPr>
-          <p:cNvPr id="4" name="Date Placeholder 3"/>
-          <p:cNvSpPr>
-            <a:spLocks noGrp="1"/>
-          </p:cNvSpPr>
-          <p:nvPr>
-            <p:ph type="dt" sz="half" idx="2"/>
-          </p:nvPr>
-        </p:nvSpPr>
-        <p:spPr>
-          <a:xfrm>
-            <a:off x="822961" y="6459786"/>
-            <a:ext cx="1854203" cy="365125"/>
-          </a:xfrm>
-          <a:prstGeom prst="rect">
-            <a:avLst/>
-          </a:prstGeom>
-        </p:spPr>
-        <p:txBody>
-          <a:bodyPr vert="horz" lIns="91440" tIns="45720" rIns="91440" bIns="45720" rtlCol="0" anchor="ctr"/>
-          <a:lstStyle>
-            <a:lvl1pPr algn="l">
-              <a:defRPr sz="900">
-                <a:solidFill>
-                  <a:srgbClr val="FFFFFF"/>
-                </a:solidFill>
-              </a:defRPr>
-            </a:lvl1pPr>
-          </a:lstStyle>
-          <a:p>
-            <a:fld id="{A9C5511B-F7E4-4FAA-9A6F-91F1F6DF0E3A}" type="datetime1">
-              <a:rPr lang="en-US" smtClean="0"/>
-              <a:t>6/7/18</a:t>
-            </a:fld>
-            <a:endParaRPr lang="en-US" dirty="0"/>
-          </a:p>
-        </p:txBody>
-      </p:sp>
-      <p:sp>
-        <p:nvSpPr>
-          <p:cNvPr id="5" name="Footer Placeholder 4"/>
-          <p:cNvSpPr>
-            <a:spLocks noGrp="1"/>
-          </p:cNvSpPr>
-          <p:nvPr>
-            <p:ph type="ftr" sz="quarter" idx="3"/>
-          </p:nvPr>
-        </p:nvSpPr>
-        <p:spPr>
-          <a:xfrm>
-            <a:off x="2764639" y="6459786"/>
-            <a:ext cx="3617103" cy="365125"/>
-          </a:xfrm>
-          <a:prstGeom prst="rect">
-            <a:avLst/>
-          </a:prstGeom>
-        </p:spPr>
-        <p:txBody>
-          <a:bodyPr vert="horz" lIns="91440" tIns="45720" rIns="91440" bIns="45720" rtlCol="0" anchor="ctr"/>
-          <a:lstStyle>
-            <a:lvl1pPr algn="ctr">
-              <a:defRPr sz="900" cap="all" baseline="0">
-                <a:solidFill>
-                  <a:srgbClr val="FFFFFF"/>
-                </a:solidFill>
-              </a:defRPr>
-            </a:lvl1pPr>
-          </a:lstStyle>
-          <a:p>
-            <a:r>
-              <a:rPr lang="en-US"/>
-              <a:t>© 2018,FLL Tutorials (Last Edit 10/31/2017)</a:t>
-            </a:r>
-            <a:endParaRPr lang="en-US" dirty="0"/>
-          </a:p>
-        </p:txBody>
-      </p:sp>
-      <p:sp>
-        <p:nvSpPr>
-          <p:cNvPr id="6" name="Slide Number Placeholder 5"/>
-          <p:cNvSpPr>
-            <a:spLocks noGrp="1"/>
-          </p:cNvSpPr>
-          <p:nvPr>
-            <p:ph type="sldNum" sz="quarter" idx="4"/>
-          </p:nvPr>
-        </p:nvSpPr>
-        <p:spPr>
-          <a:xfrm>
-            <a:off x="7425344" y="6459786"/>
-            <a:ext cx="984019" cy="365125"/>
-          </a:xfrm>
-          <a:prstGeom prst="rect">
-            <a:avLst/>
-          </a:prstGeom>
-        </p:spPr>
-        <p:txBody>
-          <a:bodyPr vert="horz" lIns="91440" tIns="45720" rIns="91440" bIns="45720" rtlCol="0" anchor="ctr"/>
-          <a:lstStyle>
-            <a:lvl1pPr algn="r">
-              <a:defRPr sz="1050">
-                <a:solidFill>
-                  <a:srgbClr val="FFFFFF"/>
-                </a:solidFill>
-              </a:defRPr>
-            </a:lvl1pPr>
-          </a:lstStyle>
-          <a:p>
-            <a:fld id="{6D22F896-40B5-4ADD-8801-0D06FADFA095}" type="slidenum">
-              <a:rPr lang="en-US" smtClean="0"/>
-              <a:pPr/>
-              <a:t>‹#›</a:t>
-            </a:fld>
-            <a:endParaRPr lang="en-US" dirty="0"/>
-          </a:p>
-        </p:txBody>
-      </p:sp>
-      <p:cxnSp>
-        <p:nvCxnSpPr>
-          <p:cNvPr id="10" name="Straight Connector 9"/>
-          <p:cNvCxnSpPr/>
-          <p:nvPr/>
-        </p:nvCxnSpPr>
-        <p:spPr>
-          <a:xfrm>
-            <a:off x="895149" y="1737845"/>
-            <a:ext cx="7475220" cy="0"/>
-          </a:xfrm>
-          <a:prstGeom prst="line">
-            <a:avLst/>
-          </a:prstGeom>
-          <a:ln w="6350">
-            <a:solidFill>
-              <a:schemeClr val="tx1">
-                <a:lumMod val="50000"/>
-                <a:lumOff val="50000"/>
-              </a:schemeClr>
-            </a:solidFill>
-          </a:ln>
-        </p:spPr>
-        <p:style>
-          <a:lnRef idx="1">
-            <a:schemeClr val="accent1"/>
-          </a:lnRef>
-          <a:fillRef idx="0">
-            <a:schemeClr val="accent1"/>
-          </a:fillRef>
-          <a:effectRef idx="0">
-            <a:schemeClr val="accent1"/>
-          </a:effectRef>
-          <a:fontRef idx="minor">
-            <a:schemeClr val="tx1"/>
-          </a:fontRef>
-        </p:style>
-      </p:cxnSp>
-      <p:sp>
-        <p:nvSpPr>
-          <p:cNvPr id="11" name="Rectangle 10"/>
-          <p:cNvSpPr/>
-          <p:nvPr userDrawn="1"/>
-        </p:nvSpPr>
-        <p:spPr>
-          <a:xfrm>
-            <a:off x="-1" y="6273337"/>
-            <a:ext cx="9144001" cy="65999"/>
-          </a:xfrm>
-          <a:prstGeom prst="rect">
-            <a:avLst/>
-          </a:prstGeom>
-          <a:solidFill>
-            <a:srgbClr val="24CF39"/>
-          </a:solidFill>
-          <a:ln>
-            <a:noFill/>
-          </a:ln>
-        </p:spPr>
-        <p:style>
-          <a:lnRef idx="2">
-            <a:schemeClr val="accent1">
-              <a:shade val="50000"/>
-            </a:schemeClr>
-          </a:lnRef>
-          <a:fillRef idx="1">
-            <a:schemeClr val="accent1"/>
-          </a:fillRef>
-          <a:effectRef idx="0">
-            <a:schemeClr val="accent1"/>
-          </a:effectRef>
-          <a:fontRef idx="minor">
-            <a:schemeClr val="lt1"/>
-          </a:fontRef>
-        </p:style>
         <p:txBody>
           <a:bodyPr/>
           <a:lstStyle/>
@@ -4358,287 +4797,291 @@
     </p:spTree>
     <p:extLst>
       <p:ext uri="{BB962C8B-B14F-4D97-AF65-F5344CB8AC3E}">
-        <p14:creationId xmlns:p14="http://schemas.microsoft.com/office/powerpoint/2010/main" val="1196873494"/>
+        <p14:creationId xmlns:p14="http://schemas.microsoft.com/office/powerpoint/2010/main" val="3570824208"/>
       </p:ext>
     </p:extLst>
   </p:cSld>
   <p:clrMap bg1="lt1" tx1="dk1" bg2="lt2" tx2="dk2" accent1="accent1" accent2="accent2" accent3="accent3" accent4="accent4" accent5="accent5" accent6="accent6" hlink="hlink" folHlink="folHlink"/>
   <p:sldLayoutIdLst>
-    <p:sldLayoutId id="2147483780" r:id="rId1"/>
-    <p:sldLayoutId id="2147483781" r:id="rId2"/>
-    <p:sldLayoutId id="2147483782" r:id="rId3"/>
-    <p:sldLayoutId id="2147483783" r:id="rId4"/>
-    <p:sldLayoutId id="2147483784" r:id="rId5"/>
-    <p:sldLayoutId id="2147483785" r:id="rId6"/>
-    <p:sldLayoutId id="2147483786" r:id="rId7"/>
-    <p:sldLayoutId id="2147483787" r:id="rId8"/>
-    <p:sldLayoutId id="2147483788" r:id="rId9"/>
-    <p:sldLayoutId id="2147483789" r:id="rId10"/>
-    <p:sldLayoutId id="2147483790" r:id="rId11"/>
+    <p:sldLayoutId id="2147483792" r:id="rId1"/>
+    <p:sldLayoutId id="2147483793" r:id="rId2"/>
+    <p:sldLayoutId id="2147483794" r:id="rId3"/>
+    <p:sldLayoutId id="2147483795" r:id="rId4"/>
+    <p:sldLayoutId id="2147483796" r:id="rId5"/>
+    <p:sldLayoutId id="2147483797" r:id="rId6"/>
+    <p:sldLayoutId id="2147483798" r:id="rId7"/>
+    <p:sldLayoutId id="2147483799" r:id="rId8"/>
+    <p:sldLayoutId id="2147483800" r:id="rId9"/>
+    <p:sldLayoutId id="2147483801" r:id="rId10"/>
+    <p:sldLayoutId id="2147483802" r:id="rId11"/>
   </p:sldLayoutIdLst>
   <p:hf hdr="0" dt="0"/>
   <p:txStyles>
     <p:titleStyle>
-      <a:lvl1pPr algn="l" defTabSz="914400" rtl="0" eaLnBrk="1" latinLnBrk="0" hangingPunct="1">
-        <a:lnSpc>
-          <a:spcPct val="85000"/>
-        </a:lnSpc>
+      <a:lvl1pPr algn="l" defTabSz="457200" rtl="0" eaLnBrk="1" latinLnBrk="0" hangingPunct="1">
         <a:spcBef>
           <a:spcPct val="0"/>
         </a:spcBef>
         <a:buNone/>
-        <a:defRPr sz="4800" kern="1200" spc="-50" baseline="0">
+        <a:defRPr sz="2800" b="0" kern="1200" cap="all">
           <a:solidFill>
-            <a:schemeClr val="tx1">
-              <a:lumMod val="75000"/>
-              <a:lumOff val="25000"/>
-            </a:schemeClr>
+            <a:schemeClr val="bg1"/>
           </a:solidFill>
           <a:latin typeface="+mj-lt"/>
           <a:ea typeface="+mj-ea"/>
           <a:cs typeface="+mj-cs"/>
         </a:defRPr>
       </a:lvl1pPr>
+      <a:lvl2pPr eaLnBrk="1" hangingPunct="1">
+        <a:defRPr>
+          <a:solidFill>
+            <a:schemeClr val="tx2"/>
+          </a:solidFill>
+        </a:defRPr>
+      </a:lvl2pPr>
+      <a:lvl3pPr eaLnBrk="1" hangingPunct="1">
+        <a:defRPr>
+          <a:solidFill>
+            <a:schemeClr val="tx2"/>
+          </a:solidFill>
+        </a:defRPr>
+      </a:lvl3pPr>
+      <a:lvl4pPr eaLnBrk="1" hangingPunct="1">
+        <a:defRPr>
+          <a:solidFill>
+            <a:schemeClr val="tx2"/>
+          </a:solidFill>
+        </a:defRPr>
+      </a:lvl4pPr>
+      <a:lvl5pPr eaLnBrk="1" hangingPunct="1">
+        <a:defRPr>
+          <a:solidFill>
+            <a:schemeClr val="tx2"/>
+          </a:solidFill>
+        </a:defRPr>
+      </a:lvl5pPr>
+      <a:lvl6pPr eaLnBrk="1" hangingPunct="1">
+        <a:defRPr>
+          <a:solidFill>
+            <a:schemeClr val="tx2"/>
+          </a:solidFill>
+        </a:defRPr>
+      </a:lvl6pPr>
+      <a:lvl7pPr eaLnBrk="1" hangingPunct="1">
+        <a:defRPr>
+          <a:solidFill>
+            <a:schemeClr val="tx2"/>
+          </a:solidFill>
+        </a:defRPr>
+      </a:lvl7pPr>
+      <a:lvl8pPr eaLnBrk="1" hangingPunct="1">
+        <a:defRPr>
+          <a:solidFill>
+            <a:schemeClr val="tx2"/>
+          </a:solidFill>
+        </a:defRPr>
+      </a:lvl8pPr>
+      <a:lvl9pPr eaLnBrk="1" hangingPunct="1">
+        <a:defRPr>
+          <a:solidFill>
+            <a:schemeClr val="tx2"/>
+          </a:solidFill>
+        </a:defRPr>
+      </a:lvl9pPr>
     </p:titleStyle>
     <p:bodyStyle>
-      <a:lvl1pPr marL="91440" indent="-91440" algn="l" defTabSz="914400" rtl="0" eaLnBrk="1" latinLnBrk="0" hangingPunct="1">
-        <a:lnSpc>
-          <a:spcPct val="90000"/>
-        </a:lnSpc>
+      <a:lvl1pPr marL="306000" indent="-306000" algn="l" defTabSz="457200" rtl="0" eaLnBrk="1" latinLnBrk="0" hangingPunct="1">
         <a:spcBef>
-          <a:spcPts val="1200"/>
+          <a:spcPct val="20000"/>
         </a:spcBef>
         <a:spcAft>
-          <a:spcPts val="200"/>
+          <a:spcPts val="600"/>
         </a:spcAft>
         <a:buClr>
-          <a:schemeClr val="accent1"/>
+          <a:schemeClr val="accent2"/>
         </a:buClr>
-        <a:buSzPct val="100000"/>
-        <a:buFont typeface="Calibri" panose="020F0502020204030204" pitchFamily="34" charset="0"/>
-        <a:buChar char=" "/>
-        <a:defRPr sz="2000" kern="1200">
+        <a:buSzPct val="92000"/>
+        <a:buFont typeface="Wingdings 2" panose="05020102010507070707" pitchFamily="18" charset="2"/>
+        <a:buChar char=""/>
+        <a:defRPr sz="1800" kern="1200">
           <a:solidFill>
-            <a:schemeClr val="tx1">
-              <a:lumMod val="75000"/>
-              <a:lumOff val="25000"/>
-            </a:schemeClr>
+            <a:schemeClr val="tx2"/>
           </a:solidFill>
           <a:latin typeface="+mn-lt"/>
           <a:ea typeface="+mn-ea"/>
           <a:cs typeface="+mn-cs"/>
         </a:defRPr>
       </a:lvl1pPr>
-      <a:lvl2pPr marL="384048" indent="-182880" algn="l" defTabSz="914400" rtl="0" eaLnBrk="1" latinLnBrk="0" hangingPunct="1">
-        <a:lnSpc>
-          <a:spcPct val="90000"/>
-        </a:lnSpc>
+      <a:lvl2pPr marL="630000" indent="-306000" algn="l" defTabSz="457200" rtl="0" eaLnBrk="1" latinLnBrk="0" hangingPunct="1">
         <a:spcBef>
-          <a:spcPts val="200"/>
+          <a:spcPct val="20000"/>
         </a:spcBef>
         <a:spcAft>
-          <a:spcPts val="400"/>
+          <a:spcPts val="600"/>
         </a:spcAft>
         <a:buClr>
-          <a:schemeClr val="accent1"/>
+          <a:schemeClr val="accent2"/>
         </a:buClr>
-        <a:buFont typeface="Calibri" pitchFamily="34" charset="0"/>
-        <a:buChar char="◦"/>
-        <a:defRPr sz="1800" kern="1200">
+        <a:buSzPct val="92000"/>
+        <a:buFont typeface="Wingdings 2" panose="05020102010507070707" pitchFamily="18" charset="2"/>
+        <a:buChar char=""/>
+        <a:defRPr sz="1600" kern="1200">
           <a:solidFill>
-            <a:schemeClr val="tx1">
-              <a:lumMod val="75000"/>
-              <a:lumOff val="25000"/>
-            </a:schemeClr>
+            <a:schemeClr val="tx2"/>
           </a:solidFill>
           <a:latin typeface="+mn-lt"/>
           <a:ea typeface="+mn-ea"/>
           <a:cs typeface="+mn-cs"/>
         </a:defRPr>
       </a:lvl2pPr>
-      <a:lvl3pPr marL="566928" indent="-182880" algn="l" defTabSz="914400" rtl="0" eaLnBrk="1" latinLnBrk="0" hangingPunct="1">
-        <a:lnSpc>
-          <a:spcPct val="90000"/>
-        </a:lnSpc>
+      <a:lvl3pPr marL="900000" indent="-270000" algn="l" defTabSz="457200" rtl="0" eaLnBrk="1" latinLnBrk="0" hangingPunct="1">
         <a:spcBef>
-          <a:spcPts val="200"/>
+          <a:spcPct val="20000"/>
         </a:spcBef>
         <a:spcAft>
-          <a:spcPts val="400"/>
+          <a:spcPts val="600"/>
         </a:spcAft>
         <a:buClr>
-          <a:schemeClr val="accent1"/>
+          <a:schemeClr val="accent2"/>
         </a:buClr>
-        <a:buFont typeface="Calibri" pitchFamily="34" charset="0"/>
-        <a:buChar char="◦"/>
+        <a:buSzPct val="92000"/>
+        <a:buFont typeface="Wingdings 2" panose="05020102010507070707" pitchFamily="18" charset="2"/>
+        <a:buChar char=""/>
         <a:defRPr sz="1400" kern="1200">
           <a:solidFill>
-            <a:schemeClr val="tx1">
-              <a:lumMod val="75000"/>
-              <a:lumOff val="25000"/>
-            </a:schemeClr>
+            <a:schemeClr val="tx2"/>
           </a:solidFill>
           <a:latin typeface="+mn-lt"/>
           <a:ea typeface="+mn-ea"/>
           <a:cs typeface="+mn-cs"/>
         </a:defRPr>
       </a:lvl3pPr>
-      <a:lvl4pPr marL="749808" indent="-182880" algn="l" defTabSz="914400" rtl="0" eaLnBrk="1" latinLnBrk="0" hangingPunct="1">
-        <a:lnSpc>
-          <a:spcPct val="90000"/>
-        </a:lnSpc>
+      <a:lvl4pPr marL="1242000" indent="-234000" algn="l" defTabSz="457200" rtl="0" eaLnBrk="1" latinLnBrk="0" hangingPunct="1">
         <a:spcBef>
-          <a:spcPts val="200"/>
+          <a:spcPct val="20000"/>
         </a:spcBef>
         <a:spcAft>
-          <a:spcPts val="400"/>
+          <a:spcPts val="600"/>
         </a:spcAft>
         <a:buClr>
-          <a:schemeClr val="accent1"/>
+          <a:schemeClr val="accent2"/>
         </a:buClr>
-        <a:buFont typeface="Calibri" pitchFamily="34" charset="0"/>
-        <a:buChar char="◦"/>
-        <a:defRPr sz="1400" kern="1200">
+        <a:buSzPct val="92000"/>
+        <a:buFont typeface="Wingdings 2" panose="05020102010507070707" pitchFamily="18" charset="2"/>
+        <a:buChar char=""/>
+        <a:defRPr sz="1200" kern="1200">
           <a:solidFill>
-            <a:schemeClr val="tx1">
-              <a:lumMod val="75000"/>
-              <a:lumOff val="25000"/>
-            </a:schemeClr>
+            <a:schemeClr val="tx2"/>
           </a:solidFill>
           <a:latin typeface="+mn-lt"/>
           <a:ea typeface="+mn-ea"/>
           <a:cs typeface="+mn-cs"/>
         </a:defRPr>
       </a:lvl4pPr>
-      <a:lvl5pPr marL="932688" indent="-182880" algn="l" defTabSz="914400" rtl="0" eaLnBrk="1" latinLnBrk="0" hangingPunct="1">
-        <a:lnSpc>
-          <a:spcPct val="90000"/>
-        </a:lnSpc>
+      <a:lvl5pPr marL="1602000" indent="-234000" algn="l" defTabSz="457200" rtl="0" eaLnBrk="1" latinLnBrk="0" hangingPunct="1">
         <a:spcBef>
-          <a:spcPts val="200"/>
+          <a:spcPct val="20000"/>
         </a:spcBef>
         <a:spcAft>
-          <a:spcPts val="400"/>
+          <a:spcPts val="600"/>
         </a:spcAft>
         <a:buClr>
-          <a:schemeClr val="accent1"/>
+          <a:schemeClr val="accent2"/>
         </a:buClr>
-        <a:buFont typeface="Calibri" pitchFamily="34" charset="0"/>
-        <a:buChar char="◦"/>
-        <a:defRPr sz="1400" kern="1200">
+        <a:buSzPct val="92000"/>
+        <a:buFont typeface="Wingdings 2" panose="05020102010507070707" pitchFamily="18" charset="2"/>
+        <a:buChar char=""/>
+        <a:defRPr sz="1200" kern="1200">
           <a:solidFill>
-            <a:schemeClr val="tx1">
-              <a:lumMod val="75000"/>
-              <a:lumOff val="25000"/>
-            </a:schemeClr>
+            <a:schemeClr val="tx2"/>
           </a:solidFill>
           <a:latin typeface="+mn-lt"/>
           <a:ea typeface="+mn-ea"/>
           <a:cs typeface="+mn-cs"/>
         </a:defRPr>
       </a:lvl5pPr>
-      <a:lvl6pPr marL="1100000" indent="-228600" algn="l" defTabSz="914400" rtl="0" eaLnBrk="1" latinLnBrk="0" hangingPunct="1">
-        <a:lnSpc>
-          <a:spcPct val="90000"/>
-        </a:lnSpc>
+      <a:lvl6pPr marL="1900000" indent="-228600" algn="l" defTabSz="457200" rtl="0" eaLnBrk="1" latinLnBrk="0" hangingPunct="1">
         <a:spcBef>
-          <a:spcPts val="200"/>
+          <a:spcPct val="20000"/>
         </a:spcBef>
         <a:spcAft>
-          <a:spcPts val="400"/>
+          <a:spcPts val="600"/>
         </a:spcAft>
         <a:buClr>
-          <a:schemeClr val="accent1"/>
+          <a:schemeClr val="accent2"/>
         </a:buClr>
-        <a:buFont typeface="Calibri" pitchFamily="34" charset="0"/>
-        <a:buChar char="◦"/>
-        <a:defRPr sz="1400" kern="1200">
+        <a:buSzPct val="92000"/>
+        <a:buFont typeface="Wingdings 2" panose="05020102010507070707" pitchFamily="18" charset="2"/>
+        <a:buChar char=""/>
+        <a:defRPr sz="1200" kern="1200">
           <a:solidFill>
-            <a:schemeClr val="tx1">
-              <a:lumMod val="75000"/>
-              <a:lumOff val="25000"/>
-            </a:schemeClr>
+            <a:schemeClr val="tx2"/>
           </a:solidFill>
           <a:latin typeface="+mn-lt"/>
           <a:ea typeface="+mn-ea"/>
           <a:cs typeface="+mn-cs"/>
         </a:defRPr>
       </a:lvl6pPr>
-      <a:lvl7pPr marL="1300000" indent="-228600" algn="l" defTabSz="914400" rtl="0" eaLnBrk="1" latinLnBrk="0" hangingPunct="1">
-        <a:lnSpc>
-          <a:spcPct val="90000"/>
-        </a:lnSpc>
+      <a:lvl7pPr marL="2200000" indent="-228600" algn="l" defTabSz="457200" rtl="0" eaLnBrk="1" latinLnBrk="0" hangingPunct="1">
         <a:spcBef>
-          <a:spcPts val="200"/>
+          <a:spcPct val="20000"/>
         </a:spcBef>
         <a:spcAft>
-          <a:spcPts val="400"/>
+          <a:spcPts val="600"/>
         </a:spcAft>
         <a:buClr>
-          <a:schemeClr val="accent1"/>
+          <a:schemeClr val="accent2"/>
         </a:buClr>
-        <a:buFont typeface="Calibri" pitchFamily="34" charset="0"/>
-        <a:buChar char="◦"/>
-        <a:defRPr sz="1400" kern="1200">
+        <a:buSzPct val="92000"/>
+        <a:buFont typeface="Wingdings 2" panose="05020102010507070707" pitchFamily="18" charset="2"/>
+        <a:buChar char=""/>
+        <a:defRPr sz="1200" kern="1200">
           <a:solidFill>
-            <a:schemeClr val="tx1">
-              <a:lumMod val="75000"/>
-              <a:lumOff val="25000"/>
-            </a:schemeClr>
+            <a:schemeClr val="tx2"/>
           </a:solidFill>
           <a:latin typeface="+mn-lt"/>
           <a:ea typeface="+mn-ea"/>
           <a:cs typeface="+mn-cs"/>
         </a:defRPr>
       </a:lvl7pPr>
-      <a:lvl8pPr marL="1500000" indent="-228600" algn="l" defTabSz="914400" rtl="0" eaLnBrk="1" latinLnBrk="0" hangingPunct="1">
-        <a:lnSpc>
-          <a:spcPct val="90000"/>
-        </a:lnSpc>
+      <a:lvl8pPr marL="2500000" indent="-228600" algn="l" defTabSz="457200" rtl="0" eaLnBrk="1" latinLnBrk="0" hangingPunct="1">
         <a:spcBef>
-          <a:spcPts val="200"/>
+          <a:spcPct val="20000"/>
         </a:spcBef>
         <a:spcAft>
-          <a:spcPts val="400"/>
+          <a:spcPts val="600"/>
         </a:spcAft>
         <a:buClr>
-          <a:schemeClr val="accent1"/>
+          <a:schemeClr val="accent2"/>
         </a:buClr>
-        <a:buFont typeface="Calibri" pitchFamily="34" charset="0"/>
-        <a:buChar char="◦"/>
-        <a:defRPr sz="1400" kern="1200">
+        <a:buSzPct val="92000"/>
+        <a:buFont typeface="Wingdings 2" panose="05020102010507070707" pitchFamily="18" charset="2"/>
+        <a:buChar char=""/>
+        <a:defRPr sz="1200" kern="1200">
           <a:solidFill>
-            <a:schemeClr val="tx1">
-              <a:lumMod val="75000"/>
-              <a:lumOff val="25000"/>
-            </a:schemeClr>
+            <a:schemeClr val="tx2"/>
           </a:solidFill>
           <a:latin typeface="+mn-lt"/>
           <a:ea typeface="+mn-ea"/>
           <a:cs typeface="+mn-cs"/>
         </a:defRPr>
       </a:lvl8pPr>
-      <a:lvl9pPr marL="1700000" indent="-228600" algn="l" defTabSz="914400" rtl="0" eaLnBrk="1" latinLnBrk="0" hangingPunct="1">
-        <a:lnSpc>
-          <a:spcPct val="90000"/>
-        </a:lnSpc>
+      <a:lvl9pPr marL="2800000" indent="-228600" algn="l" defTabSz="457200" rtl="0" eaLnBrk="1" latinLnBrk="0" hangingPunct="1">
         <a:spcBef>
-          <a:spcPts val="200"/>
+          <a:spcPct val="20000"/>
         </a:spcBef>
         <a:spcAft>
-          <a:spcPts val="400"/>
+          <a:spcPts val="600"/>
         </a:spcAft>
         <a:buClr>
-          <a:schemeClr val="accent1"/>
+          <a:schemeClr val="accent2"/>
         </a:buClr>
-        <a:buFont typeface="Calibri" pitchFamily="34" charset="0"/>
-        <a:buChar char="◦"/>
-        <a:defRPr sz="1400" kern="1200">
+        <a:buSzPct val="92000"/>
+        <a:buFont typeface="Wingdings 2" panose="05020102010507070707" pitchFamily="18" charset="2"/>
+        <a:buChar char=""/>
+        <a:defRPr sz="1200" kern="1200">
           <a:solidFill>
-            <a:schemeClr val="tx1">
-              <a:lumMod val="75000"/>
-              <a:lumOff val="25000"/>
-            </a:schemeClr>
+            <a:schemeClr val="tx2"/>
           </a:solidFill>
           <a:latin typeface="+mn-lt"/>
           <a:ea typeface="+mn-ea"/>
@@ -4650,7 +5093,7 @@
       <a:defPPr>
         <a:defRPr lang="en-US"/>
       </a:defPPr>
-      <a:lvl1pPr marL="0" algn="l" defTabSz="914400" rtl="0" eaLnBrk="1" latinLnBrk="0" hangingPunct="1">
+      <a:lvl1pPr marL="0" algn="l" defTabSz="457200" rtl="0" eaLnBrk="1" latinLnBrk="0" hangingPunct="1">
         <a:defRPr sz="1800" kern="1200">
           <a:solidFill>
             <a:schemeClr val="tx1"/>
@@ -4660,7 +5103,7 @@
           <a:cs typeface="+mn-cs"/>
         </a:defRPr>
       </a:lvl1pPr>
-      <a:lvl2pPr marL="457200" algn="l" defTabSz="914400" rtl="0" eaLnBrk="1" latinLnBrk="0" hangingPunct="1">
+      <a:lvl2pPr marL="457200" algn="l" defTabSz="457200" rtl="0" eaLnBrk="1" latinLnBrk="0" hangingPunct="1">
         <a:defRPr sz="1800" kern="1200">
           <a:solidFill>
             <a:schemeClr val="tx1"/>
@@ -4670,7 +5113,7 @@
           <a:cs typeface="+mn-cs"/>
         </a:defRPr>
       </a:lvl2pPr>
-      <a:lvl3pPr marL="914400" algn="l" defTabSz="914400" rtl="0" eaLnBrk="1" latinLnBrk="0" hangingPunct="1">
+      <a:lvl3pPr marL="914400" algn="l" defTabSz="457200" rtl="0" eaLnBrk="1" latinLnBrk="0" hangingPunct="1">
         <a:defRPr sz="1800" kern="1200">
           <a:solidFill>
             <a:schemeClr val="tx1"/>
@@ -4680,7 +5123,7 @@
           <a:cs typeface="+mn-cs"/>
         </a:defRPr>
       </a:lvl3pPr>
-      <a:lvl4pPr marL="1371600" algn="l" defTabSz="914400" rtl="0" eaLnBrk="1" latinLnBrk="0" hangingPunct="1">
+      <a:lvl4pPr marL="1371600" algn="l" defTabSz="457200" rtl="0" eaLnBrk="1" latinLnBrk="0" hangingPunct="1">
         <a:defRPr sz="1800" kern="1200">
           <a:solidFill>
             <a:schemeClr val="tx1"/>
@@ -4690,7 +5133,7 @@
           <a:cs typeface="+mn-cs"/>
         </a:defRPr>
       </a:lvl4pPr>
-      <a:lvl5pPr marL="1828800" algn="l" defTabSz="914400" rtl="0" eaLnBrk="1" latinLnBrk="0" hangingPunct="1">
+      <a:lvl5pPr marL="1828800" algn="l" defTabSz="457200" rtl="0" eaLnBrk="1" latinLnBrk="0" hangingPunct="1">
         <a:defRPr sz="1800" kern="1200">
           <a:solidFill>
             <a:schemeClr val="tx1"/>
@@ -4700,7 +5143,7 @@
           <a:cs typeface="+mn-cs"/>
         </a:defRPr>
       </a:lvl5pPr>
-      <a:lvl6pPr marL="2286000" algn="l" defTabSz="914400" rtl="0" eaLnBrk="1" latinLnBrk="0" hangingPunct="1">
+      <a:lvl6pPr marL="2286000" algn="l" defTabSz="457200" rtl="0" eaLnBrk="1" latinLnBrk="0" hangingPunct="1">
         <a:defRPr sz="1800" kern="1200">
           <a:solidFill>
             <a:schemeClr val="tx1"/>
@@ -4710,7 +5153,7 @@
           <a:cs typeface="+mn-cs"/>
         </a:defRPr>
       </a:lvl6pPr>
-      <a:lvl7pPr marL="2743200" algn="l" defTabSz="914400" rtl="0" eaLnBrk="1" latinLnBrk="0" hangingPunct="1">
+      <a:lvl7pPr marL="2743200" algn="l" defTabSz="457200" rtl="0" eaLnBrk="1" latinLnBrk="0" hangingPunct="1">
         <a:defRPr sz="1800" kern="1200">
           <a:solidFill>
             <a:schemeClr val="tx1"/>
@@ -4720,7 +5163,7 @@
           <a:cs typeface="+mn-cs"/>
         </a:defRPr>
       </a:lvl7pPr>
-      <a:lvl8pPr marL="3200400" algn="l" defTabSz="914400" rtl="0" eaLnBrk="1" latinLnBrk="0" hangingPunct="1">
+      <a:lvl8pPr marL="3200400" algn="l" defTabSz="457200" rtl="0" eaLnBrk="1" latinLnBrk="0" hangingPunct="1">
         <a:defRPr sz="1800" kern="1200">
           <a:solidFill>
             <a:schemeClr val="tx1"/>
@@ -4730,7 +5173,7 @@
           <a:cs typeface="+mn-cs"/>
         </a:defRPr>
       </a:lvl8pPr>
-      <a:lvl9pPr marL="3657600" algn="l" defTabSz="914400" rtl="0" eaLnBrk="1" latinLnBrk="0" hangingPunct="1">
+      <a:lvl9pPr marL="3657600" algn="l" defTabSz="457200" rtl="0" eaLnBrk="1" latinLnBrk="0" hangingPunct="1">
         <a:defRPr sz="1800" kern="1200">
           <a:solidFill>
             <a:schemeClr val="tx1"/>
@@ -4804,104 +5247,28 @@
           <a:lstStyle/>
           <a:p>
             <a:r>
-              <a:rPr lang="en-US" sz="3200" dirty="0"/>
-              <a:t>By Team 3659 </a:t>
-            </a:r>
-            <a:r>
-              <a:rPr lang="en-US" sz="3200" dirty="0" err="1"/>
+              <a:rPr lang="en-US" sz="2400" dirty="0"/>
+              <a:t>Team 3659 </a:t>
+            </a:r>
+            <a:r>
+              <a:rPr lang="en-US" sz="2400" dirty="0" err="1"/>
               <a:t>N</a:t>
             </a:r>
             <a:r>
-              <a:rPr lang="en-US" sz="3200" cap="none" dirty="0" err="1"/>
+              <a:rPr lang="en-US" sz="2400" cap="none" dirty="0" err="1"/>
               <a:t>e</a:t>
             </a:r>
             <a:r>
-              <a:rPr lang="en-US" sz="3200" dirty="0" err="1"/>
+              <a:rPr lang="en-US" sz="2400" dirty="0" err="1"/>
               <a:t>Xt</a:t>
             </a:r>
             <a:r>
-              <a:rPr lang="en-US" sz="3200" dirty="0"/>
-              <a:t> Gen &amp; NOT THE DROIDS YOU ARE LOOKING FOR</a:t>
-            </a:r>
-          </a:p>
-        </p:txBody>
-      </p:sp>
-      <p:sp>
-        <p:nvSpPr>
-          <p:cNvPr id="4" name="Footer Placeholder 3"/>
-          <p:cNvSpPr>
-            <a:spLocks noGrp="1"/>
-          </p:cNvSpPr>
-          <p:nvPr>
-            <p:ph type="ftr" sz="quarter" idx="11"/>
-          </p:nvPr>
-        </p:nvSpPr>
-        <p:spPr/>
-        <p:txBody>
-          <a:bodyPr/>
-          <a:lstStyle/>
-          <a:p>
-            <a:r>
-              <a:rPr lang="en-US"/>
-              <a:t>© 2018,FLL Tutorials (Last Edit 10/31/2017)</a:t>
-            </a:r>
-            <a:endParaRPr lang="en-US" dirty="0"/>
-          </a:p>
-        </p:txBody>
-      </p:sp>
-      <p:sp>
-        <p:nvSpPr>
-          <p:cNvPr id="5" name="Slide Number Placeholder 4"/>
-          <p:cNvSpPr>
-            <a:spLocks noGrp="1"/>
-          </p:cNvSpPr>
-          <p:nvPr>
-            <p:ph type="sldNum" sz="quarter" idx="12"/>
-          </p:nvPr>
-        </p:nvSpPr>
-        <p:spPr/>
-        <p:txBody>
-          <a:bodyPr/>
-          <a:lstStyle/>
-          <a:p>
-            <a:fld id="{6D22F896-40B5-4ADD-8801-0D06FADFA095}" type="slidenum">
-              <a:rPr lang="en-US" smtClean="0"/>
-              <a:t>1</a:t>
-            </a:fld>
-            <a:endParaRPr lang="en-US" dirty="0"/>
-          </a:p>
-        </p:txBody>
-      </p:sp>
-      <p:pic>
-        <p:nvPicPr>
-          <p:cNvPr id="6" name="Picture 5">
-            <a:extLst>
-              <a:ext uri="{FF2B5EF4-FFF2-40B4-BE49-F238E27FC236}">
-                <a16:creationId xmlns:a16="http://schemas.microsoft.com/office/drawing/2014/main" id="{30B53655-EEE8-4D41-90F7-8A06BD494BF8}"/>
-              </a:ext>
-            </a:extLst>
-          </p:cNvPr>
-          <p:cNvPicPr>
-            <a:picLocks noChangeAspect="1"/>
-          </p:cNvPicPr>
-          <p:nvPr/>
-        </p:nvPicPr>
-        <p:blipFill>
-          <a:blip r:embed="rId3"/>
-          <a:stretch>
-            <a:fillRect/>
-          </a:stretch>
-        </p:blipFill>
-        <p:spPr>
-          <a:xfrm>
-            <a:off x="256511" y="5417560"/>
-            <a:ext cx="2223628" cy="560025"/>
-          </a:xfrm>
-          <a:prstGeom prst="rect">
-            <a:avLst/>
-          </a:prstGeom>
-        </p:spPr>
-      </p:pic>
+              <a:rPr lang="en-US" sz="2400" dirty="0"/>
+              <a:t> Gen &amp; Seshan Brothers</a:t>
+            </a:r>
+          </a:p>
+        </p:txBody>
+      </p:sp>
     </p:spTree>
     <p:extLst>
       <p:ext uri="{BB962C8B-B14F-4D97-AF65-F5344CB8AC3E}">
@@ -4949,7 +5316,7 @@
           <a:p>
             <a:r>
               <a:rPr lang="en-US" dirty="0"/>
-              <a:t>About Us</a:t>
+              <a:t>About the authors</a:t>
             </a:r>
           </a:p>
         </p:txBody>
@@ -4966,8 +5333,8 @@
         </p:nvSpPr>
         <p:spPr>
           <a:xfrm>
-            <a:off x="4977025" y="1737361"/>
-            <a:ext cx="3712744" cy="4324247"/>
+            <a:off x="4572000" y="1737361"/>
+            <a:ext cx="4117769" cy="4324247"/>
           </a:xfrm>
         </p:spPr>
         <p:txBody>
@@ -4978,42 +5345,19 @@
           <a:p>
             <a:r>
               <a:rPr lang="en-US" sz="1600" dirty="0"/>
-              <a:t>Not the Droids You Are Looking for is a 7</a:t>
-            </a:r>
-            <a:r>
-              <a:rPr lang="en-US" sz="1600" baseline="30000" dirty="0"/>
-              <a:t>th</a:t>
-            </a:r>
+              <a:t>Seshan Brothers were on Team Not the Droids You Are Looking For</a:t>
+            </a:r>
+          </a:p>
+          <a:p>
             <a:r>
               <a:rPr lang="en-US" sz="1600" dirty="0"/>
-              <a:t> year team from Pittsburgh, PA</a:t>
-            </a:r>
-            <a:endParaRPr lang="en-US" sz="1200" dirty="0"/>
+              <a:t>They were Global Innovation Award Semi-Finalists for their Trash-Trek Project. EV3Lessons.com was their award-winning World Class project. They have also won First Place Innovative Solution at the International Open in Toronto.</a:t>
+            </a:r>
           </a:p>
           <a:p>
             <a:r>
               <a:rPr lang="en-US" sz="1600" dirty="0"/>
-              <a:t>They were Global Innovation Award Semi-Finalists for their Trash-Trek Project, </a:t>
-            </a:r>
-            <a:r>
-              <a:rPr lang="en-US" sz="1600" dirty="0" err="1"/>
-              <a:t>Invisi</a:t>
-            </a:r>
-            <a:r>
-              <a:rPr lang="en-US" sz="1600" dirty="0"/>
-              <a:t>-Sort, in 2016.</a:t>
-            </a:r>
-          </a:p>
-          <a:p>
-            <a:r>
-              <a:rPr lang="en-US" sz="1600" dirty="0"/>
-              <a:t>EV3Lessons.com was their award-winning World Class project in 2014-15.</a:t>
-            </a:r>
-          </a:p>
-          <a:p>
-            <a:r>
-              <a:rPr lang="en-US" sz="1600" dirty="0"/>
-              <a:t>They have also won First Place Innovative Solution at the International Open in Toronto in 2014.</a:t>
+              <a:t>They are the Champion’s Team from World Festival 2018.</a:t>
             </a:r>
           </a:p>
         </p:txBody>
@@ -5035,7 +5379,7 @@
           <a:p>
             <a:r>
               <a:rPr lang="en-US"/>
-              <a:t>© 2018,FLL Tutorials (Last Edit 10/31/2017)</a:t>
+              <a:t>© 2018,FLL Tutorials (Last Edit 06/11/2018)</a:t>
             </a:r>
             <a:endParaRPr lang="en-US" dirty="0"/>
           </a:p>
@@ -5073,72 +5417,66 @@
         <p:spPr>
           <a:xfrm>
             <a:off x="360464" y="1737361"/>
-            <a:ext cx="4572000" cy="2445798"/>
+            <a:ext cx="4305567" cy="2888996"/>
           </a:xfrm>
           <a:prstGeom prst="rect">
             <a:avLst/>
           </a:prstGeom>
         </p:spPr>
         <p:txBody>
-          <a:bodyPr>
+          <a:bodyPr wrap="square">
             <a:spAutoFit/>
           </a:bodyPr>
           <a:lstStyle/>
           <a:p>
-            <a:pPr marL="91440" indent="-91440" defTabSz="914400">
+            <a:pPr marL="306000" indent="-306000">
               <a:lnSpc>
                 <a:spcPct val="90000"/>
               </a:lnSpc>
               <a:spcBef>
-                <a:spcPts val="1200"/>
+                <a:spcPct val="20000"/>
               </a:spcBef>
               <a:spcAft>
-                <a:spcPts val="200"/>
+                <a:spcPts val="600"/>
               </a:spcAft>
               <a:buClr>
-                <a:schemeClr val="accent1"/>
+                <a:schemeClr val="accent2"/>
               </a:buClr>
-              <a:buSzPct val="100000"/>
-              <a:buFont typeface="Calibri" panose="020F0502020204030204" pitchFamily="34" charset="0"/>
-              <a:buChar char=" "/>
+              <a:buSzPct val="92000"/>
+              <a:buFont typeface="Wingdings 2" panose="05020102010507070707" pitchFamily="18" charset="2"/>
+              <a:buChar char=""/>
             </a:pPr>
             <a:r>
               <a:rPr lang="en-US" sz="1600" dirty="0">
                 <a:solidFill>
-                  <a:schemeClr val="tx1">
-                    <a:lumMod val="75000"/>
-                    <a:lumOff val="25000"/>
-                  </a:schemeClr>
+                  <a:schemeClr val="tx2"/>
                 </a:solidFill>
               </a:rPr>
               <a:t>NeXT Gen are a middle school team from Garrett County, Maryland with 13 years in FIRST LEGO League (including competing in International Tournaments).</a:t>
             </a:r>
           </a:p>
           <a:p>
-            <a:pPr marL="91440" indent="-91440" defTabSz="914400">
+            <a:pPr marL="306000" indent="-306000">
               <a:lnSpc>
                 <a:spcPct val="90000"/>
               </a:lnSpc>
               <a:spcBef>
-                <a:spcPts val="1200"/>
+                <a:spcPct val="20000"/>
               </a:spcBef>
               <a:spcAft>
-                <a:spcPts val="200"/>
+                <a:spcPts val="600"/>
               </a:spcAft>
               <a:buClr>
-                <a:schemeClr val="accent1"/>
+                <a:schemeClr val="accent2"/>
               </a:buClr>
-              <a:buSzPct val="100000"/>
-              <a:buFont typeface="Calibri" panose="020F0502020204030204" pitchFamily="34" charset="0"/>
-              <a:buChar char=" "/>
+              <a:buSzPct val="92000"/>
+              <a:buFont typeface="Wingdings 2" panose="05020102010507070707" pitchFamily="18" charset="2"/>
+              <a:buChar char=""/>
             </a:pPr>
             <a:r>
               <a:rPr lang="en-US" sz="1600" dirty="0">
                 <a:solidFill>
-                  <a:schemeClr val="tx1">
-                    <a:lumMod val="75000"/>
-                    <a:lumOff val="25000"/>
-                  </a:schemeClr>
+                  <a:schemeClr val="tx2"/>
                 </a:solidFill>
               </a:rPr>
               <a:t>They have won first place in 2013 Global Innovation Award. They also won Top 20 GIA Semi-Finalist in 2017 for innovative solution, </a:t>
@@ -5146,10 +5484,7 @@
             <a:r>
               <a:rPr lang="en-US" sz="1600" dirty="0" err="1">
                 <a:solidFill>
-                  <a:schemeClr val="tx1">
-                    <a:lumMod val="75000"/>
-                    <a:lumOff val="25000"/>
-                  </a:schemeClr>
+                  <a:schemeClr val="tx2"/>
                 </a:solidFill>
               </a:rPr>
               <a:t>BeeHaven</a:t>
@@ -5157,40 +5492,34 @@
             <a:r>
               <a:rPr lang="en-US" sz="1600" dirty="0">
                 <a:solidFill>
-                  <a:schemeClr val="tx1">
-                    <a:lumMod val="75000"/>
-                    <a:lumOff val="25000"/>
-                  </a:schemeClr>
+                  <a:schemeClr val="tx2"/>
                 </a:solidFill>
               </a:rPr>
               <a:t>.</a:t>
             </a:r>
           </a:p>
           <a:p>
-            <a:pPr marL="91440" indent="-91440" defTabSz="914400">
+            <a:pPr marL="306000" indent="-306000">
               <a:lnSpc>
                 <a:spcPct val="90000"/>
               </a:lnSpc>
               <a:spcBef>
-                <a:spcPts val="1200"/>
+                <a:spcPct val="20000"/>
               </a:spcBef>
               <a:spcAft>
-                <a:spcPts val="200"/>
+                <a:spcPts val="600"/>
               </a:spcAft>
               <a:buClr>
-                <a:schemeClr val="accent1"/>
+                <a:schemeClr val="accent2"/>
               </a:buClr>
-              <a:buSzPct val="100000"/>
-              <a:buFont typeface="Calibri" panose="020F0502020204030204" pitchFamily="34" charset="0"/>
-              <a:buChar char=" "/>
+              <a:buSzPct val="92000"/>
+              <a:buFont typeface="Wingdings 2" panose="05020102010507070707" pitchFamily="18" charset="2"/>
+              <a:buChar char=""/>
             </a:pPr>
             <a:r>
               <a:rPr lang="en-US" sz="1600" dirty="0">
                 <a:solidFill>
-                  <a:schemeClr val="tx1">
-                    <a:lumMod val="75000"/>
-                    <a:lumOff val="25000"/>
-                  </a:schemeClr>
+                  <a:schemeClr val="tx2"/>
                 </a:solidFill>
               </a:rPr>
               <a:t>In addition, they won first Place Innovative Solution at Mountain State Invitational in 2017.</a:t>
@@ -5225,8 +5554,8 @@
         </p:blipFill>
         <p:spPr>
           <a:xfrm>
-            <a:off x="360464" y="4582619"/>
-            <a:ext cx="4305567" cy="1600630"/>
+            <a:off x="839435" y="4702498"/>
+            <a:ext cx="3310173" cy="1230584"/>
           </a:xfrm>
           <a:prstGeom prst="rect">
             <a:avLst/>
@@ -5235,32 +5564,49 @@
       </p:pic>
       <p:pic>
         <p:nvPicPr>
-          <p:cNvPr id="6" name="Picture 5"/>
+          <p:cNvPr id="1026" name="Picture 2" descr="Related image">
+            <a:extLst>
+              <a:ext uri="{FF2B5EF4-FFF2-40B4-BE49-F238E27FC236}">
+                <a16:creationId xmlns:a16="http://schemas.microsoft.com/office/drawing/2014/main" id="{D51A3DDB-EE9F-4AD4-BD19-30FD10BD776E}"/>
+              </a:ext>
+            </a:extLst>
+          </p:cNvPr>
           <p:cNvPicPr>
-            <a:picLocks noChangeAspect="1"/>
+            <a:picLocks noChangeAspect="1" noChangeArrowheads="1"/>
           </p:cNvPicPr>
           <p:nvPr/>
         </p:nvPicPr>
         <p:blipFill>
-          <a:blip r:embed="rId3" cstate="print">
+          <a:blip r:embed="rId3">
             <a:extLst>
               <a:ext uri="{28A0092B-C50C-407E-A947-70E740481C1C}">
-                <a14:useLocalDpi xmlns:a14="http://schemas.microsoft.com/office/drawing/2010/main"/>
+                <a14:useLocalDpi xmlns:a14="http://schemas.microsoft.com/office/drawing/2010/main" val="0"/>
               </a:ext>
             </a:extLst>
           </a:blip>
+          <a:srcRect/>
           <a:stretch>
             <a:fillRect/>
           </a:stretch>
         </p:blipFill>
-        <p:spPr>
-          <a:xfrm>
-            <a:off x="6971113" y="4428590"/>
-            <a:ext cx="1754659" cy="1754659"/>
+        <p:spPr bwMode="auto">
+          <a:xfrm>
+            <a:off x="6926424" y="4517475"/>
+            <a:ext cx="1600630" cy="1600630"/>
           </a:xfrm>
           <a:prstGeom prst="rect">
             <a:avLst/>
           </a:prstGeom>
+          <a:noFill/>
+          <a:extLst>
+            <a:ext uri="{909E8E84-426E-40DD-AFC4-6F175D3DCCD1}">
+              <a14:hiddenFill xmlns:a14="http://schemas.microsoft.com/office/drawing/2010/main">
+                <a:solidFill>
+                  <a:srgbClr val="FFFFFF"/>
+                </a:solidFill>
+              </a14:hiddenFill>
+            </a:ext>
+          </a:extLst>
         </p:spPr>
       </p:pic>
     </p:spTree>
@@ -5327,46 +5673,48 @@
         </p:nvSpPr>
         <p:spPr/>
         <p:txBody>
+          <a:bodyPr>
+            <a:normAutofit/>
+          </a:bodyPr>
+          <a:lstStyle/>
+          <a:p>
+            <a:r>
+              <a:rPr lang="en-US" sz="2400" dirty="0"/>
+              <a:t>In FIRST LEGO League, sharing your project is a very important component.</a:t>
+            </a:r>
+          </a:p>
+          <a:p>
+            <a:r>
+              <a:rPr lang="en-US" sz="2400" dirty="0"/>
+              <a:t>Sharing your project involves the presentation given to judges (which is covered in the lesson on Presentations), but also sharing with members of the public.</a:t>
+            </a:r>
+          </a:p>
+          <a:p>
+            <a:r>
+              <a:rPr lang="en-US" sz="2400" dirty="0"/>
+              <a:t>Not only is it good practice for your team to share your project, but it is a key part of FIRST LEGO League</a:t>
+            </a:r>
+          </a:p>
+        </p:txBody>
+      </p:sp>
+      <p:sp>
+        <p:nvSpPr>
+          <p:cNvPr id="4" name="Footer Placeholder 3"/>
+          <p:cNvSpPr>
+            <a:spLocks noGrp="1"/>
+          </p:cNvSpPr>
+          <p:nvPr>
+            <p:ph type="ftr" sz="quarter" idx="11"/>
+          </p:nvPr>
+        </p:nvSpPr>
+        <p:spPr/>
+        <p:txBody>
           <a:bodyPr/>
           <a:lstStyle/>
           <a:p>
             <a:r>
-              <a:rPr lang="en-US" dirty="0"/>
-              <a:t>In FIRST LEGO League, sharing your project is a very important component.</a:t>
-            </a:r>
-          </a:p>
-          <a:p>
-            <a:r>
-              <a:rPr lang="en-US" dirty="0"/>
-              <a:t>Sharing your project involves the presentation given to judges (which is covered in the lesson on Presentations), but also sharing with members of the public.</a:t>
-            </a:r>
-          </a:p>
-          <a:p>
-            <a:r>
-              <a:rPr lang="en-US" dirty="0"/>
-              <a:t>Not only is it good practice for your team to share your project, but it is a key part of FIRST LEGO League</a:t>
-            </a:r>
-          </a:p>
-        </p:txBody>
-      </p:sp>
-      <p:sp>
-        <p:nvSpPr>
-          <p:cNvPr id="4" name="Footer Placeholder 3"/>
-          <p:cNvSpPr>
-            <a:spLocks noGrp="1"/>
-          </p:cNvSpPr>
-          <p:nvPr>
-            <p:ph type="ftr" sz="quarter" idx="11"/>
-          </p:nvPr>
-        </p:nvSpPr>
-        <p:spPr/>
-        <p:txBody>
-          <a:bodyPr/>
-          <a:lstStyle/>
-          <a:p>
-            <a:r>
-              <a:rPr lang="en-US"/>
-              <a:t>© 2018,FLL Tutorials (Last Edit 10/31/2017)</a:t>
+              <a:rPr lang="en-US"/>
+              <a:t>© 2018,FLL Tutorials (Last Edit 06/11/2018)</a:t>
             </a:r>
             <a:endParaRPr lang="en-US" dirty="0"/>
           </a:p>
@@ -5459,55 +5807,57 @@
         </p:nvSpPr>
         <p:spPr>
           <a:xfrm>
-            <a:off x="241739" y="1845734"/>
-            <a:ext cx="4553027" cy="4023360"/>
-          </a:xfrm>
-        </p:spPr>
+            <a:off x="427091" y="1635542"/>
+            <a:ext cx="4388750" cy="4023360"/>
+          </a:xfrm>
+        </p:spPr>
+        <p:txBody>
+          <a:bodyPr>
+            <a:normAutofit/>
+          </a:bodyPr>
+          <a:lstStyle/>
+          <a:p>
+            <a:r>
+              <a:rPr lang="en-US" sz="2400" dirty="0"/>
+              <a:t>Starting with friends and family is a good idea</a:t>
+            </a:r>
+          </a:p>
+          <a:p>
+            <a:r>
+              <a:rPr lang="en-US" sz="2400" dirty="0"/>
+              <a:t>Sharing with school teachers and classmates is also great</a:t>
+            </a:r>
+          </a:p>
+          <a:p>
+            <a:r>
+              <a:rPr lang="en-US" sz="2400" i="1" dirty="0">
+                <a:solidFill>
+                  <a:srgbClr val="FF0000"/>
+                </a:solidFill>
+              </a:rPr>
+              <a:t>But also make sure to share with people who would actually use your innovative solution</a:t>
+            </a:r>
+          </a:p>
+        </p:txBody>
+      </p:sp>
+      <p:sp>
+        <p:nvSpPr>
+          <p:cNvPr id="4" name="Footer Placeholder 3"/>
+          <p:cNvSpPr>
+            <a:spLocks noGrp="1"/>
+          </p:cNvSpPr>
+          <p:nvPr>
+            <p:ph type="ftr" sz="quarter" idx="11"/>
+          </p:nvPr>
+        </p:nvSpPr>
+        <p:spPr/>
         <p:txBody>
           <a:bodyPr/>
           <a:lstStyle/>
           <a:p>
             <a:r>
-              <a:rPr lang="en-US" dirty="0"/>
-              <a:t>Starting with friends and family is a good </a:t>
-            </a:r>
-          </a:p>
-          <a:p>
-            <a:r>
-              <a:rPr lang="en-US" dirty="0"/>
-              <a:t>Sharing with school teachers and classmates is also great</a:t>
-            </a:r>
-          </a:p>
-          <a:p>
-            <a:r>
-              <a:rPr lang="en-US" sz="2400" i="1" dirty="0">
-                <a:solidFill>
-                  <a:srgbClr val="FF0000"/>
-                </a:solidFill>
-              </a:rPr>
-              <a:t>But also make sure to share with people who would actually use your innovative solution</a:t>
-            </a:r>
-          </a:p>
-        </p:txBody>
-      </p:sp>
-      <p:sp>
-        <p:nvSpPr>
-          <p:cNvPr id="4" name="Footer Placeholder 3"/>
-          <p:cNvSpPr>
-            <a:spLocks noGrp="1"/>
-          </p:cNvSpPr>
-          <p:nvPr>
-            <p:ph type="ftr" sz="quarter" idx="11"/>
-          </p:nvPr>
-        </p:nvSpPr>
-        <p:spPr/>
-        <p:txBody>
-          <a:bodyPr/>
-          <a:lstStyle/>
-          <a:p>
-            <a:r>
-              <a:rPr lang="en-US"/>
-              <a:t>© 2018,FLL Tutorials (Last Edit 10/31/2017)</a:t>
+              <a:rPr lang="en-US"/>
+              <a:t>© 2018,FLL Tutorials (Last Edit 06/11/2018)</a:t>
             </a:r>
             <a:endParaRPr lang="en-US" dirty="0"/>
           </a:p>
@@ -5565,39 +5915,6 @@
           </a:prstGeom>
         </p:spPr>
       </p:pic>
-      <p:sp>
-        <p:nvSpPr>
-          <p:cNvPr id="8" name="TextBox 7"/>
-          <p:cNvSpPr txBox="1"/>
-          <p:nvPr/>
-        </p:nvSpPr>
-        <p:spPr>
-          <a:xfrm>
-            <a:off x="123568" y="5869094"/>
-            <a:ext cx="7105135" cy="369332"/>
-          </a:xfrm>
-          <a:prstGeom prst="rect">
-            <a:avLst/>
-          </a:prstGeom>
-          <a:noFill/>
-        </p:spPr>
-        <p:txBody>
-          <a:bodyPr wrap="square" rtlCol="0">
-            <a:spAutoFit/>
-          </a:bodyPr>
-          <a:lstStyle/>
-          <a:p>
-            <a:r>
-              <a:rPr lang="en-US" dirty="0"/>
-              <a:t>Shared by: Not </a:t>
-            </a:r>
-            <a:r>
-              <a:rPr lang="en-US"/>
-              <a:t>the Droids You Are Looking For</a:t>
-            </a:r>
-          </a:p>
-        </p:txBody>
-      </p:sp>
     </p:spTree>
     <p:extLst>
       <p:ext uri="{BB962C8B-B14F-4D97-AF65-F5344CB8AC3E}">
@@ -5662,13 +5979,13 @@
         </p:nvSpPr>
         <p:spPr>
           <a:xfrm>
-            <a:off x="241739" y="1845734"/>
+            <a:off x="302110" y="1628020"/>
             <a:ext cx="4948099" cy="4023360"/>
           </a:xfrm>
         </p:spPr>
         <p:txBody>
           <a:bodyPr>
-            <a:normAutofit/>
+            <a:normAutofit fontScale="55000" lnSpcReduction="20000"/>
           </a:bodyPr>
           <a:lstStyle/>
           <a:p>
@@ -5756,7 +6073,7 @@
           <a:p>
             <a:r>
               <a:rPr lang="en-US"/>
-              <a:t>© 2018,FLL Tutorials (Last Edit 10/31/2017)</a:t>
+              <a:t>© 2018,FLL Tutorials (Last Edit 06/11/2018)</a:t>
             </a:r>
             <a:endParaRPr lang="en-US" dirty="0"/>
           </a:p>
@@ -5815,35 +6132,6 @@
           </a:prstGeom>
         </p:spPr>
       </p:pic>
-      <p:sp>
-        <p:nvSpPr>
-          <p:cNvPr id="7" name="TextBox 6"/>
-          <p:cNvSpPr txBox="1"/>
-          <p:nvPr/>
-        </p:nvSpPr>
-        <p:spPr>
-          <a:xfrm>
-            <a:off x="123568" y="5869094"/>
-            <a:ext cx="7105135" cy="369332"/>
-          </a:xfrm>
-          <a:prstGeom prst="rect">
-            <a:avLst/>
-          </a:prstGeom>
-          <a:noFill/>
-        </p:spPr>
-        <p:txBody>
-          <a:bodyPr wrap="square" rtlCol="0">
-            <a:spAutoFit/>
-          </a:bodyPr>
-          <a:lstStyle/>
-          <a:p>
-            <a:r>
-              <a:rPr lang="en-US" dirty="0"/>
-              <a:t>Shared by: Not the Droids You Are Looking For</a:t>
-            </a:r>
-          </a:p>
-        </p:txBody>
-      </p:sp>
     </p:spTree>
     <p:extLst>
       <p:ext uri="{BB962C8B-B14F-4D97-AF65-F5344CB8AC3E}">
@@ -5920,7 +6208,7 @@
         </p:nvSpPr>
         <p:spPr>
           <a:xfrm>
-            <a:off x="241739" y="1813075"/>
+            <a:off x="398494" y="1543109"/>
             <a:ext cx="8681544" cy="4429105"/>
           </a:xfrm>
         </p:spPr>
@@ -5931,7 +6219,7 @@
           <a:lstStyle/>
           <a:p>
             <a:r>
-              <a:rPr lang="en-US" sz="1800" dirty="0"/>
+              <a:rPr lang="en-US" sz="2900" dirty="0"/>
               <a:t>When the team is sharing their project</a:t>
             </a:r>
           </a:p>
@@ -5941,7 +6229,7 @@
               <a:buAutoNum type="arabicPeriod"/>
             </a:pPr>
             <a:r>
-              <a:rPr lang="en-US" dirty="0"/>
+              <a:rPr lang="en-US" sz="1400" dirty="0"/>
               <a:t>Introduce the team enthusiastically </a:t>
             </a:r>
           </a:p>
@@ -5951,7 +6239,7 @@
               <a:buAutoNum type="arabicPeriod"/>
             </a:pPr>
             <a:r>
-              <a:rPr lang="en-US" dirty="0"/>
+              <a:rPr lang="en-US" sz="1400" dirty="0"/>
               <a:t>Explain FIRST LEGO League</a:t>
             </a:r>
           </a:p>
@@ -5961,7 +6249,7 @@
               <a:buAutoNum type="arabicPeriod"/>
             </a:pPr>
             <a:r>
-              <a:rPr lang="en-US" dirty="0"/>
+              <a:rPr lang="en-US" sz="1400" dirty="0"/>
               <a:t>Explain the theme of this season</a:t>
             </a:r>
           </a:p>
@@ -5971,7 +6259,7 @@
               <a:buAutoNum type="arabicPeriod"/>
             </a:pPr>
             <a:r>
-              <a:rPr lang="en-US" dirty="0"/>
+              <a:rPr lang="en-US" sz="1400" dirty="0"/>
               <a:t>Define the problem</a:t>
             </a:r>
           </a:p>
@@ -5981,7 +6269,7 @@
               <a:buAutoNum type="arabicPeriod"/>
             </a:pPr>
             <a:r>
-              <a:rPr lang="en-US" dirty="0"/>
+              <a:rPr lang="en-US" sz="1400" dirty="0"/>
               <a:t>Explain existing solutions</a:t>
             </a:r>
           </a:p>
@@ -5991,7 +6279,7 @@
               <a:buAutoNum type="arabicPeriod"/>
             </a:pPr>
             <a:r>
-              <a:rPr lang="en-US" dirty="0"/>
+              <a:rPr lang="en-US" sz="1400" dirty="0"/>
               <a:t>Explain the solution</a:t>
             </a:r>
           </a:p>
@@ -6001,7 +6289,7 @@
               <a:buAutoNum type="arabicPeriod"/>
             </a:pPr>
             <a:r>
-              <a:rPr lang="en-US" dirty="0"/>
+              <a:rPr lang="en-US" sz="1400" dirty="0"/>
               <a:t>Explain why the solution is innovative</a:t>
             </a:r>
           </a:p>
@@ -6011,7 +6299,7 @@
               <a:buAutoNum type="arabicPeriod"/>
             </a:pPr>
             <a:r>
-              <a:rPr lang="en-US" dirty="0"/>
+              <a:rPr lang="en-US" sz="1400" dirty="0"/>
               <a:t>If the team tested the solution and made prototypes, explain the data that was received and talk about the prototype(s).</a:t>
             </a:r>
           </a:p>
@@ -6064,7 +6352,7 @@
           <a:p>
             <a:r>
               <a:rPr lang="en-US"/>
-              <a:t>© 2018,FLL Tutorials (Last Edit 10/31/2017)</a:t>
+              <a:t>© 2018,FLL Tutorials (Last Edit 06/11/2018)</a:t>
             </a:r>
             <a:endParaRPr lang="en-US" dirty="0"/>
           </a:p>
@@ -6126,43 +6414,14 @@
         </p:blipFill>
         <p:spPr>
           <a:xfrm>
-            <a:off x="4450702" y="2161319"/>
-            <a:ext cx="4180114" cy="2022203"/>
+            <a:off x="4901919" y="2541522"/>
+            <a:ext cx="3669025" cy="1774955"/>
           </a:xfrm>
           <a:prstGeom prst="rect">
             <a:avLst/>
           </a:prstGeom>
         </p:spPr>
       </p:pic>
-      <p:sp>
-        <p:nvSpPr>
-          <p:cNvPr id="7" name="TextBox 6"/>
-          <p:cNvSpPr txBox="1"/>
-          <p:nvPr/>
-        </p:nvSpPr>
-        <p:spPr>
-          <a:xfrm>
-            <a:off x="135925" y="5869094"/>
-            <a:ext cx="7105135" cy="369332"/>
-          </a:xfrm>
-          <a:prstGeom prst="rect">
-            <a:avLst/>
-          </a:prstGeom>
-          <a:noFill/>
-        </p:spPr>
-        <p:txBody>
-          <a:bodyPr wrap="square" rtlCol="0">
-            <a:spAutoFit/>
-          </a:bodyPr>
-          <a:lstStyle/>
-          <a:p>
-            <a:r>
-              <a:rPr lang="en-US" dirty="0"/>
-              <a:t>Shared by: NeXT GEN</a:t>
-            </a:r>
-          </a:p>
-        </p:txBody>
-      </p:sp>
     </p:spTree>
     <p:extLst>
       <p:ext uri="{BB962C8B-B14F-4D97-AF65-F5344CB8AC3E}">
@@ -6227,60 +6486,62 @@
         </p:nvSpPr>
         <p:spPr>
           <a:xfrm>
-            <a:off x="241739" y="1845734"/>
+            <a:off x="405838" y="1601894"/>
             <a:ext cx="4379688" cy="4023360"/>
           </a:xfrm>
         </p:spPr>
+        <p:txBody>
+          <a:bodyPr>
+            <a:normAutofit lnSpcReduction="10000"/>
+          </a:bodyPr>
+          <a:lstStyle/>
+          <a:p>
+            <a:r>
+              <a:rPr lang="en-US" sz="2400" dirty="0"/>
+              <a:t>People you shared with might give you some useful feedback</a:t>
+            </a:r>
+          </a:p>
+          <a:p>
+            <a:r>
+              <a:rPr lang="en-US" sz="2400" dirty="0"/>
+              <a:t>Try to incorporate the ideas into your innovative solution</a:t>
+            </a:r>
+          </a:p>
+          <a:p>
+            <a:r>
+              <a:rPr lang="en-US" sz="2400" dirty="0"/>
+              <a:t>More than likely, the questions they asked you are also ones the judges may ask you. </a:t>
+            </a:r>
+          </a:p>
+          <a:p>
+            <a:r>
+              <a:rPr lang="en-US" sz="2400" dirty="0"/>
+              <a:t>So, listen well and use their feedback to also improve your presentation</a:t>
+            </a:r>
+          </a:p>
+          <a:p>
+            <a:endParaRPr lang="en-US" sz="4400" dirty="0"/>
+          </a:p>
+        </p:txBody>
+      </p:sp>
+      <p:sp>
+        <p:nvSpPr>
+          <p:cNvPr id="4" name="Footer Placeholder 3"/>
+          <p:cNvSpPr>
+            <a:spLocks noGrp="1"/>
+          </p:cNvSpPr>
+          <p:nvPr>
+            <p:ph type="ftr" sz="quarter" idx="11"/>
+          </p:nvPr>
+        </p:nvSpPr>
+        <p:spPr/>
         <p:txBody>
           <a:bodyPr/>
           <a:lstStyle/>
           <a:p>
             <a:r>
-              <a:rPr lang="en-US" dirty="0"/>
-              <a:t>People you shared with might give you some useful feedback</a:t>
-            </a:r>
-          </a:p>
-          <a:p>
-            <a:r>
-              <a:rPr lang="en-US" dirty="0"/>
-              <a:t>Try to incorporate the ideas into your innovative solution</a:t>
-            </a:r>
-          </a:p>
-          <a:p>
-            <a:r>
-              <a:rPr lang="en-US" dirty="0"/>
-              <a:t>More than likely, the questions they asked you are also ones the judges may ask you. </a:t>
-            </a:r>
-          </a:p>
-          <a:p>
-            <a:r>
-              <a:rPr lang="en-US" dirty="0"/>
-              <a:t>So, listen well and use their feedback to also improve your presentation</a:t>
-            </a:r>
-          </a:p>
-          <a:p>
-            <a:endParaRPr lang="en-US" dirty="0"/>
-          </a:p>
-        </p:txBody>
-      </p:sp>
-      <p:sp>
-        <p:nvSpPr>
-          <p:cNvPr id="4" name="Footer Placeholder 3"/>
-          <p:cNvSpPr>
-            <a:spLocks noGrp="1"/>
-          </p:cNvSpPr>
-          <p:nvPr>
-            <p:ph type="ftr" sz="quarter" idx="11"/>
-          </p:nvPr>
-        </p:nvSpPr>
-        <p:spPr/>
-        <p:txBody>
-          <a:bodyPr/>
-          <a:lstStyle/>
-          <a:p>
-            <a:r>
-              <a:rPr lang="en-US"/>
-              <a:t>© 2018,FLL Tutorials (Last Edit 10/31/2017)</a:t>
+              <a:rPr lang="en-US"/>
+              <a:t>© 2018,FLL Tutorials (Last Edit 06/11/2018)</a:t>
             </a:r>
             <a:endParaRPr lang="en-US" dirty="0"/>
           </a:p>
@@ -6331,43 +6592,14 @@
         </p:blipFill>
         <p:spPr>
           <a:xfrm>
-            <a:off x="4582510" y="2113407"/>
-            <a:ext cx="4064272" cy="2700689"/>
+            <a:off x="4990011" y="2183686"/>
+            <a:ext cx="3748151" cy="2490628"/>
           </a:xfrm>
           <a:prstGeom prst="rect">
             <a:avLst/>
           </a:prstGeom>
         </p:spPr>
       </p:pic>
-      <p:sp>
-        <p:nvSpPr>
-          <p:cNvPr id="7" name="TextBox 6"/>
-          <p:cNvSpPr txBox="1"/>
-          <p:nvPr/>
-        </p:nvSpPr>
-        <p:spPr>
-          <a:xfrm>
-            <a:off x="123568" y="5869094"/>
-            <a:ext cx="8799714" cy="369332"/>
-          </a:xfrm>
-          <a:prstGeom prst="rect">
-            <a:avLst/>
-          </a:prstGeom>
-          <a:noFill/>
-        </p:spPr>
-        <p:txBody>
-          <a:bodyPr wrap="square" rtlCol="0">
-            <a:spAutoFit/>
-          </a:bodyPr>
-          <a:lstStyle/>
-          <a:p>
-            <a:r>
-              <a:rPr lang="en-US" dirty="0"/>
-              <a:t>Shared by: NeXT GEN and Not the Droids You Are Looking For</a:t>
-            </a:r>
-          </a:p>
-        </p:txBody>
-      </p:sp>
     </p:spTree>
     <p:extLst>
       <p:ext uri="{BB962C8B-B14F-4D97-AF65-F5344CB8AC3E}">
@@ -6432,50 +6664,44 @@
         </p:nvSpPr>
         <p:spPr/>
         <p:txBody>
-          <a:bodyPr/>
+          <a:bodyPr>
+            <a:normAutofit/>
+          </a:bodyPr>
           <a:lstStyle/>
           <a:p>
             <a:r>
-              <a:rPr lang="en-US" dirty="0"/>
-              <a:t>This lesson was written by Sanjay and Arvind from Not the Droids You Are Looking For and Team 3659 NeXT GEN (</a:t>
-            </a:r>
-            <a:r>
-              <a:rPr lang="en-US" dirty="0" err="1"/>
-              <a:t>Facebook:Garrett</a:t>
-            </a:r>
-            <a:r>
-              <a:rPr lang="en-US" dirty="0"/>
-              <a:t> County FIRST LEGO League Team 3659). </a:t>
-            </a:r>
-          </a:p>
-          <a:p>
-            <a:r>
-              <a:rPr lang="en-US" dirty="0"/>
-              <a:t>It has been shared with permission with </a:t>
-            </a:r>
-            <a:r>
-              <a:rPr lang="en-US" dirty="0">
+              <a:rPr lang="en-US" sz="2000" dirty="0"/>
+              <a:t>This lesson was written by Sanjay and Arvind from Not the Droids You Are Looking For and Team 3659 NeXT GEN (Facebook: Garrett County FIRST LEGO League Team 3659). </a:t>
+            </a:r>
+          </a:p>
+          <a:p>
+            <a:r>
+              <a:rPr lang="en-US" sz="2000" dirty="0"/>
+              <a:t>More lessons available on </a:t>
+            </a:r>
+            <a:r>
+              <a:rPr lang="en-US" sz="2000" dirty="0">
                 <a:hlinkClick r:id="rId2"/>
               </a:rPr>
               <a:t>www.ev3lessons.com</a:t>
             </a:r>
             <a:r>
-              <a:rPr lang="en-US" dirty="0"/>
+              <a:rPr lang="en-US" sz="2000" dirty="0"/>
               <a:t> and </a:t>
             </a:r>
             <a:r>
-              <a:rPr lang="en-US" dirty="0">
+              <a:rPr lang="en-US" sz="2000" dirty="0">
                 <a:hlinkClick r:id="rId3"/>
               </a:rPr>
               <a:t>www.flltutorials.com</a:t>
             </a:r>
-            <a:endParaRPr lang="en-US" dirty="0"/>
-          </a:p>
-          <a:p>
-            <a:endParaRPr lang="en-US" dirty="0"/>
-          </a:p>
-          <a:p>
-            <a:endParaRPr lang="en-US" dirty="0"/>
+            <a:endParaRPr lang="en-US" sz="2000" dirty="0"/>
+          </a:p>
+          <a:p>
+            <a:endParaRPr lang="en-US" sz="2000" dirty="0"/>
+          </a:p>
+          <a:p>
+            <a:endParaRPr lang="en-US" sz="2000" dirty="0"/>
           </a:p>
           <a:p>
             <a:endParaRPr lang="en-US" dirty="0"/>
@@ -6499,7 +6725,7 @@
           <a:p>
             <a:r>
               <a:rPr lang="en-US"/>
-              <a:t>© 2018,FLL Tutorials (Last Edit 10/31/2017)</a:t>
+              <a:t>© 2018,FLL Tutorials (Last Edit 06/11/2018)</a:t>
             </a:r>
             <a:endParaRPr lang="en-US" dirty="0"/>
           </a:p>
@@ -6571,91 +6797,58 @@
 </file>
 
 <file path=ppt/theme/theme1.xml><?xml version="1.0" encoding="utf-8"?>
-<a:theme xmlns:a="http://schemas.openxmlformats.org/drawingml/2006/main" name="Retrospect">
+<a:theme xmlns:a="http://schemas.openxmlformats.org/drawingml/2006/main" name="Dividend">
   <a:themeElements>
-    <a:clrScheme name="Retrospect">
+    <a:clrScheme name="Dividend">
       <a:dk1>
-        <a:srgbClr val="000000"/>
+        <a:sysClr val="windowText" lastClr="000000"/>
       </a:dk1>
       <a:lt1>
         <a:sysClr val="window" lastClr="FFFFFF"/>
       </a:lt1>
       <a:dk2>
-        <a:srgbClr val="637052"/>
+        <a:srgbClr val="3D3D3D"/>
       </a:dk2>
       <a:lt2>
-        <a:srgbClr val="CCDDEA"/>
+        <a:srgbClr val="EBEBEB"/>
       </a:lt2>
       <a:accent1>
-        <a:srgbClr val="E48312"/>
+        <a:srgbClr val="1A3260"/>
       </a:accent1>
       <a:accent2>
-        <a:srgbClr val="BD582C"/>
+        <a:srgbClr val="4590B8"/>
       </a:accent2>
       <a:accent3>
-        <a:srgbClr val="865640"/>
+        <a:srgbClr val="45CBE8"/>
       </a:accent3>
       <a:accent4>
-        <a:srgbClr val="9B8357"/>
+        <a:srgbClr val="969FA7"/>
       </a:accent4>
       <a:accent5>
-        <a:srgbClr val="C2BC80"/>
+        <a:srgbClr val="A2C777"/>
       </a:accent5>
       <a:accent6>
-        <a:srgbClr val="94A088"/>
+        <a:srgbClr val="42955F"/>
       </a:accent6>
       <a:hlink>
-        <a:srgbClr val="2998E3"/>
+        <a:srgbClr val="828282"/>
       </a:hlink>
       <a:folHlink>
-        <a:srgbClr val="8C8C8C"/>
+        <a:srgbClr val="A5A5A5"/>
       </a:folHlink>
     </a:clrScheme>
-    <a:fontScheme name="Retrospect">
+    <a:fontScheme name="Dividend">
       <a:majorFont>
-        <a:latin typeface="Calibri Light" panose="020F0302020204030204"/>
+        <a:latin typeface="Gill Sans MT" panose="020B0502020104020203"/>
         <a:ea typeface=""/>
         <a:cs typeface=""/>
-        <a:font script="Jpan" typeface="ＭＳ Ｐゴシック"/>
-        <a:font script="Hang" typeface="맑은 고딕"/>
-        <a:font script="Hans" typeface="宋体"/>
-        <a:font script="Hant" typeface="新細明體"/>
-        <a:font script="Arab" typeface="Times New Roman"/>
-        <a:font script="Hebr" typeface="Times New Roman"/>
-        <a:font script="Thai" typeface="Angsana New"/>
-        <a:font script="Ethi" typeface="Nyala"/>
-        <a:font script="Beng" typeface="Vrinda"/>
-        <a:font script="Gujr" typeface="Shruti"/>
-        <a:font script="Khmr" typeface="MoolBoran"/>
-        <a:font script="Knda" typeface="Tunga"/>
-        <a:font script="Guru" typeface="Raavi"/>
-        <a:font script="Cans" typeface="Euphemia"/>
-        <a:font script="Cher" typeface="Plantagenet Cherokee"/>
-        <a:font script="Yiii" typeface="Microsoft Yi Baiti"/>
-        <a:font script="Tibt" typeface="Microsoft Himalaya"/>
-        <a:font script="Thaa" typeface="MV Boli"/>
-        <a:font script="Deva" typeface="Mangal"/>
-        <a:font script="Telu" typeface="Gautami"/>
-        <a:font script="Taml" typeface="Latha"/>
-        <a:font script="Syrc" typeface="Estrangelo Edessa"/>
-        <a:font script="Orya" typeface="Kalinga"/>
-        <a:font script="Mlym" typeface="Kartika"/>
-        <a:font script="Laoo" typeface="DokChampa"/>
-        <a:font script="Sinh" typeface="Iskoola Pota"/>
-        <a:font script="Mong" typeface="Mongolian Baiti"/>
-        <a:font script="Viet" typeface="Times New Roman"/>
-        <a:font script="Uigh" typeface="Microsoft Uighur"/>
-        <a:font script="Geor" typeface="Sylfaen"/>
-      </a:majorFont>
-      <a:minorFont>
-        <a:latin typeface="Calibri" panose="020F0502020204030204"/>
-        <a:ea typeface=""/>
-        <a:cs typeface=""/>
-        <a:font script="Jpan" typeface="ＭＳ Ｐゴシック"/>
-        <a:font script="Hang" typeface="맑은 고딕"/>
-        <a:font script="Hans" typeface="宋体"/>
-        <a:font script="Hant" typeface="新細明體"/>
-        <a:font script="Arab" typeface="Arial"/>
+        <a:font script="Grek" typeface="Corbel"/>
+        <a:font script="Cyrl" typeface="Corbel"/>
+        <a:font script="Jpan" typeface="HGｺﾞｼｯｸE"/>
+        <a:font script="Hang" typeface="휴먼매직체"/>
+        <a:font script="Hans" typeface="华文中宋"/>
+        <a:font script="Hant" typeface="微軟正黑體"/>
+        <a:font script="Arab" typeface="Majalla UI"/>
         <a:font script="Hebr" typeface="Arial"/>
         <a:font script="Thai" typeface="Cordia New"/>
         <a:font script="Ethi" typeface="Nyala"/>
@@ -6678,12 +6871,49 @@
         <a:font script="Laoo" typeface="DokChampa"/>
         <a:font script="Sinh" typeface="Iskoola Pota"/>
         <a:font script="Mong" typeface="Mongolian Baiti"/>
-        <a:font script="Viet" typeface="Arial"/>
+        <a:font script="Viet" typeface="Tahoma"/>
+        <a:font script="Uigh" typeface="Microsoft Uighur"/>
+        <a:font script="Geor" typeface="Sylfaen"/>
+      </a:majorFont>
+      <a:minorFont>
+        <a:latin typeface="Gill Sans MT" panose="020B0502020104020203"/>
+        <a:ea typeface=""/>
+        <a:cs typeface=""/>
+        <a:font script="Grek" typeface="Corbel"/>
+        <a:font script="Cyrl" typeface="Corbel"/>
+        <a:font script="Jpan" typeface="HGｺﾞｼｯｸE"/>
+        <a:font script="Hang" typeface="휴먼매직체"/>
+        <a:font script="Hans" typeface="华文中宋"/>
+        <a:font script="Hant" typeface="微軟正黑體"/>
+        <a:font script="Arab" typeface="Majalla UI"/>
+        <a:font script="Hebr" typeface="Arial"/>
+        <a:font script="Thai" typeface="Cordia New"/>
+        <a:font script="Ethi" typeface="Nyala"/>
+        <a:font script="Beng" typeface="Vrinda"/>
+        <a:font script="Gujr" typeface="Shruti"/>
+        <a:font script="Khmr" typeface="DaunPenh"/>
+        <a:font script="Knda" typeface="Tunga"/>
+        <a:font script="Guru" typeface="Raavi"/>
+        <a:font script="Cans" typeface="Euphemia"/>
+        <a:font script="Cher" typeface="Plantagenet Cherokee"/>
+        <a:font script="Yiii" typeface="Microsoft Yi Baiti"/>
+        <a:font script="Tibt" typeface="Microsoft Himalaya"/>
+        <a:font script="Thaa" typeface="MV Boli"/>
+        <a:font script="Deva" typeface="Mangal"/>
+        <a:font script="Telu" typeface="Gautami"/>
+        <a:font script="Taml" typeface="Latha"/>
+        <a:font script="Syrc" typeface="Estrangelo Edessa"/>
+        <a:font script="Orya" typeface="Kalinga"/>
+        <a:font script="Mlym" typeface="Kartika"/>
+        <a:font script="Laoo" typeface="DokChampa"/>
+        <a:font script="Sinh" typeface="Iskoola Pota"/>
+        <a:font script="Mong" typeface="Mongolian Baiti"/>
+        <a:font script="Viet" typeface="Tahoma"/>
         <a:font script="Uigh" typeface="Microsoft Uighur"/>
         <a:font script="Geor" typeface="Sylfaen"/>
       </a:minorFont>
     </a:fontScheme>
-    <a:fmtScheme name="Retrospect">
+    <a:fmtScheme name="Dividend">
       <a:fillStyleLst>
         <a:solidFill>
           <a:schemeClr val="phClr"/>
@@ -6692,77 +6922,54 @@
           <a:gsLst>
             <a:gs pos="0">
               <a:schemeClr val="phClr">
-                <a:tint val="65000"/>
-                <a:shade val="92000"/>
-                <a:satMod val="130000"/>
-              </a:schemeClr>
-            </a:gs>
-            <a:gs pos="45000">
-              <a:schemeClr val="phClr">
-                <a:tint val="60000"/>
-                <a:shade val="99000"/>
-                <a:satMod val="120000"/>
+                <a:tint val="68000"/>
+                <a:alpha val="90000"/>
+                <a:lumMod val="100000"/>
               </a:schemeClr>
             </a:gs>
             <a:gs pos="100000">
               <a:schemeClr val="phClr">
-                <a:tint val="55000"/>
-                <a:satMod val="140000"/>
+                <a:tint val="90000"/>
+                <a:lumMod val="95000"/>
               </a:schemeClr>
             </a:gs>
           </a:gsLst>
-          <a:path path="circle">
-            <a:fillToRect l="100000" t="100000" r="100000" b="100000"/>
-          </a:path>
+          <a:lin ang="5400000" scaled="1"/>
         </a:gradFill>
         <a:gradFill rotWithShape="1">
           <a:gsLst>
             <a:gs pos="0">
               <a:schemeClr val="phClr">
-                <a:shade val="85000"/>
-                <a:satMod val="130000"/>
+                <a:tint val="98000"/>
+                <a:lumMod val="110000"/>
               </a:schemeClr>
             </a:gs>
-            <a:gs pos="34000">
+            <a:gs pos="84000">
               <a:schemeClr val="phClr">
-                <a:shade val="87000"/>
-                <a:satMod val="125000"/>
-              </a:schemeClr>
-            </a:gs>
-            <a:gs pos="70000">
-              <a:schemeClr val="phClr">
-                <a:tint val="100000"/>
                 <a:shade val="90000"/>
-                <a:satMod val="130000"/>
-              </a:schemeClr>
-            </a:gs>
-            <a:gs pos="100000">
-              <a:schemeClr val="phClr">
-                <a:tint val="100000"/>
-                <a:shade val="100000"/>
-                <a:satMod val="110000"/>
+                <a:lumMod val="88000"/>
               </a:schemeClr>
             </a:gs>
           </a:gsLst>
-          <a:path path="circle">
-            <a:fillToRect l="100000" t="100000" r="100000" b="100000"/>
-          </a:path>
+          <a:lin ang="5400000" scaled="0"/>
         </a:gradFill>
       </a:fillStyleLst>
       <a:lnStyleLst>
-        <a:ln w="12700" cap="flat" cmpd="sng" algn="ctr">
+        <a:ln w="12700" cap="rnd" cmpd="sng" algn="ctr">
+          <a:solidFill>
+            <a:schemeClr val="phClr">
+              <a:lumMod val="90000"/>
+            </a:schemeClr>
+          </a:solidFill>
+          <a:prstDash val="solid"/>
+        </a:ln>
+        <a:ln w="22225" cap="rnd" cmpd="sng" algn="ctr">
           <a:solidFill>
             <a:schemeClr val="phClr"/>
           </a:solidFill>
           <a:prstDash val="solid"/>
         </a:ln>
-        <a:ln w="15875" cap="flat" cmpd="sng" algn="ctr">
-          <a:solidFill>
-            <a:schemeClr val="phClr"/>
-          </a:solidFill>
-          <a:prstDash val="solid"/>
-        </a:ln>
-        <a:ln w="25400" cap="flat" cmpd="sng" algn="ctr">
+        <a:ln w="25400" cap="rnd" cmpd="sng" algn="ctr">
           <a:solidFill>
             <a:schemeClr val="phClr"/>
           </a:solidFill>
@@ -6775,16 +6982,16 @@
         </a:effectStyle>
         <a:effectStyle>
           <a:effectLst>
-            <a:outerShdw blurRad="38100" dist="25400" dir="2700000" algn="br" rotWithShape="0">
+            <a:outerShdw blurRad="38100" dist="25400" dir="5400000" rotWithShape="0">
               <a:srgbClr val="000000">
-                <a:alpha val="60000"/>
+                <a:alpha val="55000"/>
               </a:srgbClr>
             </a:outerShdw>
           </a:effectLst>
         </a:effectStyle>
         <a:effectStyle>
           <a:effectLst>
-            <a:outerShdw blurRad="44450" dist="25400" dir="2700000" algn="br" rotWithShape="0">
+            <a:outerShdw blurRad="88900" dist="38100" dir="5040000" rotWithShape="0">
               <a:srgbClr val="000000">
                 <a:alpha val="60000"/>
               </a:srgbClr>
@@ -6794,12 +7001,12 @@
             <a:camera prst="orthographicFront">
               <a:rot lat="0" lon="0" rev="0"/>
             </a:camera>
-            <a:lightRig rig="threePt" dir="t">
-              <a:rot lat="0" lon="0" rev="19800000"/>
+            <a:lightRig rig="threePt" dir="tl">
+              <a:rot lat="0" lon="0" rev="1200000"/>
             </a:lightRig>
           </a:scene3d>
-          <a:sp3d prstMaterial="flat">
-            <a:bevelT w="25400" h="31750"/>
+          <a:sp3d>
+            <a:bevelT w="38100" h="50800"/>
           </a:sp3d>
         </a:effectStyle>
       </a:effectStyleLst>
@@ -6807,38 +7014,43 @@
         <a:solidFill>
           <a:schemeClr val="phClr"/>
         </a:solidFill>
-        <a:solidFill>
-          <a:schemeClr val="phClr">
-            <a:tint val="90000"/>
-            <a:shade val="97000"/>
-            <a:satMod val="130000"/>
-          </a:schemeClr>
-        </a:solidFill>
         <a:gradFill rotWithShape="1">
           <a:gsLst>
             <a:gs pos="0">
               <a:schemeClr val="phClr">
-                <a:tint val="96000"/>
-                <a:shade val="99000"/>
-                <a:satMod val="140000"/>
+                <a:tint val="90000"/>
+                <a:lumMod val="110000"/>
               </a:schemeClr>
             </a:gs>
-            <a:gs pos="65000">
+            <a:gs pos="88000">
               <a:schemeClr val="phClr">
-                <a:tint val="100000"/>
-                <a:shade val="80000"/>
-                <a:satMod val="130000"/>
+                <a:shade val="94000"/>
+                <a:satMod val="110000"/>
+                <a:lumMod val="88000"/>
+              </a:schemeClr>
+            </a:gs>
+          </a:gsLst>
+          <a:lin ang="5400000" scaled="0"/>
+        </a:gradFill>
+        <a:gradFill rotWithShape="1">
+          <a:gsLst>
+            <a:gs pos="0">
+              <a:schemeClr val="phClr">
+                <a:tint val="90000"/>
+                <a:lumMod val="110000"/>
               </a:schemeClr>
             </a:gs>
             <a:gs pos="100000">
               <a:schemeClr val="phClr">
-                <a:tint val="100000"/>
-                <a:shade val="48000"/>
-                <a:satMod val="120000"/>
+                <a:shade val="98000"/>
+                <a:satMod val="110000"/>
+                <a:lumMod val="86000"/>
               </a:schemeClr>
             </a:gs>
           </a:gsLst>
-          <a:lin ang="16200000" scaled="0"/>
+          <a:path path="circle">
+            <a:fillToRect l="50000" t="50000" r="100000" b="100000"/>
+          </a:path>
         </a:gradFill>
       </a:bgFillStyleLst>
     </a:fmtScheme>
@@ -6847,7 +7059,7 @@
   <a:extraClrSchemeLst/>
   <a:extLst>
     <a:ext uri="{05A4C25C-085E-4340-85A3-A5531E510DB2}">
-      <thm15:themeFamily xmlns:thm15="http://schemas.microsoft.com/office/thememl/2012/main" name="Retrospect" id="{5F128B03-DCCA-4EEB-AB3B-CF2899314A46}" vid="{3F1AAB62-24C6-49D2-8E01-B56FAC9A3DCD}"/>
+      <thm15:themeFamily xmlns:thm15="http://schemas.microsoft.com/office/thememl/2012/main" name="EngineeringJournal" id="{97721FB4-21DC-6D4C-AC10-5E4545120761}" vid="{EB585347-F0B4-B74F-BF80-5185492EFC16}"/>
     </a:ext>
   </a:extLst>
 </a:theme>

--- a/translations/en-us/Project/Sharing.pptx
+++ b/translations/en-us/Project/Sharing.pptx
@@ -204,7 +204,7 @@
           <a:p>
             <a:fld id="{A78B980B-A051-5042-A199-B77431CF73D3}" type="datetimeFigureOut">
               <a:rPr lang="en-US" smtClean="0"/>
-              <a:t>6/12/18</a:t>
+              <a:t>9/2/18</a:t>
             </a:fld>
             <a:endParaRPr lang="en-US"/>
           </a:p>
@@ -892,7 +892,7 @@
           <a:p>
             <a:fld id="{12B9D50C-35C6-4A51-92CA-6D6A449B84E7}" type="datetime1">
               <a:rPr lang="en-US" smtClean="0"/>
-              <a:t>6/12/18</a:t>
+              <a:t>9/2/18</a:t>
             </a:fld>
             <a:endParaRPr lang="en-US" dirty="0"/>
           </a:p>
@@ -1017,57 +1017,6 @@
           </a:prstGeom>
         </p:spPr>
       </p:pic>
-      <p:sp>
-        <p:nvSpPr>
-          <p:cNvPr id="9" name="Rectangle 8">
-            <a:extLst>
-              <a:ext uri="{FF2B5EF4-FFF2-40B4-BE49-F238E27FC236}">
-                <a16:creationId xmlns:a16="http://schemas.microsoft.com/office/drawing/2014/main" id="{2DE0425F-EC1B-45E2-ADB4-FE7551626223}"/>
-              </a:ext>
-            </a:extLst>
-          </p:cNvPr>
-          <p:cNvSpPr/>
-          <p:nvPr userDrawn="1"/>
-        </p:nvSpPr>
-        <p:spPr>
-          <a:xfrm>
-            <a:off x="-2358" y="6272819"/>
-            <a:ext cx="9141619" cy="64008"/>
-          </a:xfrm>
-          <a:prstGeom prst="rect">
-            <a:avLst/>
-          </a:prstGeom>
-          <a:solidFill>
-            <a:srgbClr val="24CF39"/>
-          </a:solidFill>
-          <a:ln>
-            <a:noFill/>
-          </a:ln>
-        </p:spPr>
-        <p:style>
-          <a:lnRef idx="2">
-            <a:schemeClr val="accent1">
-              <a:shade val="50000"/>
-            </a:schemeClr>
-          </a:lnRef>
-          <a:fillRef idx="1">
-            <a:schemeClr val="accent1"/>
-          </a:fillRef>
-          <a:effectRef idx="0">
-            <a:schemeClr val="accent1"/>
-          </a:effectRef>
-          <a:fontRef idx="minor">
-            <a:schemeClr val="lt1"/>
-          </a:fontRef>
-        </p:style>
-        <p:txBody>
-          <a:bodyPr/>
-          <a:lstStyle/>
-          <a:p>
-            <a:endParaRPr lang="en-US" dirty="0"/>
-          </a:p>
-        </p:txBody>
-      </p:sp>
     </p:spTree>
     <p:extLst>
       <p:ext uri="{BB962C8B-B14F-4D97-AF65-F5344CB8AC3E}">
@@ -1253,7 +1202,7 @@
           <a:p>
             <a:fld id="{ED7FE409-5A03-47E2-AD65-478F99E35E84}" type="datetime1">
               <a:rPr lang="en-US" smtClean="0"/>
-              <a:t>6/12/18</a:t>
+              <a:t>9/2/18</a:t>
             </a:fld>
             <a:endParaRPr lang="en-US" dirty="0"/>
           </a:p>
@@ -1511,7 +1460,7 @@
           <a:p>
             <a:fld id="{99D172A8-DB2B-4373-8AE8-09B37EB89159}" type="datetime1">
               <a:rPr lang="en-US" smtClean="0"/>
-              <a:t>6/12/18</a:t>
+              <a:t>9/2/18</a:t>
             </a:fld>
             <a:endParaRPr lang="en-US" dirty="0"/>
           </a:p>
@@ -1799,7 +1748,7 @@
           <a:p>
             <a:fld id="{E1C74703-7334-41ED-9287-B299926159B1}" type="datetime1">
               <a:rPr lang="en-US" smtClean="0"/>
-              <a:t>6/12/18</a:t>
+              <a:t>9/2/18</a:t>
             </a:fld>
             <a:endParaRPr lang="en-US" dirty="0"/>
           </a:p>
@@ -2252,7 +2201,7 @@
             <a:fld id="{B61BEF0D-F0BB-DE4B-95CE-6DB70DBA9567}" type="datetimeFigureOut">
               <a:rPr lang="en-US" smtClean="0"/>
               <a:pPr/>
-              <a:t>6/12/18</a:t>
+              <a:t>9/2/18</a:t>
             </a:fld>
             <a:endParaRPr lang="en-US" dirty="0"/>
           </a:p>
@@ -2809,7 +2758,7 @@
           <a:p>
             <a:fld id="{6CE13AA5-FCA2-44CA-9718-21833E13C188}" type="datetime1">
               <a:rPr lang="en-US" smtClean="0"/>
-              <a:t>6/12/18</a:t>
+              <a:t>9/2/18</a:t>
             </a:fld>
             <a:endParaRPr lang="en-US" dirty="0"/>
           </a:p>
@@ -3258,7 +3207,7 @@
           <a:p>
             <a:fld id="{E41EFFF7-844C-4C5D-AEFD-DB0F9237FE64}" type="datetime1">
               <a:rPr lang="en-US" smtClean="0"/>
-              <a:t>6/12/18</a:t>
+              <a:t>9/2/18</a:t>
             </a:fld>
             <a:endParaRPr lang="en-US" dirty="0"/>
           </a:p>
@@ -3443,7 +3392,7 @@
           <a:p>
             <a:fld id="{F8E52A67-A481-4B34-B4EB-D0FCAEAC7D21}" type="datetime1">
               <a:rPr lang="en-US" smtClean="0"/>
-              <a:t>6/12/18</a:t>
+              <a:t>9/2/18</a:t>
             </a:fld>
             <a:endParaRPr lang="en-US" dirty="0"/>
           </a:p>
@@ -3566,7 +3515,7 @@
           <a:p>
             <a:fld id="{1504DE06-523C-49EC-ACE2-E9311ED4E74C}" type="datetime1">
               <a:rPr lang="en-US" smtClean="0"/>
-              <a:t>6/12/18</a:t>
+              <a:t>9/2/18</a:t>
             </a:fld>
             <a:endParaRPr lang="en-US" dirty="0"/>
           </a:p>
@@ -3972,7 +3921,7 @@
           <a:p>
             <a:fld id="{796EA3FF-6434-4D21-A8FB-F74A63A0345A}" type="datetime1">
               <a:rPr lang="en-US" smtClean="0"/>
-              <a:t>6/12/18</a:t>
+              <a:t>9/2/18</a:t>
             </a:fld>
             <a:endParaRPr lang="en-US" dirty="0"/>
           </a:p>
@@ -4289,7 +4238,7 @@
           <a:p>
             <a:fld id="{CB1AEAC4-A97A-435E-84B7-41C9A28EFEFE}" type="datetime1">
               <a:rPr lang="en-US" smtClean="0"/>
-              <a:t>6/12/18</a:t>
+              <a:t>9/2/18</a:t>
             </a:fld>
             <a:endParaRPr lang="en-US" dirty="0"/>
           </a:p>
@@ -4640,7 +4589,7 @@
           <a:p>
             <a:fld id="{6E2C03C4-0CEC-4C1B-B957-FB5E25C813A8}" type="datetime1">
               <a:rPr lang="en-US" smtClean="0"/>
-              <a:t>6/12/18</a:t>
+              <a:t>9/2/18</a:t>
             </a:fld>
             <a:endParaRPr lang="en-US" dirty="0"/>
           </a:p>
@@ -4739,57 +4688,6 @@
               <a:pPr/>
               <a:t>‹#›</a:t>
             </a:fld>
-            <a:endParaRPr lang="en-US" dirty="0"/>
-          </a:p>
-        </p:txBody>
-      </p:sp>
-      <p:sp>
-        <p:nvSpPr>
-          <p:cNvPr id="15" name="Rectangle 14">
-            <a:extLst>
-              <a:ext uri="{FF2B5EF4-FFF2-40B4-BE49-F238E27FC236}">
-                <a16:creationId xmlns:a16="http://schemas.microsoft.com/office/drawing/2014/main" id="{FDFA3810-D51E-4807-9D67-35EA686C176C}"/>
-              </a:ext>
-            </a:extLst>
-          </p:cNvPr>
-          <p:cNvSpPr/>
-          <p:nvPr userDrawn="1"/>
-        </p:nvSpPr>
-        <p:spPr>
-          <a:xfrm>
-            <a:off x="-1" y="6273337"/>
-            <a:ext cx="9144001" cy="65999"/>
-          </a:xfrm>
-          <a:prstGeom prst="rect">
-            <a:avLst/>
-          </a:prstGeom>
-          <a:solidFill>
-            <a:srgbClr val="24CF39"/>
-          </a:solidFill>
-          <a:ln>
-            <a:noFill/>
-          </a:ln>
-        </p:spPr>
-        <p:style>
-          <a:lnRef idx="2">
-            <a:schemeClr val="accent1">
-              <a:shade val="50000"/>
-            </a:schemeClr>
-          </a:lnRef>
-          <a:fillRef idx="1">
-            <a:schemeClr val="accent1"/>
-          </a:fillRef>
-          <a:effectRef idx="0">
-            <a:schemeClr val="accent1"/>
-          </a:effectRef>
-          <a:fontRef idx="minor">
-            <a:schemeClr val="lt1"/>
-          </a:fontRef>
-        </p:style>
-        <p:txBody>
-          <a:bodyPr/>
-          <a:lstStyle/>
-          <a:p>
             <a:endParaRPr lang="en-US" dirty="0"/>
           </a:p>
         </p:txBody>

--- a/translations/en-us/Project/Sharing.pptx
+++ b/translations/en-us/Project/Sharing.pptx
@@ -204,7 +204,7 @@
           <a:p>
             <a:fld id="{A78B980B-A051-5042-A199-B77431CF73D3}" type="datetimeFigureOut">
               <a:rPr lang="en-US" smtClean="0"/>
-              <a:t>9/2/18</a:t>
+              <a:t>5/29/23</a:t>
             </a:fld>
             <a:endParaRPr lang="en-US"/>
           </a:p>
@@ -890,9 +890,9 @@
             </a:lvl1pPr>
           </a:lstStyle>
           <a:p>
-            <a:fld id="{12B9D50C-35C6-4A51-92CA-6D6A449B84E7}" type="datetime1">
+            <a:fld id="{D481D892-C1C9-1944-989A-4FF5B8848240}" type="datetime1">
               <a:rPr lang="en-US" smtClean="0"/>
-              <a:t>9/2/18</a:t>
+              <a:t>5/29/23</a:t>
             </a:fld>
             <a:endParaRPr lang="en-US" dirty="0"/>
           </a:p>
@@ -934,7 +934,7 @@
           <a:p>
             <a:r>
               <a:rPr lang="en-US"/>
-              <a:t>© 2018,FLL Tutorials (Last Edit 06/11/2018)</a:t>
+              <a:t>© 2023,FLLTutorials.com (Last Edit 05/29/2023)</a:t>
             </a:r>
             <a:endParaRPr lang="en-US" dirty="0"/>
           </a:p>
@@ -1200,9 +1200,9 @@
           <a:bodyPr/>
           <a:lstStyle/>
           <a:p>
-            <a:fld id="{ED7FE409-5A03-47E2-AD65-478F99E35E84}" type="datetime1">
+            <a:fld id="{D2DB9F56-73BE-1243-BFBD-894F31D6BA5B}" type="datetime1">
               <a:rPr lang="en-US" smtClean="0"/>
-              <a:t>9/2/18</a:t>
+              <a:t>5/29/23</a:t>
             </a:fld>
             <a:endParaRPr lang="en-US" dirty="0"/>
           </a:p>
@@ -1233,7 +1233,7 @@
           <a:p>
             <a:r>
               <a:rPr lang="en-US"/>
-              <a:t>© 2018,FLL Tutorials (Last Edit 06/11/2018)</a:t>
+              <a:t>© 2023,FLLTutorials.com (Last Edit 05/29/2023)</a:t>
             </a:r>
             <a:endParaRPr lang="en-US" dirty="0"/>
           </a:p>
@@ -1458,9 +1458,9 @@
             </a:lvl1pPr>
           </a:lstStyle>
           <a:p>
-            <a:fld id="{99D172A8-DB2B-4373-8AE8-09B37EB89159}" type="datetime1">
+            <a:fld id="{09FC0792-83DF-D24E-904B-48F95E446C99}" type="datetime1">
               <a:rPr lang="en-US" smtClean="0"/>
-              <a:t>9/2/18</a:t>
+              <a:t>5/29/23</a:t>
             </a:fld>
             <a:endParaRPr lang="en-US" dirty="0"/>
           </a:p>
@@ -1491,7 +1491,7 @@
           <a:p>
             <a:r>
               <a:rPr lang="en-US"/>
-              <a:t>© 2018,FLL Tutorials (Last Edit 06/11/2018)</a:t>
+              <a:t>© 2023,FLLTutorials.com (Last Edit 05/29/2023)</a:t>
             </a:r>
             <a:endParaRPr lang="en-US" dirty="0"/>
           </a:p>
@@ -1746,9 +1746,9 @@
             </a:lvl1pPr>
           </a:lstStyle>
           <a:p>
-            <a:fld id="{E1C74703-7334-41ED-9287-B299926159B1}" type="datetime1">
+            <a:fld id="{4B4BAA1F-31CA-D649-9D43-CCE02FFA7DB8}" type="datetime1">
               <a:rPr lang="en-US" smtClean="0"/>
-              <a:t>9/2/18</a:t>
+              <a:t>5/29/23</a:t>
             </a:fld>
             <a:endParaRPr lang="en-US" dirty="0"/>
           </a:p>
@@ -1793,7 +1793,7 @@
           <a:p>
             <a:r>
               <a:rPr lang="en-US"/>
-              <a:t>© 2018,FLL Tutorials (Last Edit 06/11/2018)</a:t>
+              <a:t>© 2023,FLLTutorials.com (Last Edit 05/29/2023)</a:t>
             </a:r>
             <a:endParaRPr lang="en-US" dirty="0"/>
           </a:p>
@@ -2201,7 +2201,7 @@
             <a:fld id="{B61BEF0D-F0BB-DE4B-95CE-6DB70DBA9567}" type="datetimeFigureOut">
               <a:rPr lang="en-US" smtClean="0"/>
               <a:pPr/>
-              <a:t>9/2/18</a:t>
+              <a:t>5/29/23</a:t>
             </a:fld>
             <a:endParaRPr lang="en-US" dirty="0"/>
           </a:p>
@@ -2756,9 +2756,9 @@
           <a:bodyPr/>
           <a:lstStyle/>
           <a:p>
-            <a:fld id="{6CE13AA5-FCA2-44CA-9718-21833E13C188}" type="datetime1">
+            <a:fld id="{606A064E-0428-FA46-9186-B9272ADFC31C}" type="datetime1">
               <a:rPr lang="en-US" smtClean="0"/>
-              <a:t>9/2/18</a:t>
+              <a:t>5/29/23</a:t>
             </a:fld>
             <a:endParaRPr lang="en-US" dirty="0"/>
           </a:p>
@@ -2789,7 +2789,7 @@
           <a:p>
             <a:r>
               <a:rPr lang="en-US"/>
-              <a:t>© 2018,FLL Tutorials (Last Edit 06/11/2018)</a:t>
+              <a:t>© 2023,FLLTutorials.com (Last Edit 05/29/2023)</a:t>
             </a:r>
             <a:endParaRPr lang="en-US" dirty="0"/>
           </a:p>
@@ -3205,9 +3205,9 @@
           <a:bodyPr/>
           <a:lstStyle/>
           <a:p>
-            <a:fld id="{E41EFFF7-844C-4C5D-AEFD-DB0F9237FE64}" type="datetime1">
+            <a:fld id="{B32E8C98-3F6A-444B-8B61-084B60DF57EC}" type="datetime1">
               <a:rPr lang="en-US" smtClean="0"/>
-              <a:t>9/2/18</a:t>
+              <a:t>5/29/23</a:t>
             </a:fld>
             <a:endParaRPr lang="en-US" dirty="0"/>
           </a:p>
@@ -3238,7 +3238,7 @@
           <a:p>
             <a:r>
               <a:rPr lang="en-US"/>
-              <a:t>© 2018,FLL Tutorials (Last Edit 06/11/2018)</a:t>
+              <a:t>© 2023,FLLTutorials.com (Last Edit 05/29/2023)</a:t>
             </a:r>
             <a:endParaRPr lang="en-US" dirty="0"/>
           </a:p>
@@ -3390,9 +3390,9 @@
           <a:bodyPr/>
           <a:lstStyle/>
           <a:p>
-            <a:fld id="{F8E52A67-A481-4B34-B4EB-D0FCAEAC7D21}" type="datetime1">
+            <a:fld id="{2008B6BE-7E4F-F84C-8026-FD788FFE52EE}" type="datetime1">
               <a:rPr lang="en-US" smtClean="0"/>
-              <a:t>9/2/18</a:t>
+              <a:t>5/29/23</a:t>
             </a:fld>
             <a:endParaRPr lang="en-US" dirty="0"/>
           </a:p>
@@ -3423,7 +3423,7 @@
           <a:p>
             <a:r>
               <a:rPr lang="en-US"/>
-              <a:t>© 2018,FLL Tutorials (Last Edit 06/11/2018)</a:t>
+              <a:t>© 2023,FLLTutorials.com (Last Edit 05/29/2023)</a:t>
             </a:r>
             <a:endParaRPr lang="en-US" dirty="0"/>
           </a:p>
@@ -3513,9 +3513,9 @@
           <a:bodyPr/>
           <a:lstStyle/>
           <a:p>
-            <a:fld id="{1504DE06-523C-49EC-ACE2-E9311ED4E74C}" type="datetime1">
+            <a:fld id="{7E7E71AB-C6C6-FB47-A522-0DA524235CD3}" type="datetime1">
               <a:rPr lang="en-US" smtClean="0"/>
-              <a:t>9/2/18</a:t>
+              <a:t>5/29/23</a:t>
             </a:fld>
             <a:endParaRPr lang="en-US" dirty="0"/>
           </a:p>
@@ -3546,7 +3546,7 @@
           <a:p>
             <a:r>
               <a:rPr lang="en-US"/>
-              <a:t>© 2018,FLL Tutorials (Last Edit 06/11/2018)</a:t>
+              <a:t>© 2023,FLLTutorials.com (Last Edit 05/29/2023)</a:t>
             </a:r>
             <a:endParaRPr lang="en-US" dirty="0"/>
           </a:p>
@@ -3919,9 +3919,9 @@
             </a:lvl1pPr>
           </a:lstStyle>
           <a:p>
-            <a:fld id="{796EA3FF-6434-4D21-A8FB-F74A63A0345A}" type="datetime1">
+            <a:fld id="{23F1E850-89DE-4848-88C5-0957AC759863}" type="datetime1">
               <a:rPr lang="en-US" smtClean="0"/>
-              <a:t>9/2/18</a:t>
+              <a:t>5/29/23</a:t>
             </a:fld>
             <a:endParaRPr lang="en-US" dirty="0"/>
           </a:p>
@@ -3963,7 +3963,7 @@
           <a:p>
             <a:r>
               <a:rPr lang="en-US"/>
-              <a:t>© 2018,FLL Tutorials (Last Edit 06/11/2018)</a:t>
+              <a:t>© 2023,FLLTutorials.com (Last Edit 05/29/2023)</a:t>
             </a:r>
             <a:endParaRPr lang="en-US" dirty="0"/>
           </a:p>
@@ -4236,9 +4236,9 @@
           <a:bodyPr/>
           <a:lstStyle/>
           <a:p>
-            <a:fld id="{CB1AEAC4-A97A-435E-84B7-41C9A28EFEFE}" type="datetime1">
+            <a:fld id="{9B066C53-B3E8-D442-BE92-319AF2EBB27D}" type="datetime1">
               <a:rPr lang="en-US" smtClean="0"/>
-              <a:t>9/2/18</a:t>
+              <a:t>5/29/23</a:t>
             </a:fld>
             <a:endParaRPr lang="en-US" dirty="0"/>
           </a:p>
@@ -4269,7 +4269,7 @@
           <a:p>
             <a:r>
               <a:rPr lang="en-US"/>
-              <a:t>© 2018,FLL Tutorials (Last Edit 06/11/2018)</a:t>
+              <a:t>© 2023,FLLTutorials.com (Last Edit 05/29/2023)</a:t>
             </a:r>
             <a:endParaRPr lang="en-US" dirty="0"/>
           </a:p>
@@ -4587,9 +4587,9 @@
             </a:lvl1pPr>
           </a:lstStyle>
           <a:p>
-            <a:fld id="{6E2C03C4-0CEC-4C1B-B957-FB5E25C813A8}" type="datetime1">
+            <a:fld id="{94FEB73E-F68D-804D-BD26-D4C710C945B4}" type="datetime1">
               <a:rPr lang="en-US" smtClean="0"/>
-              <a:t>9/2/18</a:t>
+              <a:t>5/29/23</a:t>
             </a:fld>
             <a:endParaRPr lang="en-US" dirty="0"/>
           </a:p>
@@ -4637,7 +4637,7 @@
           <a:p>
             <a:r>
               <a:rPr lang="en-US"/>
-              <a:t>© 2018,FLL Tutorials (Last Edit 06/11/2018)</a:t>
+              <a:t>© 2023,FLLTutorials.com (Last Edit 05/29/2023)</a:t>
             </a:r>
             <a:endParaRPr lang="en-US" dirty="0"/>
           </a:p>
@@ -5277,7 +5277,7 @@
           <a:p>
             <a:r>
               <a:rPr lang="en-US"/>
-              <a:t>© 2018,FLL Tutorials (Last Edit 06/11/2018)</a:t>
+              <a:t>© 2023,FLLTutorials.com (Last Edit 05/29/2023)</a:t>
             </a:r>
             <a:endParaRPr lang="en-US" dirty="0"/>
           </a:p>
@@ -5578,19 +5578,41 @@
           <a:p>
             <a:r>
               <a:rPr lang="en-US" sz="2400" dirty="0"/>
-              <a:t>In FIRST LEGO League, sharing your project is a very important component.</a:t>
-            </a:r>
-          </a:p>
-          <a:p>
+              <a:t>In </a:t>
+            </a:r>
+            <a:r>
+              <a:rPr lang="en-US" sz="2400" i="1" dirty="0"/>
+              <a:t>FIRST</a:t>
+            </a:r>
             <a:r>
               <a:rPr lang="en-US" sz="2400" dirty="0"/>
-              <a:t>Sharing your project involves the presentation given to judges (which is covered in the lesson on Presentations), but also sharing with members of the public.</a:t>
+              <a:t> LEGO League, sharing your project is a very important component.</a:t>
             </a:r>
           </a:p>
           <a:p>
             <a:r>
               <a:rPr lang="en-US" sz="2400" dirty="0"/>
-              <a:t>Not only is it good practice for your team to share your project, but it is a key part of FIRST LEGO League</a:t>
+              <a:t>Sharing your project involves the presentation given to judges (which is covered in the lesson on Presentations), but also sharing with members of the public (experts and users)</a:t>
+            </a:r>
+          </a:p>
+          <a:p>
+            <a:r>
+              <a:rPr lang="en-US" sz="2400" dirty="0"/>
+              <a:t>Not only is it good practice for your team to share your project, but it is a key part of </a:t>
+            </a:r>
+            <a:r>
+              <a:rPr lang="en-US" sz="2400" i="1" dirty="0"/>
+              <a:t>FIRST</a:t>
+            </a:r>
+            <a:r>
+              <a:rPr lang="en-US" sz="2400" dirty="0"/>
+              <a:t> LEGO League and included on the Innovation Project rubric</a:t>
+            </a:r>
+          </a:p>
+          <a:p>
+            <a:r>
+              <a:rPr lang="en-US" sz="2400" dirty="0"/>
+              <a:t>The overall goal is to get feedback and improve your solution</a:t>
             </a:r>
           </a:p>
         </p:txBody>
@@ -5612,7 +5634,7 @@
           <a:p>
             <a:r>
               <a:rPr lang="en-US"/>
-              <a:t>© 2018,FLL Tutorials (Last Edit 06/11/2018)</a:t>
+              <a:t>© 2023,FLLTutorials.com (Last Edit 05/29/2023)</a:t>
             </a:r>
             <a:endParaRPr lang="en-US" dirty="0"/>
           </a:p>
@@ -5733,7 +5755,7 @@
                   <a:srgbClr val="FF0000"/>
                 </a:solidFill>
               </a:rPr>
-              <a:t>But also make sure to share with people who would actually use your innovative solution</a:t>
+              <a:t>But also make sure to share with people who would actually use your innovative solution and experts in the field who can give you feedback</a:t>
             </a:r>
           </a:p>
         </p:txBody>
@@ -5755,7 +5777,7 @@
           <a:p>
             <a:r>
               <a:rPr lang="en-US"/>
-              <a:t>© 2018,FLL Tutorials (Last Edit 06/11/2018)</a:t>
+              <a:t>© 2023,FLLTutorials.com (Last Edit 05/29/2023)</a:t>
             </a:r>
             <a:endParaRPr lang="en-US" dirty="0"/>
           </a:p>
@@ -5971,7 +5993,7 @@
           <a:p>
             <a:r>
               <a:rPr lang="en-US"/>
-              <a:t>© 2018,FLL Tutorials (Last Edit 06/11/2018)</a:t>
+              <a:t>© 2023,FLLTutorials.com (Last Edit 05/29/2023)</a:t>
             </a:r>
             <a:endParaRPr lang="en-US" dirty="0"/>
           </a:p>
@@ -6107,12 +6129,12 @@
         <p:spPr>
           <a:xfrm>
             <a:off x="398494" y="1543109"/>
-            <a:ext cx="8681544" cy="4429105"/>
+            <a:ext cx="8681544" cy="4627416"/>
           </a:xfrm>
         </p:spPr>
         <p:txBody>
           <a:bodyPr>
-            <a:normAutofit/>
+            <a:normAutofit lnSpcReduction="10000"/>
           </a:bodyPr>
           <a:lstStyle/>
           <a:p>
@@ -6127,7 +6149,7 @@
               <a:buAutoNum type="arabicPeriod"/>
             </a:pPr>
             <a:r>
-              <a:rPr lang="en-US" sz="1400" dirty="0"/>
+              <a:rPr lang="en-US" sz="1800" dirty="0"/>
               <a:t>Introduce the team enthusiastically </a:t>
             </a:r>
           </a:p>
@@ -6137,8 +6159,16 @@
               <a:buAutoNum type="arabicPeriod"/>
             </a:pPr>
             <a:r>
-              <a:rPr lang="en-US" sz="1400" dirty="0"/>
-              <a:t>Explain FIRST LEGO League</a:t>
+              <a:rPr lang="en-US" sz="1800" dirty="0"/>
+              <a:t>Explain </a:t>
+            </a:r>
+            <a:r>
+              <a:rPr lang="en-US" sz="1800" i="1" dirty="0"/>
+              <a:t>FIRST</a:t>
+            </a:r>
+            <a:r>
+              <a:rPr lang="en-US" sz="1800" dirty="0"/>
+              <a:t> LEGO League</a:t>
             </a:r>
           </a:p>
           <a:p>
@@ -6147,7 +6177,7 @@
               <a:buAutoNum type="arabicPeriod"/>
             </a:pPr>
             <a:r>
-              <a:rPr lang="en-US" sz="1400" dirty="0"/>
+              <a:rPr lang="en-US" sz="1800" dirty="0"/>
               <a:t>Explain the theme of this season</a:t>
             </a:r>
           </a:p>
@@ -6157,7 +6187,7 @@
               <a:buAutoNum type="arabicPeriod"/>
             </a:pPr>
             <a:r>
-              <a:rPr lang="en-US" sz="1400" dirty="0"/>
+              <a:rPr lang="en-US" sz="1800" dirty="0"/>
               <a:t>Define the problem</a:t>
             </a:r>
           </a:p>
@@ -6167,7 +6197,7 @@
               <a:buAutoNum type="arabicPeriod"/>
             </a:pPr>
             <a:r>
-              <a:rPr lang="en-US" sz="1400" dirty="0"/>
+              <a:rPr lang="en-US" sz="1800" dirty="0"/>
               <a:t>Explain existing solutions</a:t>
             </a:r>
           </a:p>
@@ -6177,7 +6207,7 @@
               <a:buAutoNum type="arabicPeriod"/>
             </a:pPr>
             <a:r>
-              <a:rPr lang="en-US" sz="1400" dirty="0"/>
+              <a:rPr lang="en-US" sz="1800" dirty="0"/>
               <a:t>Explain the solution</a:t>
             </a:r>
           </a:p>
@@ -6187,7 +6217,7 @@
               <a:buAutoNum type="arabicPeriod"/>
             </a:pPr>
             <a:r>
-              <a:rPr lang="en-US" sz="1400" dirty="0"/>
+              <a:rPr lang="en-US" sz="1800" dirty="0"/>
               <a:t>Explain why the solution is innovative</a:t>
             </a:r>
           </a:p>
@@ -6197,7 +6227,7 @@
               <a:buAutoNum type="arabicPeriod"/>
             </a:pPr>
             <a:r>
-              <a:rPr lang="en-US" sz="1400" dirty="0"/>
+              <a:rPr lang="en-US" sz="1800" dirty="0"/>
               <a:t>If the team tested the solution and made prototypes, explain the data that was received and talk about the prototype(s).</a:t>
             </a:r>
           </a:p>
@@ -6209,7 +6239,7 @@
               <a:buNone/>
             </a:pPr>
             <a:r>
-              <a:rPr lang="en-US" sz="1600" b="1" dirty="0">
+              <a:rPr lang="en-US" sz="2000" b="1" dirty="0">
                 <a:solidFill>
                   <a:srgbClr val="FF0000"/>
                 </a:solidFill>
@@ -6217,7 +6247,7 @@
               <a:t>Tip: </a:t>
             </a:r>
             <a:r>
-              <a:rPr lang="en-US" sz="1600" dirty="0">
+              <a:rPr lang="en-US" sz="2000" dirty="0">
                 <a:solidFill>
                   <a:schemeClr val="tx1"/>
                 </a:solidFill>
@@ -6250,7 +6280,7 @@
           <a:p>
             <a:r>
               <a:rPr lang="en-US"/>
-              <a:t>© 2018,FLL Tutorials (Last Edit 06/11/2018)</a:t>
+              <a:t>© 2023,FLLTutorials.com (Last Edit 05/29/2023)</a:t>
             </a:r>
             <a:endParaRPr lang="en-US" dirty="0"/>
           </a:p>
@@ -6402,7 +6432,7 @@
           <a:p>
             <a:r>
               <a:rPr lang="en-US" sz="2400" dirty="0"/>
-              <a:t>Try to incorporate the ideas into your innovative solution</a:t>
+              <a:t>Incorporate the ideas into your innovative solution</a:t>
             </a:r>
           </a:p>
           <a:p>
@@ -6439,7 +6469,7 @@
           <a:p>
             <a:r>
               <a:rPr lang="en-US"/>
-              <a:t>© 2018,FLL Tutorials (Last Edit 06/11/2018)</a:t>
+              <a:t>© 2023,FLLTutorials.com (Last Edit 05/29/2023)</a:t>
             </a:r>
             <a:endParaRPr lang="en-US" dirty="0"/>
           </a:p>
@@ -6623,7 +6653,7 @@
           <a:p>
             <a:r>
               <a:rPr lang="en-US"/>
-              <a:t>© 2018,FLL Tutorials (Last Edit 06/11/2018)</a:t>
+              <a:t>© 2023,FLLTutorials.com (Last Edit 05/29/2023)</a:t>
             </a:r>
             <a:endParaRPr lang="en-US" dirty="0"/>
           </a:p>
